--- a/dick/Presentation/Powerpoint presentatie 22 maart CSL.pptx
+++ b/dick/Presentation/Powerpoint presentatie 22 maart CSL.pptx
@@ -7,37 +7,21 @@
     <p:sldMasterId id="2147483660" r:id="rId3"/>
   </p:sldMasterIdLst>
   <p:notesMasterIdLst>
-    <p:notesMasterId r:id="rId29"/>
+    <p:notesMasterId r:id="rId13"/>
   </p:notesMasterIdLst>
   <p:handoutMasterIdLst>
-    <p:handoutMasterId r:id="rId30"/>
+    <p:handoutMasterId r:id="rId14"/>
   </p:handoutMasterIdLst>
   <p:sldIdLst>
     <p:sldId id="256" r:id="rId4"/>
     <p:sldId id="266" r:id="rId5"/>
     <p:sldId id="273" r:id="rId6"/>
     <p:sldId id="293" r:id="rId7"/>
-    <p:sldId id="294" r:id="rId8"/>
-    <p:sldId id="292" r:id="rId9"/>
-    <p:sldId id="272" r:id="rId10"/>
-    <p:sldId id="274" r:id="rId11"/>
-    <p:sldId id="275" r:id="rId12"/>
-    <p:sldId id="276" r:id="rId13"/>
-    <p:sldId id="277" r:id="rId14"/>
-    <p:sldId id="278" r:id="rId15"/>
-    <p:sldId id="279" r:id="rId16"/>
-    <p:sldId id="270" r:id="rId17"/>
-    <p:sldId id="280" r:id="rId18"/>
-    <p:sldId id="281" r:id="rId19"/>
-    <p:sldId id="282" r:id="rId20"/>
-    <p:sldId id="283" r:id="rId21"/>
-    <p:sldId id="287" r:id="rId22"/>
-    <p:sldId id="285" r:id="rId23"/>
-    <p:sldId id="286" r:id="rId24"/>
-    <p:sldId id="284" r:id="rId25"/>
-    <p:sldId id="288" r:id="rId26"/>
-    <p:sldId id="289" r:id="rId27"/>
-    <p:sldId id="291" r:id="rId28"/>
+    <p:sldId id="296" r:id="rId8"/>
+    <p:sldId id="294" r:id="rId9"/>
+    <p:sldId id="297" r:id="rId10"/>
+    <p:sldId id="292" r:id="rId11"/>
+    <p:sldId id="295" r:id="rId12"/>
   </p:sldIdLst>
   <p:sldSz cx="9144000" cy="6858000" type="screen4x3"/>
   <p:notesSz cx="6858000" cy="9144000"/>
@@ -737,90 +721,6 @@
     <p:extLst>
       <p:ext uri="{BB962C8B-B14F-4D97-AF65-F5344CB8AC3E}">
         <p14:creationId xmlns:p14="http://schemas.microsoft.com/office/powerpoint/2010/main" val="3877494728"/>
-      </p:ext>
-    </p:extLst>
-  </p:cSld>
-  <p:clrMapOvr>
-    <a:masterClrMapping/>
-  </p:clrMapOvr>
-</p:notes>
-</file>
-
-<file path=ppt/notesSlides/notesSlide2.xml><?xml version="1.0" encoding="utf-8"?>
-<p:notes xmlns:a="http://schemas.openxmlformats.org/drawingml/2006/main" xmlns:r="http://schemas.openxmlformats.org/officeDocument/2006/relationships" xmlns:p="http://schemas.openxmlformats.org/presentationml/2006/main">
-  <p:cSld>
-    <p:spTree>
-      <p:nvGrpSpPr>
-        <p:cNvPr id="1" name=""/>
-        <p:cNvGrpSpPr/>
-        <p:nvPr/>
-      </p:nvGrpSpPr>
-      <p:grpSpPr>
-        <a:xfrm>
-          <a:off x="0" y="0"/>
-          <a:ext cx="0" cy="0"/>
-          <a:chOff x="0" y="0"/>
-          <a:chExt cx="0" cy="0"/>
-        </a:xfrm>
-      </p:grpSpPr>
-      <p:sp>
-        <p:nvSpPr>
-          <p:cNvPr id="2" name="Slide Image Placeholder 1"/>
-          <p:cNvSpPr>
-            <a:spLocks noGrp="1" noRot="1" noChangeAspect="1"/>
-          </p:cNvSpPr>
-          <p:nvPr>
-            <p:ph type="sldImg"/>
-          </p:nvPr>
-        </p:nvSpPr>
-        <p:spPr/>
-      </p:sp>
-      <p:sp>
-        <p:nvSpPr>
-          <p:cNvPr id="3" name="Notes Placeholder 2"/>
-          <p:cNvSpPr>
-            <a:spLocks noGrp="1"/>
-          </p:cNvSpPr>
-          <p:nvPr>
-            <p:ph type="body" idx="1"/>
-          </p:nvPr>
-        </p:nvSpPr>
-        <p:spPr/>
-        <p:txBody>
-          <a:bodyPr/>
-          <a:lstStyle/>
-          <a:p>
-            <a:endParaRPr lang="nl-NL" dirty="0"/>
-          </a:p>
-        </p:txBody>
-      </p:sp>
-      <p:sp>
-        <p:nvSpPr>
-          <p:cNvPr id="4" name="Slide Number Placeholder 3"/>
-          <p:cNvSpPr>
-            <a:spLocks noGrp="1"/>
-          </p:cNvSpPr>
-          <p:nvPr>
-            <p:ph type="sldNum" sz="quarter" idx="10"/>
-          </p:nvPr>
-        </p:nvSpPr>
-        <p:spPr/>
-        <p:txBody>
-          <a:bodyPr/>
-          <a:lstStyle/>
-          <a:p>
-            <a:fld id="{AE92504F-9271-428E-B456-8DA80BC0B471}" type="slidenum">
-              <a:rPr lang="nl-NL" smtClean="0"/>
-              <a:t>15</a:t>
-            </a:fld>
-            <a:endParaRPr lang="nl-NL"/>
-          </a:p>
-        </p:txBody>
-      </p:sp>
-    </p:spTree>
-    <p:extLst>
-      <p:ext uri="{BB962C8B-B14F-4D97-AF65-F5344CB8AC3E}">
-        <p14:creationId xmlns:p14="http://schemas.microsoft.com/office/powerpoint/2010/main" val="4234532798"/>
       </p:ext>
     </p:extLst>
   </p:cSld>
@@ -5962,7 +5862,7 @@
         </p:nvSpPr>
         <p:spPr>
           <a:xfrm>
-            <a:off x="1880240" y="100981"/>
+            <a:off x="1880240" y="222901"/>
             <a:ext cx="6577959" cy="2028047"/>
           </a:xfrm>
         </p:spPr>
@@ -6107,8 +6007,8 @@
         </p:nvSpPr>
         <p:spPr>
           <a:xfrm>
-            <a:off x="-2" y="3200400"/>
-            <a:ext cx="1744133" cy="954107"/>
+            <a:off x="-85346" y="3218688"/>
+            <a:ext cx="1880242" cy="2246769"/>
           </a:xfrm>
           <a:prstGeom prst="rect">
             <a:avLst/>
@@ -6127,7 +6027,15 @@
                   <a:schemeClr val="bg1"/>
                 </a:solidFill>
               </a:rPr>
-              <a:t>- Benchmark model</a:t>
+              <a:t>- </a:t>
+            </a:r>
+            <a:r>
+              <a:rPr lang="nl-NL" sz="1400" dirty="0" smtClean="0">
+                <a:solidFill>
+                  <a:schemeClr val="bg1"/>
+                </a:solidFill>
+              </a:rPr>
+              <a:t>Physical system</a:t>
             </a:r>
             <a:endParaRPr lang="nl-NL" sz="1400" dirty="0">
               <a:solidFill>
@@ -6142,18 +6050,21 @@
                   <a:schemeClr val="bg1"/>
                 </a:solidFill>
               </a:rPr>
-              <a:t>- Lean rate controller</a:t>
-            </a:r>
-          </a:p>
-          <a:p>
+              <a:t>- </a:t>
+            </a:r>
             <a:r>
               <a:rPr lang="nl-NL" sz="1400" dirty="0" smtClean="0">
                 <a:solidFill>
                   <a:schemeClr val="bg1"/>
                 </a:solidFill>
               </a:rPr>
-              <a:t>- Human controller</a:t>
-            </a:r>
+              <a:t>Black box model</a:t>
+            </a:r>
+            <a:endParaRPr lang="nl-NL" sz="1400" dirty="0" smtClean="0">
+              <a:solidFill>
+                <a:schemeClr val="bg1"/>
+              </a:solidFill>
+            </a:endParaRPr>
           </a:p>
           <a:p>
             <a:r>
@@ -6162,8 +6073,78 @@
                   <a:schemeClr val="bg1"/>
                 </a:solidFill>
               </a:rPr>
-              <a:t>- LQ optimal control</a:t>
-            </a:r>
+              <a:t>- Simulink model</a:t>
+            </a:r>
+          </a:p>
+          <a:p>
+            <a:r>
+              <a:rPr lang="nl-NL" sz="1400" dirty="0" smtClean="0">
+                <a:solidFill>
+                  <a:schemeClr val="bg1"/>
+                </a:solidFill>
+              </a:rPr>
+              <a:t>- Linearisation</a:t>
+            </a:r>
+            <a:endParaRPr lang="nl-NL" sz="1400" dirty="0" smtClean="0">
+              <a:solidFill>
+                <a:schemeClr val="bg1"/>
+              </a:solidFill>
+            </a:endParaRPr>
+          </a:p>
+          <a:p>
+            <a:r>
+              <a:rPr lang="nl-NL" sz="1400" dirty="0" smtClean="0">
+                <a:solidFill>
+                  <a:schemeClr val="bg1"/>
+                </a:solidFill>
+              </a:rPr>
+              <a:t>- Parameter estimation</a:t>
+            </a:r>
+          </a:p>
+          <a:p>
+            <a:r>
+              <a:rPr lang="nl-NL" sz="1400" dirty="0" smtClean="0">
+                <a:solidFill>
+                  <a:schemeClr val="bg1"/>
+                </a:solidFill>
+              </a:rPr>
+              <a:t>- LQR controller</a:t>
+            </a:r>
+          </a:p>
+          <a:p>
+            <a:r>
+              <a:rPr lang="nl-NL" sz="1400" dirty="0" smtClean="0">
+                <a:solidFill>
+                  <a:schemeClr val="bg1"/>
+                </a:solidFill>
+              </a:rPr>
+              <a:t>- Kalman filter</a:t>
+            </a:r>
+          </a:p>
+          <a:p>
+            <a:r>
+              <a:rPr lang="nl-NL" sz="1400" dirty="0" smtClean="0">
+                <a:solidFill>
+                  <a:schemeClr val="bg1"/>
+                </a:solidFill>
+              </a:rPr>
+              <a:t>- Simulation + visualization</a:t>
+            </a:r>
+          </a:p>
+          <a:p>
+            <a:r>
+              <a:rPr lang="nl-NL" sz="1400" dirty="0" smtClean="0">
+                <a:solidFill>
+                  <a:schemeClr val="bg1"/>
+                </a:solidFill>
+              </a:rPr>
+              <a:t>- Demo</a:t>
+            </a:r>
+            <a:endParaRPr lang="nl-NL" sz="1400" dirty="0" smtClean="0">
+              <a:solidFill>
+                <a:schemeClr val="bg1"/>
+              </a:solidFill>
+            </a:endParaRPr>
           </a:p>
         </p:txBody>
       </p:sp>
@@ -6251,7 +6232,7 @@
 </p:sld>
 </file>
 
-<file path=ppt/slides/slide10.xml><?xml version="1.0" encoding="utf-8"?>
+<file path=ppt/slides/slide2.xml><?xml version="1.0" encoding="utf-8"?>
 <p:sld xmlns:a="http://schemas.openxmlformats.org/drawingml/2006/main" xmlns:r="http://schemas.openxmlformats.org/officeDocument/2006/relationships" xmlns:p="http://schemas.openxmlformats.org/presentationml/2006/main">
   <p:cSld>
     <p:spTree>
@@ -6270,36 +6251,115 @@
       </p:grpSpPr>
       <p:sp>
         <p:nvSpPr>
-          <p:cNvPr id="3" name="TextBox 2"/>
-          <p:cNvSpPr txBox="1"/>
-          <p:nvPr/>
+          <p:cNvPr id="2" name="Title 1"/>
+          <p:cNvSpPr>
+            <a:spLocks noGrp="1"/>
+          </p:cNvSpPr>
+          <p:nvPr>
+            <p:ph type="title"/>
+          </p:nvPr>
+        </p:nvSpPr>
+        <p:spPr/>
+        <p:txBody>
+          <a:bodyPr/>
+          <a:lstStyle/>
+          <a:p>
+            <a:r>
+              <a:rPr lang="en-US" dirty="0" smtClean="0"/>
+              <a:t>Physical system</a:t>
+            </a:r>
+            <a:endParaRPr lang="en-US" dirty="0"/>
+          </a:p>
+        </p:txBody>
+      </p:sp>
+      <p:sp>
+        <p:nvSpPr>
+          <p:cNvPr id="3" name="Content Placeholder 2"/>
+          <p:cNvSpPr>
+            <a:spLocks noGrp="1"/>
+          </p:cNvSpPr>
+          <p:nvPr>
+            <p:ph idx="1"/>
+          </p:nvPr>
         </p:nvSpPr>
         <p:spPr>
           <a:xfrm>
-            <a:off x="1944686" y="6332788"/>
-            <a:ext cx="6995128" cy="369332"/>
+            <a:off x="1763106" y="1719072"/>
+            <a:ext cx="7106464" cy="3566122"/>
           </a:xfrm>
-          <a:prstGeom prst="rect">
-            <a:avLst/>
-          </a:prstGeom>
-          <a:noFill/>
         </p:spPr>
         <p:txBody>
-          <a:bodyPr wrap="square" rtlCol="0">
-            <a:spAutoFit/>
-          </a:bodyPr>
+          <a:bodyPr/>
           <a:lstStyle/>
           <a:p>
-            <a:r>
-              <a:rPr lang="nl-NL" dirty="0" smtClean="0"/>
-              <a:t>Reactie na initiële verstoring van 0.45 rad/s met torque limiet op 1.4 m/s</a:t>
-            </a:r>
+            <a:pPr>
+              <a:buFont typeface="Arial" pitchFamily="34" charset="0"/>
+              <a:buChar char="•"/>
+            </a:pPr>
+            <a:r>
+              <a:rPr lang="en-US" dirty="0" smtClean="0"/>
+              <a:t>Inverted input compared to model</a:t>
+            </a:r>
+          </a:p>
+          <a:p>
+            <a:pPr>
+              <a:buFont typeface="Arial" pitchFamily="34" charset="0"/>
+              <a:buChar char="•"/>
+            </a:pPr>
+            <a:r>
+              <a:rPr lang="en-US" dirty="0" smtClean="0"/>
+              <a:t>CW rotation positive for theta1 and theta2</a:t>
+            </a:r>
+          </a:p>
+          <a:p>
+            <a:pPr>
+              <a:buFont typeface="Arial" pitchFamily="34" charset="0"/>
+              <a:buChar char="•"/>
+            </a:pPr>
+            <a:r>
+              <a:rPr lang="en-US" dirty="0" smtClean="0"/>
+              <a:t>Gain offset for theta2</a:t>
+            </a:r>
+          </a:p>
+          <a:p>
+            <a:pPr>
+              <a:buFont typeface="Arial" pitchFamily="34" charset="0"/>
+              <a:buChar char="•"/>
+            </a:pPr>
+            <a:r>
+              <a:rPr lang="en-US" dirty="0" smtClean="0"/>
+              <a:t>A lot of </a:t>
+            </a:r>
+            <a:r>
+              <a:rPr lang="en-US" dirty="0" smtClean="0"/>
+              <a:t>backlash in the system. Backlash is caused by distance between the overlapping teeth of gears.</a:t>
+            </a:r>
+            <a:endParaRPr lang="en-US" dirty="0" smtClean="0"/>
+          </a:p>
+          <a:p>
+            <a:pPr>
+              <a:buFont typeface="Arial" pitchFamily="34" charset="0"/>
+              <a:buChar char="•"/>
+            </a:pPr>
+            <a:endParaRPr lang="en-US" dirty="0" smtClean="0"/>
+          </a:p>
+          <a:p>
+            <a:pPr marL="0" indent="0">
+              <a:buNone/>
+            </a:pPr>
+            <a:endParaRPr lang="en-US" dirty="0">
+              <a:solidFill>
+                <a:schemeClr val="tx2">
+                  <a:lumMod val="50000"/>
+                </a:schemeClr>
+              </a:solidFill>
+            </a:endParaRPr>
           </a:p>
         </p:txBody>
       </p:sp>
       <p:pic>
         <p:nvPicPr>
-          <p:cNvPr id="6147" name="Picture 3" descr="D:\Documenten\Biomedical Engineering\Afstuderen\Active stability control bicycle\Thesis Report\Figures\v14Ks11State1_torque_limiter.png"/>
+          <p:cNvPr id="4098" name="Picture 2" descr="C:\Users\Dick\Documents\GitHub\control-system-lab\dick\Presentation\Backlash.png"/>
           <p:cNvPicPr>
             <a:picLocks noChangeAspect="1" noChangeArrowheads="1"/>
           </p:cNvPicPr>
@@ -6320,8 +6380,8 @@
         </p:blipFill>
         <p:spPr bwMode="auto">
           <a:xfrm>
-            <a:off x="1944686" y="317738"/>
-            <a:ext cx="7199313" cy="6115050"/>
+            <a:off x="3633216" y="4027541"/>
+            <a:ext cx="3206242" cy="1705138"/>
           </a:xfrm>
           <a:prstGeom prst="rect">
             <a:avLst/>
@@ -6340,14 +6400,14 @@
       </p:pic>
       <p:sp>
         <p:nvSpPr>
-          <p:cNvPr id="5" name="TextBox 4"/>
+          <p:cNvPr id="6" name="TextBox 5"/>
           <p:cNvSpPr txBox="1"/>
           <p:nvPr/>
         </p:nvSpPr>
         <p:spPr>
           <a:xfrm>
-            <a:off x="-2" y="3200400"/>
-            <a:ext cx="1744133" cy="954107"/>
+            <a:off x="-85346" y="3218688"/>
+            <a:ext cx="1880242" cy="2246769"/>
           </a:xfrm>
           <a:prstGeom prst="rect">
             <a:avLst/>
@@ -6363,195 +6423,13 @@
             <a:r>
               <a:rPr lang="nl-NL" sz="1400" dirty="0" smtClean="0">
                 <a:solidFill>
-                  <a:schemeClr val="bg1"/>
-                </a:solidFill>
-              </a:rPr>
-              <a:t>- Benchmark model</a:t>
-            </a:r>
-            <a:endParaRPr lang="nl-NL" sz="1400" dirty="0">
-              <a:solidFill>
-                <a:schemeClr val="bg1"/>
-              </a:solidFill>
-            </a:endParaRPr>
-          </a:p>
-          <a:p>
-            <a:r>
-              <a:rPr lang="nl-NL" sz="1400" dirty="0" smtClean="0">
-                <a:solidFill>
                   <a:schemeClr val="tx2">
                     <a:lumMod val="50000"/>
                   </a:schemeClr>
                 </a:solidFill>
               </a:rPr>
-              <a:t>- Lean rate controller</a:t>
-            </a:r>
-          </a:p>
-          <a:p>
-            <a:r>
-              <a:rPr lang="nl-NL" sz="1400" dirty="0" smtClean="0">
-                <a:solidFill>
-                  <a:schemeClr val="bg1"/>
-                </a:solidFill>
-              </a:rPr>
-              <a:t>- Human controller</a:t>
-            </a:r>
-          </a:p>
-          <a:p>
-            <a:r>
-              <a:rPr lang="nl-NL" sz="1400" dirty="0" smtClean="0">
-                <a:solidFill>
-                  <a:schemeClr val="bg1"/>
-                </a:solidFill>
-              </a:rPr>
-              <a:t>- LQ optimal control</a:t>
-            </a:r>
-          </a:p>
-        </p:txBody>
-      </p:sp>
-    </p:spTree>
-    <p:extLst>
-      <p:ext uri="{BB962C8B-B14F-4D97-AF65-F5344CB8AC3E}">
-        <p14:creationId xmlns:p14="http://schemas.microsoft.com/office/powerpoint/2010/main" val="3065121210"/>
-      </p:ext>
-    </p:extLst>
-  </p:cSld>
-  <p:clrMapOvr>
-    <a:masterClrMapping/>
-  </p:clrMapOvr>
-  <p:timing>
-    <p:tnLst>
-      <p:par>
-        <p:cTn id="1" dur="indefinite" restart="never" nodeType="tmRoot"/>
-      </p:par>
-    </p:tnLst>
-  </p:timing>
-</p:sld>
-</file>
-
-<file path=ppt/slides/slide11.xml><?xml version="1.0" encoding="utf-8"?>
-<p:sld xmlns:a="http://schemas.openxmlformats.org/drawingml/2006/main" xmlns:r="http://schemas.openxmlformats.org/officeDocument/2006/relationships" xmlns:p="http://schemas.openxmlformats.org/presentationml/2006/main">
-  <p:cSld>
-    <p:spTree>
-      <p:nvGrpSpPr>
-        <p:cNvPr id="1" name=""/>
-        <p:cNvGrpSpPr/>
-        <p:nvPr/>
-      </p:nvGrpSpPr>
-      <p:grpSpPr>
-        <a:xfrm>
-          <a:off x="0" y="0"/>
-          <a:ext cx="0" cy="0"/>
-          <a:chOff x="0" y="0"/>
-          <a:chExt cx="0" cy="0"/>
-        </a:xfrm>
-      </p:grpSpPr>
-      <p:pic>
-        <p:nvPicPr>
-          <p:cNvPr id="7170" name="Picture 2" descr="D:\Documenten\Biomedical Engineering\Afstuderen\Active stability control bicycle\Thesis Report\Figures\v25Ks11State1_torque_limiter.png"/>
-          <p:cNvPicPr>
-            <a:picLocks noChangeAspect="1" noChangeArrowheads="1"/>
-          </p:cNvPicPr>
-          <p:nvPr/>
-        </p:nvPicPr>
-        <p:blipFill>
-          <a:blip r:embed="rId2">
-            <a:extLst>
-              <a:ext uri="{28A0092B-C50C-407E-A947-70E740481C1C}">
-                <a14:useLocalDpi xmlns:a14="http://schemas.microsoft.com/office/drawing/2010/main" val="0"/>
-              </a:ext>
-            </a:extLst>
-          </a:blip>
-          <a:srcRect/>
-          <a:stretch>
-            <a:fillRect/>
-          </a:stretch>
-        </p:blipFill>
-        <p:spPr bwMode="auto">
-          <a:xfrm>
-            <a:off x="1944687" y="260342"/>
-            <a:ext cx="7199313" cy="6115050"/>
-          </a:xfrm>
-          <a:prstGeom prst="rect">
-            <a:avLst/>
-          </a:prstGeom>
-          <a:noFill/>
-          <a:extLst>
-            <a:ext uri="{909E8E84-426E-40DD-AFC4-6F175D3DCCD1}">
-              <a14:hiddenFill xmlns:a14="http://schemas.microsoft.com/office/drawing/2010/main">
-                <a:solidFill>
-                  <a:srgbClr val="FFFFFF"/>
-                </a:solidFill>
-              </a14:hiddenFill>
-            </a:ext>
-          </a:extLst>
-        </p:spPr>
-      </p:pic>
-      <p:sp>
-        <p:nvSpPr>
-          <p:cNvPr id="3" name="TextBox 2"/>
-          <p:cNvSpPr txBox="1"/>
-          <p:nvPr/>
-        </p:nvSpPr>
-        <p:spPr>
-          <a:xfrm>
-            <a:off x="2029354" y="6190726"/>
-            <a:ext cx="7345617" cy="369332"/>
-          </a:xfrm>
-          <a:prstGeom prst="rect">
-            <a:avLst/>
-          </a:prstGeom>
-          <a:noFill/>
-        </p:spPr>
-        <p:txBody>
-          <a:bodyPr wrap="square" rtlCol="0">
-            <a:spAutoFit/>
-          </a:bodyPr>
-          <a:lstStyle/>
-          <a:p>
-            <a:r>
-              <a:rPr lang="nl-NL" dirty="0" smtClean="0"/>
-              <a:t>Reactie na initiële verstoring van 0.56 rad/s met torque limiet op 2.5 m/s</a:t>
-            </a:r>
-          </a:p>
-        </p:txBody>
-      </p:sp>
-      <p:sp>
-        <p:nvSpPr>
-          <p:cNvPr id="5" name="TextBox 4"/>
-          <p:cNvSpPr txBox="1"/>
-          <p:nvPr/>
-        </p:nvSpPr>
-        <p:spPr>
-          <a:xfrm>
-            <a:off x="-2" y="3200400"/>
-            <a:ext cx="1744133" cy="954107"/>
-          </a:xfrm>
-          <a:prstGeom prst="rect">
-            <a:avLst/>
-          </a:prstGeom>
-          <a:noFill/>
-        </p:spPr>
-        <p:txBody>
-          <a:bodyPr wrap="square" rtlCol="0">
-            <a:spAutoFit/>
-          </a:bodyPr>
-          <a:lstStyle/>
-          <a:p>
-            <a:r>
-              <a:rPr lang="nl-NL" sz="1400" dirty="0" smtClean="0">
-                <a:solidFill>
-                  <a:schemeClr val="bg1"/>
-                </a:solidFill>
-              </a:rPr>
-              <a:t>- Benchmark model</a:t>
-            </a:r>
-            <a:endParaRPr lang="nl-NL" sz="1400" dirty="0">
-              <a:solidFill>
-                <a:schemeClr val="bg1"/>
-              </a:solidFill>
-            </a:endParaRPr>
-          </a:p>
-          <a:p>
+              <a:t>- </a:t>
+            </a:r>
             <a:r>
               <a:rPr lang="nl-NL" sz="1400" dirty="0" smtClean="0">
                 <a:solidFill>
@@ -6560,2199 +6438,7 @@
                   </a:schemeClr>
                 </a:solidFill>
               </a:rPr>
-              <a:t>- Lean rate controller</a:t>
-            </a:r>
-          </a:p>
-          <a:p>
-            <a:r>
-              <a:rPr lang="nl-NL" sz="1400" dirty="0" smtClean="0">
-                <a:solidFill>
-                  <a:schemeClr val="bg1"/>
-                </a:solidFill>
-              </a:rPr>
-              <a:t>- Human controller</a:t>
-            </a:r>
-          </a:p>
-          <a:p>
-            <a:r>
-              <a:rPr lang="nl-NL" sz="1400" dirty="0" smtClean="0">
-                <a:solidFill>
-                  <a:schemeClr val="bg1"/>
-                </a:solidFill>
-              </a:rPr>
-              <a:t>- LQ optimal control</a:t>
-            </a:r>
-          </a:p>
-        </p:txBody>
-      </p:sp>
-    </p:spTree>
-    <p:extLst>
-      <p:ext uri="{BB962C8B-B14F-4D97-AF65-F5344CB8AC3E}">
-        <p14:creationId xmlns:p14="http://schemas.microsoft.com/office/powerpoint/2010/main" val="2018584244"/>
-      </p:ext>
-    </p:extLst>
-  </p:cSld>
-  <p:clrMapOvr>
-    <a:masterClrMapping/>
-  </p:clrMapOvr>
-  <p:timing>
-    <p:tnLst>
-      <p:par>
-        <p:cTn id="1" dur="indefinite" restart="never" nodeType="tmRoot"/>
-      </p:par>
-    </p:tnLst>
-  </p:timing>
-</p:sld>
-</file>
-
-<file path=ppt/slides/slide12.xml><?xml version="1.0" encoding="utf-8"?>
-<p:sld xmlns:a="http://schemas.openxmlformats.org/drawingml/2006/main" xmlns:r="http://schemas.openxmlformats.org/officeDocument/2006/relationships" xmlns:p="http://schemas.openxmlformats.org/presentationml/2006/main">
-  <p:cSld>
-    <p:spTree>
-      <p:nvGrpSpPr>
-        <p:cNvPr id="1" name=""/>
-        <p:cNvGrpSpPr/>
-        <p:nvPr/>
-      </p:nvGrpSpPr>
-      <p:grpSpPr>
-        <a:xfrm>
-          <a:off x="0" y="0"/>
-          <a:ext cx="0" cy="0"/>
-          <a:chOff x="0" y="0"/>
-          <a:chExt cx="0" cy="0"/>
-        </a:xfrm>
-      </p:grpSpPr>
-      <p:pic>
-        <p:nvPicPr>
-          <p:cNvPr id="8194" name="Picture 2" descr="D:\Documenten\Biomedical Engineering\Afstuderen\Active stability control bicycle\Thesis Report\Figures\v42Ks11State1_torque_limiter.png"/>
-          <p:cNvPicPr>
-            <a:picLocks noChangeAspect="1" noChangeArrowheads="1"/>
-          </p:cNvPicPr>
-          <p:nvPr/>
-        </p:nvPicPr>
-        <p:blipFill>
-          <a:blip r:embed="rId2">
-            <a:extLst>
-              <a:ext uri="{28A0092B-C50C-407E-A947-70E740481C1C}">
-                <a14:useLocalDpi xmlns:a14="http://schemas.microsoft.com/office/drawing/2010/main" val="0"/>
-              </a:ext>
-            </a:extLst>
-          </a:blip>
-          <a:srcRect/>
-          <a:stretch>
-            <a:fillRect/>
-          </a:stretch>
-        </p:blipFill>
-        <p:spPr bwMode="auto">
-          <a:xfrm>
-            <a:off x="1944687" y="229100"/>
-            <a:ext cx="7199313" cy="6115050"/>
-          </a:xfrm>
-          <a:prstGeom prst="rect">
-            <a:avLst/>
-          </a:prstGeom>
-          <a:noFill/>
-          <a:extLst>
-            <a:ext uri="{909E8E84-426E-40DD-AFC4-6F175D3DCCD1}">
-              <a14:hiddenFill xmlns:a14="http://schemas.microsoft.com/office/drawing/2010/main">
-                <a:solidFill>
-                  <a:srgbClr val="FFFFFF"/>
-                </a:solidFill>
-              </a14:hiddenFill>
-            </a:ext>
-          </a:extLst>
-        </p:spPr>
-      </p:pic>
-      <p:sp>
-        <p:nvSpPr>
-          <p:cNvPr id="3" name="TextBox 2"/>
-          <p:cNvSpPr txBox="1"/>
-          <p:nvPr/>
-        </p:nvSpPr>
-        <p:spPr>
-          <a:xfrm>
-            <a:off x="2032000" y="6251017"/>
-            <a:ext cx="7112000" cy="369332"/>
-          </a:xfrm>
-          <a:prstGeom prst="rect">
-            <a:avLst/>
-          </a:prstGeom>
-          <a:noFill/>
-        </p:spPr>
-        <p:txBody>
-          <a:bodyPr wrap="square" rtlCol="0">
-            <a:spAutoFit/>
-          </a:bodyPr>
-          <a:lstStyle/>
-          <a:p>
-            <a:r>
-              <a:rPr lang="nl-NL" dirty="0" smtClean="0"/>
-              <a:t>Reactie na initiële verstoring van 0.8 rad/s met torque limiet op 4.2 m/s</a:t>
-            </a:r>
-          </a:p>
-        </p:txBody>
-      </p:sp>
-      <p:sp>
-        <p:nvSpPr>
-          <p:cNvPr id="4" name="TextBox 3"/>
-          <p:cNvSpPr txBox="1"/>
-          <p:nvPr/>
-        </p:nvSpPr>
-        <p:spPr>
-          <a:xfrm>
-            <a:off x="-2" y="3200400"/>
-            <a:ext cx="1744133" cy="954107"/>
-          </a:xfrm>
-          <a:prstGeom prst="rect">
-            <a:avLst/>
-          </a:prstGeom>
-          <a:noFill/>
-        </p:spPr>
-        <p:txBody>
-          <a:bodyPr wrap="square" rtlCol="0">
-            <a:spAutoFit/>
-          </a:bodyPr>
-          <a:lstStyle/>
-          <a:p>
-            <a:r>
-              <a:rPr lang="nl-NL" sz="1400" dirty="0" smtClean="0">
-                <a:solidFill>
-                  <a:schemeClr val="bg1"/>
-                </a:solidFill>
-              </a:rPr>
-              <a:t>- Benchmark model</a:t>
-            </a:r>
-            <a:endParaRPr lang="nl-NL" sz="1400" dirty="0">
-              <a:solidFill>
-                <a:schemeClr val="bg1"/>
-              </a:solidFill>
-            </a:endParaRPr>
-          </a:p>
-          <a:p>
-            <a:r>
-              <a:rPr lang="nl-NL" sz="1400" dirty="0" smtClean="0">
-                <a:solidFill>
-                  <a:schemeClr val="tx2">
-                    <a:lumMod val="50000"/>
-                  </a:schemeClr>
-                </a:solidFill>
-              </a:rPr>
-              <a:t>- Lean rate controller</a:t>
-            </a:r>
-          </a:p>
-          <a:p>
-            <a:r>
-              <a:rPr lang="nl-NL" sz="1400" dirty="0" smtClean="0">
-                <a:solidFill>
-                  <a:schemeClr val="bg1"/>
-                </a:solidFill>
-              </a:rPr>
-              <a:t>- Human controller</a:t>
-            </a:r>
-          </a:p>
-          <a:p>
-            <a:r>
-              <a:rPr lang="nl-NL" sz="1400" dirty="0" smtClean="0">
-                <a:solidFill>
-                  <a:schemeClr val="bg1"/>
-                </a:solidFill>
-              </a:rPr>
-              <a:t>- LQ optimal control</a:t>
-            </a:r>
-          </a:p>
-        </p:txBody>
-      </p:sp>
-    </p:spTree>
-    <p:extLst>
-      <p:ext uri="{BB962C8B-B14F-4D97-AF65-F5344CB8AC3E}">
-        <p14:creationId xmlns:p14="http://schemas.microsoft.com/office/powerpoint/2010/main" val="4242892364"/>
-      </p:ext>
-    </p:extLst>
-  </p:cSld>
-  <p:clrMapOvr>
-    <a:masterClrMapping/>
-  </p:clrMapOvr>
-  <p:timing>
-    <p:tnLst>
-      <p:par>
-        <p:cTn id="1" dur="indefinite" restart="never" nodeType="tmRoot"/>
-      </p:par>
-    </p:tnLst>
-  </p:timing>
-</p:sld>
-</file>
-
-<file path=ppt/slides/slide13.xml><?xml version="1.0" encoding="utf-8"?>
-<p:sld xmlns:a="http://schemas.openxmlformats.org/drawingml/2006/main" xmlns:r="http://schemas.openxmlformats.org/officeDocument/2006/relationships" xmlns:p="http://schemas.openxmlformats.org/presentationml/2006/main">
-  <p:cSld>
-    <p:spTree>
-      <p:nvGrpSpPr>
-        <p:cNvPr id="1" name=""/>
-        <p:cNvGrpSpPr/>
-        <p:nvPr/>
-      </p:nvGrpSpPr>
-      <p:grpSpPr>
-        <a:xfrm>
-          <a:off x="0" y="0"/>
-          <a:ext cx="0" cy="0"/>
-          <a:chOff x="0" y="0"/>
-          <a:chExt cx="0" cy="0"/>
-        </a:xfrm>
-      </p:grpSpPr>
-      <p:sp>
-        <p:nvSpPr>
-          <p:cNvPr id="2" name="Title 1"/>
-          <p:cNvSpPr>
-            <a:spLocks noGrp="1"/>
-          </p:cNvSpPr>
-          <p:nvPr>
-            <p:ph type="title"/>
-          </p:nvPr>
-        </p:nvSpPr>
-        <p:spPr/>
-        <p:txBody>
-          <a:bodyPr/>
-          <a:lstStyle/>
-          <a:p>
-            <a:r>
-              <a:rPr lang="nl-NL" dirty="0" smtClean="0"/>
-              <a:t>Human controller</a:t>
-            </a:r>
-            <a:endParaRPr lang="nl-NL" dirty="0"/>
-          </a:p>
-        </p:txBody>
-      </p:sp>
-      <p:sp>
-        <p:nvSpPr>
-          <p:cNvPr id="3" name="Content Placeholder 2"/>
-          <p:cNvSpPr>
-            <a:spLocks noGrp="1"/>
-          </p:cNvSpPr>
-          <p:nvPr>
-            <p:ph idx="1"/>
-          </p:nvPr>
-        </p:nvSpPr>
-        <p:spPr/>
-        <p:txBody>
-          <a:bodyPr/>
-          <a:lstStyle/>
-          <a:p>
-            <a:r>
-              <a:rPr lang="nl-NL" dirty="0" smtClean="0"/>
-              <a:t>Systeem mist de torque input van de fietser</a:t>
-            </a:r>
-          </a:p>
-          <a:p>
-            <a:r>
-              <a:rPr lang="nl-NL" dirty="0" smtClean="0"/>
-              <a:t>Mens kan gemodelleerd worden met behulp van een 2</a:t>
-            </a:r>
-            <a:r>
-              <a:rPr lang="nl-NL" baseline="30000" dirty="0" smtClean="0"/>
-              <a:t>de</a:t>
-            </a:r>
-            <a:r>
-              <a:rPr lang="nl-NL" dirty="0" smtClean="0"/>
-              <a:t> orde transferfunctie + neural time delay</a:t>
-            </a:r>
-          </a:p>
-          <a:p>
-            <a:endParaRPr lang="nl-NL" dirty="0"/>
-          </a:p>
-          <a:p>
-            <a:endParaRPr lang="nl-NL" dirty="0"/>
-          </a:p>
-          <a:p>
-            <a:r>
-              <a:rPr lang="nl-NL" dirty="0" smtClean="0"/>
-              <a:t>Model gebaseerd op de literatuur</a:t>
-            </a:r>
-          </a:p>
-        </p:txBody>
-      </p:sp>
-      <p:pic>
-        <p:nvPicPr>
-          <p:cNvPr id="9218" name="Picture 2"/>
-          <p:cNvPicPr>
-            <a:picLocks noChangeAspect="1" noChangeArrowheads="1"/>
-          </p:cNvPicPr>
-          <p:nvPr/>
-        </p:nvPicPr>
-        <p:blipFill>
-          <a:blip r:embed="rId2">
-            <a:extLst>
-              <a:ext uri="{28A0092B-C50C-407E-A947-70E740481C1C}">
-                <a14:useLocalDpi xmlns:a14="http://schemas.microsoft.com/office/drawing/2010/main" val="0"/>
-              </a:ext>
-            </a:extLst>
-          </a:blip>
-          <a:srcRect/>
-          <a:stretch>
-            <a:fillRect/>
-          </a:stretch>
-        </p:blipFill>
-        <p:spPr bwMode="auto">
-          <a:xfrm>
-            <a:off x="5836539" y="2333053"/>
-            <a:ext cx="3209925" cy="923925"/>
-          </a:xfrm>
-          <a:prstGeom prst="rect">
-            <a:avLst/>
-          </a:prstGeom>
-          <a:noFill/>
-          <a:ln>
-            <a:noFill/>
-          </a:ln>
-          <a:effectLst/>
-          <a:extLst>
-            <a:ext uri="{909E8E84-426E-40DD-AFC4-6F175D3DCCD1}">
-              <a14:hiddenFill xmlns:a14="http://schemas.microsoft.com/office/drawing/2010/main">
-                <a:solidFill>
-                  <a:schemeClr val="accent1"/>
-                </a:solidFill>
-              </a14:hiddenFill>
-            </a:ext>
-            <a:ext uri="{91240B29-F687-4F45-9708-019B960494DF}">
-              <a14:hiddenLine xmlns:a14="http://schemas.microsoft.com/office/drawing/2010/main" w="9525">
-                <a:solidFill>
-                  <a:schemeClr val="tx1"/>
-                </a:solidFill>
-                <a:miter lim="800000"/>
-                <a:headEnd/>
-                <a:tailEnd/>
-              </a14:hiddenLine>
-            </a:ext>
-            <a:ext uri="{AF507438-7753-43E0-B8FC-AC1667EBCBE1}">
-              <a14:hiddenEffects xmlns:a14="http://schemas.microsoft.com/office/drawing/2010/main">
-                <a:effectLst>
-                  <a:outerShdw dist="35921" dir="2700000" algn="ctr" rotWithShape="0">
-                    <a:schemeClr val="bg2"/>
-                  </a:outerShdw>
-                </a:effectLst>
-              </a14:hiddenEffects>
-            </a:ext>
-          </a:extLst>
-        </p:spPr>
-      </p:pic>
-      <p:pic>
-        <p:nvPicPr>
-          <p:cNvPr id="5" name="Picture 4"/>
-          <p:cNvPicPr>
-            <a:picLocks noChangeAspect="1"/>
-          </p:cNvPicPr>
-          <p:nvPr/>
-        </p:nvPicPr>
-        <p:blipFill>
-          <a:blip r:embed="rId3">
-            <a:extLst>
-              <a:ext uri="{28A0092B-C50C-407E-A947-70E740481C1C}">
-                <a14:useLocalDpi xmlns:a14="http://schemas.microsoft.com/office/drawing/2010/main" val="0"/>
-              </a:ext>
-            </a:extLst>
-          </a:blip>
-          <a:stretch>
-            <a:fillRect/>
-          </a:stretch>
-        </p:blipFill>
-        <p:spPr>
-          <a:xfrm>
-            <a:off x="1807164" y="3813545"/>
-            <a:ext cx="7346618" cy="2685548"/>
-          </a:xfrm>
-          <a:prstGeom prst="rect">
-            <a:avLst/>
-          </a:prstGeom>
-        </p:spPr>
-      </p:pic>
-      <p:sp>
-        <p:nvSpPr>
-          <p:cNvPr id="6" name="TextBox 5"/>
-          <p:cNvSpPr txBox="1"/>
-          <p:nvPr/>
-        </p:nvSpPr>
-        <p:spPr>
-          <a:xfrm>
-            <a:off x="-2" y="3200400"/>
-            <a:ext cx="1744133" cy="954107"/>
-          </a:xfrm>
-          <a:prstGeom prst="rect">
-            <a:avLst/>
-          </a:prstGeom>
-          <a:noFill/>
-        </p:spPr>
-        <p:txBody>
-          <a:bodyPr wrap="square" rtlCol="0">
-            <a:spAutoFit/>
-          </a:bodyPr>
-          <a:lstStyle/>
-          <a:p>
-            <a:r>
-              <a:rPr lang="nl-NL" sz="1400" dirty="0" smtClean="0">
-                <a:solidFill>
-                  <a:schemeClr val="bg1"/>
-                </a:solidFill>
-              </a:rPr>
-              <a:t>- Benchmark model</a:t>
-            </a:r>
-            <a:endParaRPr lang="nl-NL" sz="1400" dirty="0">
-              <a:solidFill>
-                <a:schemeClr val="bg1"/>
-              </a:solidFill>
-            </a:endParaRPr>
-          </a:p>
-          <a:p>
-            <a:r>
-              <a:rPr lang="nl-NL" sz="1400" dirty="0" smtClean="0">
-                <a:solidFill>
-                  <a:schemeClr val="bg1"/>
-                </a:solidFill>
-              </a:rPr>
-              <a:t>- Lean rate controller</a:t>
-            </a:r>
-          </a:p>
-          <a:p>
-            <a:r>
-              <a:rPr lang="nl-NL" sz="1400" dirty="0" smtClean="0">
-                <a:solidFill>
-                  <a:schemeClr val="tx2">
-                    <a:lumMod val="50000"/>
-                  </a:schemeClr>
-                </a:solidFill>
-              </a:rPr>
-              <a:t>- Human controller</a:t>
-            </a:r>
-          </a:p>
-          <a:p>
-            <a:r>
-              <a:rPr lang="nl-NL" sz="1400" dirty="0" smtClean="0">
-                <a:solidFill>
-                  <a:schemeClr val="bg1"/>
-                </a:solidFill>
-              </a:rPr>
-              <a:t>- LQ optimal control</a:t>
-            </a:r>
-          </a:p>
-        </p:txBody>
-      </p:sp>
-    </p:spTree>
-    <p:extLst>
-      <p:ext uri="{BB962C8B-B14F-4D97-AF65-F5344CB8AC3E}">
-        <p14:creationId xmlns:p14="http://schemas.microsoft.com/office/powerpoint/2010/main" val="3066938554"/>
-      </p:ext>
-    </p:extLst>
-  </p:cSld>
-  <p:clrMapOvr>
-    <a:masterClrMapping/>
-  </p:clrMapOvr>
-  <p:timing>
-    <p:tnLst>
-      <p:par>
-        <p:cTn id="1" dur="indefinite" restart="never" nodeType="tmRoot"/>
-      </p:par>
-    </p:tnLst>
-  </p:timing>
-</p:sld>
-</file>
-
-<file path=ppt/slides/slide14.xml><?xml version="1.0" encoding="utf-8"?>
-<p:sld xmlns:a="http://schemas.openxmlformats.org/drawingml/2006/main" xmlns:r="http://schemas.openxmlformats.org/officeDocument/2006/relationships" xmlns:p="http://schemas.openxmlformats.org/presentationml/2006/main">
-  <p:cSld>
-    <p:spTree>
-      <p:nvGrpSpPr>
-        <p:cNvPr id="1" name=""/>
-        <p:cNvGrpSpPr/>
-        <p:nvPr/>
-      </p:nvGrpSpPr>
-      <p:grpSpPr>
-        <a:xfrm>
-          <a:off x="0" y="0"/>
-          <a:ext cx="0" cy="0"/>
-          <a:chOff x="0" y="0"/>
-          <a:chExt cx="0" cy="0"/>
-        </a:xfrm>
-      </p:grpSpPr>
-      <p:pic>
-        <p:nvPicPr>
-          <p:cNvPr id="4" name="Picture 3"/>
-          <p:cNvPicPr>
-            <a:picLocks noChangeAspect="1"/>
-          </p:cNvPicPr>
-          <p:nvPr/>
-        </p:nvPicPr>
-        <p:blipFill>
-          <a:blip r:embed="rId2">
-            <a:extLst>
-              <a:ext uri="{28A0092B-C50C-407E-A947-70E740481C1C}">
-                <a14:useLocalDpi xmlns:a14="http://schemas.microsoft.com/office/drawing/2010/main" val="0"/>
-              </a:ext>
-            </a:extLst>
-          </a:blip>
-          <a:stretch>
-            <a:fillRect/>
-          </a:stretch>
-        </p:blipFill>
-        <p:spPr>
-          <a:xfrm>
-            <a:off x="1777816" y="1599136"/>
-            <a:ext cx="7366183" cy="3630224"/>
-          </a:xfrm>
-          <a:prstGeom prst="rect">
-            <a:avLst/>
-          </a:prstGeom>
-        </p:spPr>
-      </p:pic>
-      <p:sp>
-        <p:nvSpPr>
-          <p:cNvPr id="5" name="TextBox 4"/>
-          <p:cNvSpPr txBox="1"/>
-          <p:nvPr/>
-        </p:nvSpPr>
-        <p:spPr>
-          <a:xfrm>
-            <a:off x="4461624" y="5229360"/>
-            <a:ext cx="1998565" cy="369332"/>
-          </a:xfrm>
-          <a:prstGeom prst="rect">
-            <a:avLst/>
-          </a:prstGeom>
-          <a:noFill/>
-        </p:spPr>
-        <p:txBody>
-          <a:bodyPr wrap="square" rtlCol="0">
-            <a:spAutoFit/>
-          </a:bodyPr>
-          <a:lstStyle/>
-          <a:p>
-            <a:r>
-              <a:rPr lang="nl-NL" dirty="0" smtClean="0"/>
-              <a:t>Totale controller</a:t>
-            </a:r>
-          </a:p>
-        </p:txBody>
-      </p:sp>
-      <p:sp>
-        <p:nvSpPr>
-          <p:cNvPr id="6" name="TextBox 5"/>
-          <p:cNvSpPr txBox="1"/>
-          <p:nvPr/>
-        </p:nvSpPr>
-        <p:spPr>
-          <a:xfrm>
-            <a:off x="-2" y="3200400"/>
-            <a:ext cx="1744133" cy="954107"/>
-          </a:xfrm>
-          <a:prstGeom prst="rect">
-            <a:avLst/>
-          </a:prstGeom>
-          <a:noFill/>
-        </p:spPr>
-        <p:txBody>
-          <a:bodyPr wrap="square" rtlCol="0">
-            <a:spAutoFit/>
-          </a:bodyPr>
-          <a:lstStyle/>
-          <a:p>
-            <a:r>
-              <a:rPr lang="nl-NL" sz="1400" dirty="0" smtClean="0">
-                <a:solidFill>
-                  <a:schemeClr val="bg1"/>
-                </a:solidFill>
-              </a:rPr>
-              <a:t>- Benchmark model</a:t>
-            </a:r>
-            <a:endParaRPr lang="nl-NL" sz="1400" dirty="0">
-              <a:solidFill>
-                <a:schemeClr val="bg1"/>
-              </a:solidFill>
-            </a:endParaRPr>
-          </a:p>
-          <a:p>
-            <a:r>
-              <a:rPr lang="nl-NL" sz="1400" dirty="0" smtClean="0">
-                <a:solidFill>
-                  <a:schemeClr val="bg1"/>
-                </a:solidFill>
-              </a:rPr>
-              <a:t>- Lean rate controller</a:t>
-            </a:r>
-          </a:p>
-          <a:p>
-            <a:r>
-              <a:rPr lang="nl-NL" sz="1400" dirty="0" smtClean="0">
-                <a:solidFill>
-                  <a:schemeClr val="tx2">
-                    <a:lumMod val="50000"/>
-                  </a:schemeClr>
-                </a:solidFill>
-              </a:rPr>
-              <a:t>- Human controller</a:t>
-            </a:r>
-          </a:p>
-          <a:p>
-            <a:r>
-              <a:rPr lang="nl-NL" sz="1400" dirty="0" smtClean="0">
-                <a:solidFill>
-                  <a:schemeClr val="bg1"/>
-                </a:solidFill>
-              </a:rPr>
-              <a:t>- LQ optimal control</a:t>
-            </a:r>
-          </a:p>
-        </p:txBody>
-      </p:sp>
-    </p:spTree>
-    <p:extLst>
-      <p:ext uri="{BB962C8B-B14F-4D97-AF65-F5344CB8AC3E}">
-        <p14:creationId xmlns:p14="http://schemas.microsoft.com/office/powerpoint/2010/main" val="3344771120"/>
-      </p:ext>
-    </p:extLst>
-  </p:cSld>
-  <p:clrMapOvr>
-    <a:masterClrMapping/>
-  </p:clrMapOvr>
-  <p:timing>
-    <p:tnLst>
-      <p:par>
-        <p:cTn id="1" dur="indefinite" restart="never" nodeType="tmRoot"/>
-      </p:par>
-    </p:tnLst>
-  </p:timing>
-</p:sld>
-</file>
-
-<file path=ppt/slides/slide15.xml><?xml version="1.0" encoding="utf-8"?>
-<p:sld xmlns:a="http://schemas.openxmlformats.org/drawingml/2006/main" xmlns:r="http://schemas.openxmlformats.org/officeDocument/2006/relationships" xmlns:p="http://schemas.openxmlformats.org/presentationml/2006/main">
-  <p:cSld>
-    <p:spTree>
-      <p:nvGrpSpPr>
-        <p:cNvPr id="1" name=""/>
-        <p:cNvGrpSpPr/>
-        <p:nvPr/>
-      </p:nvGrpSpPr>
-      <p:grpSpPr>
-        <a:xfrm>
-          <a:off x="0" y="0"/>
-          <a:ext cx="0" cy="0"/>
-          <a:chOff x="0" y="0"/>
-          <a:chExt cx="0" cy="0"/>
-        </a:xfrm>
-      </p:grpSpPr>
-      <p:pic>
-        <p:nvPicPr>
-          <p:cNvPr id="2050" name="Picture 2" descr="D:\Documenten\Biomedical Engineering\Afstuderen\Active stability control bicycle\Thesis Report\Figures\Human Controller\v21Ks11State1HumanController.png"/>
-          <p:cNvPicPr>
-            <a:picLocks noChangeAspect="1" noChangeArrowheads="1"/>
-          </p:cNvPicPr>
-          <p:nvPr/>
-        </p:nvPicPr>
-        <p:blipFill>
-          <a:blip r:embed="rId3">
-            <a:extLst>
-              <a:ext uri="{28A0092B-C50C-407E-A947-70E740481C1C}">
-                <a14:useLocalDpi xmlns:a14="http://schemas.microsoft.com/office/drawing/2010/main" val="0"/>
-              </a:ext>
-            </a:extLst>
-          </a:blip>
-          <a:srcRect/>
-          <a:stretch>
-            <a:fillRect/>
-          </a:stretch>
-        </p:blipFill>
-        <p:spPr bwMode="auto">
-          <a:xfrm>
-            <a:off x="1944687" y="237583"/>
-            <a:ext cx="7199313" cy="6115050"/>
-          </a:xfrm>
-          <a:prstGeom prst="rect">
-            <a:avLst/>
-          </a:prstGeom>
-          <a:noFill/>
-          <a:extLst>
-            <a:ext uri="{909E8E84-426E-40DD-AFC4-6F175D3DCCD1}">
-              <a14:hiddenFill xmlns:a14="http://schemas.microsoft.com/office/drawing/2010/main">
-                <a:solidFill>
-                  <a:srgbClr val="FFFFFF"/>
-                </a:solidFill>
-              </a14:hiddenFill>
-            </a:ext>
-          </a:extLst>
-        </p:spPr>
-      </p:pic>
-      <p:sp>
-        <p:nvSpPr>
-          <p:cNvPr id="3" name="TextBox 2"/>
-          <p:cNvSpPr txBox="1"/>
-          <p:nvPr/>
-        </p:nvSpPr>
-        <p:spPr>
-          <a:xfrm>
-            <a:off x="2717122" y="6285931"/>
-            <a:ext cx="6037411" cy="369332"/>
-          </a:xfrm>
-          <a:prstGeom prst="rect">
-            <a:avLst/>
-          </a:prstGeom>
-          <a:noFill/>
-        </p:spPr>
-        <p:txBody>
-          <a:bodyPr wrap="square" rtlCol="0">
-            <a:spAutoFit/>
-          </a:bodyPr>
-          <a:lstStyle/>
-          <a:p>
-            <a:r>
-              <a:rPr lang="nl-NL" dirty="0" smtClean="0"/>
-              <a:t>Reactie na initiële verstoring van 0.52 rad/s met torque limiet</a:t>
-            </a:r>
-          </a:p>
-        </p:txBody>
-      </p:sp>
-      <p:sp>
-        <p:nvSpPr>
-          <p:cNvPr id="4" name="TextBox 3"/>
-          <p:cNvSpPr txBox="1"/>
-          <p:nvPr/>
-        </p:nvSpPr>
-        <p:spPr>
-          <a:xfrm>
-            <a:off x="-2" y="3200400"/>
-            <a:ext cx="1744133" cy="954107"/>
-          </a:xfrm>
-          <a:prstGeom prst="rect">
-            <a:avLst/>
-          </a:prstGeom>
-          <a:noFill/>
-        </p:spPr>
-        <p:txBody>
-          <a:bodyPr wrap="square" rtlCol="0">
-            <a:spAutoFit/>
-          </a:bodyPr>
-          <a:lstStyle/>
-          <a:p>
-            <a:r>
-              <a:rPr lang="nl-NL" sz="1400" dirty="0" smtClean="0">
-                <a:solidFill>
-                  <a:schemeClr val="bg1"/>
-                </a:solidFill>
-              </a:rPr>
-              <a:t>- Benchmark model</a:t>
-            </a:r>
-            <a:endParaRPr lang="nl-NL" sz="1400" dirty="0">
-              <a:solidFill>
-                <a:schemeClr val="bg1"/>
-              </a:solidFill>
-            </a:endParaRPr>
-          </a:p>
-          <a:p>
-            <a:r>
-              <a:rPr lang="nl-NL" sz="1400" dirty="0" smtClean="0">
-                <a:solidFill>
-                  <a:schemeClr val="bg1"/>
-                </a:solidFill>
-              </a:rPr>
-              <a:t>- Lean rate controller</a:t>
-            </a:r>
-          </a:p>
-          <a:p>
-            <a:r>
-              <a:rPr lang="nl-NL" sz="1400" dirty="0" smtClean="0">
-                <a:solidFill>
-                  <a:schemeClr val="tx2">
-                    <a:lumMod val="50000"/>
-                  </a:schemeClr>
-                </a:solidFill>
-              </a:rPr>
-              <a:t>- Human controller</a:t>
-            </a:r>
-          </a:p>
-          <a:p>
-            <a:r>
-              <a:rPr lang="nl-NL" sz="1400" dirty="0" smtClean="0">
-                <a:solidFill>
-                  <a:schemeClr val="bg1"/>
-                </a:solidFill>
-              </a:rPr>
-              <a:t>- LQ optimal control</a:t>
-            </a:r>
-          </a:p>
-        </p:txBody>
-      </p:sp>
-    </p:spTree>
-    <p:extLst>
-      <p:ext uri="{BB962C8B-B14F-4D97-AF65-F5344CB8AC3E}">
-        <p14:creationId xmlns:p14="http://schemas.microsoft.com/office/powerpoint/2010/main" val="3424381075"/>
-      </p:ext>
-    </p:extLst>
-  </p:cSld>
-  <p:clrMapOvr>
-    <a:masterClrMapping/>
-  </p:clrMapOvr>
-  <p:timing>
-    <p:tnLst>
-      <p:par>
-        <p:cTn id="1" dur="indefinite" restart="never" nodeType="tmRoot"/>
-      </p:par>
-    </p:tnLst>
-  </p:timing>
-</p:sld>
-</file>
-
-<file path=ppt/slides/slide16.xml><?xml version="1.0" encoding="utf-8"?>
-<p:sld xmlns:a="http://schemas.openxmlformats.org/drawingml/2006/main" xmlns:r="http://schemas.openxmlformats.org/officeDocument/2006/relationships" xmlns:p="http://schemas.openxmlformats.org/presentationml/2006/main">
-  <p:cSld>
-    <p:spTree>
-      <p:nvGrpSpPr>
-        <p:cNvPr id="1" name=""/>
-        <p:cNvGrpSpPr/>
-        <p:nvPr/>
-      </p:nvGrpSpPr>
-      <p:grpSpPr>
-        <a:xfrm>
-          <a:off x="0" y="0"/>
-          <a:ext cx="0" cy="0"/>
-          <a:chOff x="0" y="0"/>
-          <a:chExt cx="0" cy="0"/>
-        </a:xfrm>
-      </p:grpSpPr>
-      <p:pic>
-        <p:nvPicPr>
-          <p:cNvPr id="3074" name="Picture 2" descr="D:\Documenten\Biomedical Engineering\Afstuderen\Active stability control bicycle\Thesis Report\Figures\Human Controller\v25Ks11State1HumanController.png"/>
-          <p:cNvPicPr>
-            <a:picLocks noChangeAspect="1" noChangeArrowheads="1"/>
-          </p:cNvPicPr>
-          <p:nvPr/>
-        </p:nvPicPr>
-        <p:blipFill>
-          <a:blip r:embed="rId2">
-            <a:extLst>
-              <a:ext uri="{28A0092B-C50C-407E-A947-70E740481C1C}">
-                <a14:useLocalDpi xmlns:a14="http://schemas.microsoft.com/office/drawing/2010/main" val="0"/>
-              </a:ext>
-            </a:extLst>
-          </a:blip>
-          <a:srcRect/>
-          <a:stretch>
-            <a:fillRect/>
-          </a:stretch>
-        </p:blipFill>
-        <p:spPr bwMode="auto">
-          <a:xfrm>
-            <a:off x="1944687" y="212842"/>
-            <a:ext cx="7199313" cy="6115051"/>
-          </a:xfrm>
-          <a:prstGeom prst="rect">
-            <a:avLst/>
-          </a:prstGeom>
-          <a:noFill/>
-          <a:extLst>
-            <a:ext uri="{909E8E84-426E-40DD-AFC4-6F175D3DCCD1}">
-              <a14:hiddenFill xmlns:a14="http://schemas.microsoft.com/office/drawing/2010/main">
-                <a:solidFill>
-                  <a:srgbClr val="FFFFFF"/>
-                </a:solidFill>
-              </a14:hiddenFill>
-            </a:ext>
-          </a:extLst>
-        </p:spPr>
-      </p:pic>
-      <p:sp>
-        <p:nvSpPr>
-          <p:cNvPr id="3" name="TextBox 2"/>
-          <p:cNvSpPr txBox="1"/>
-          <p:nvPr/>
-        </p:nvSpPr>
-        <p:spPr>
-          <a:xfrm>
-            <a:off x="2122487" y="6171920"/>
-            <a:ext cx="7565074" cy="369332"/>
-          </a:xfrm>
-          <a:prstGeom prst="rect">
-            <a:avLst/>
-          </a:prstGeom>
-          <a:noFill/>
-        </p:spPr>
-        <p:txBody>
-          <a:bodyPr wrap="square" rtlCol="0">
-            <a:spAutoFit/>
-          </a:bodyPr>
-          <a:lstStyle/>
-          <a:p>
-            <a:r>
-              <a:rPr lang="nl-NL" dirty="0" smtClean="0"/>
-              <a:t>Reactie na initiële verstoring van 0.56 rad/s met torque limiet op 2.5 m/s</a:t>
-            </a:r>
-          </a:p>
-        </p:txBody>
-      </p:sp>
-      <p:sp>
-        <p:nvSpPr>
-          <p:cNvPr id="4" name="TextBox 3"/>
-          <p:cNvSpPr txBox="1"/>
-          <p:nvPr/>
-        </p:nvSpPr>
-        <p:spPr>
-          <a:xfrm>
-            <a:off x="-2" y="3200400"/>
-            <a:ext cx="1744133" cy="954107"/>
-          </a:xfrm>
-          <a:prstGeom prst="rect">
-            <a:avLst/>
-          </a:prstGeom>
-          <a:noFill/>
-        </p:spPr>
-        <p:txBody>
-          <a:bodyPr wrap="square" rtlCol="0">
-            <a:spAutoFit/>
-          </a:bodyPr>
-          <a:lstStyle/>
-          <a:p>
-            <a:r>
-              <a:rPr lang="nl-NL" sz="1400" dirty="0" smtClean="0">
-                <a:solidFill>
-                  <a:schemeClr val="bg1"/>
-                </a:solidFill>
-              </a:rPr>
-              <a:t>- Benchmark model</a:t>
-            </a:r>
-            <a:endParaRPr lang="nl-NL" sz="1400" dirty="0">
-              <a:solidFill>
-                <a:schemeClr val="bg1"/>
-              </a:solidFill>
-            </a:endParaRPr>
-          </a:p>
-          <a:p>
-            <a:r>
-              <a:rPr lang="nl-NL" sz="1400" dirty="0" smtClean="0">
-                <a:solidFill>
-                  <a:schemeClr val="bg1"/>
-                </a:solidFill>
-              </a:rPr>
-              <a:t>- Lean rate controller</a:t>
-            </a:r>
-          </a:p>
-          <a:p>
-            <a:r>
-              <a:rPr lang="nl-NL" sz="1400" dirty="0" smtClean="0">
-                <a:solidFill>
-                  <a:schemeClr val="tx2">
-                    <a:lumMod val="50000"/>
-                  </a:schemeClr>
-                </a:solidFill>
-              </a:rPr>
-              <a:t>- Human controller</a:t>
-            </a:r>
-          </a:p>
-          <a:p>
-            <a:r>
-              <a:rPr lang="nl-NL" sz="1400" dirty="0" smtClean="0">
-                <a:solidFill>
-                  <a:schemeClr val="bg1"/>
-                </a:solidFill>
-              </a:rPr>
-              <a:t>- LQ optimal control</a:t>
-            </a:r>
-          </a:p>
-        </p:txBody>
-      </p:sp>
-    </p:spTree>
-    <p:extLst>
-      <p:ext uri="{BB962C8B-B14F-4D97-AF65-F5344CB8AC3E}">
-        <p14:creationId xmlns:p14="http://schemas.microsoft.com/office/powerpoint/2010/main" val="4069956817"/>
-      </p:ext>
-    </p:extLst>
-  </p:cSld>
-  <p:clrMapOvr>
-    <a:masterClrMapping/>
-  </p:clrMapOvr>
-  <p:timing>
-    <p:tnLst>
-      <p:par>
-        <p:cTn id="1" dur="indefinite" restart="never" nodeType="tmRoot"/>
-      </p:par>
-    </p:tnLst>
-  </p:timing>
-</p:sld>
-</file>
-
-<file path=ppt/slides/slide17.xml><?xml version="1.0" encoding="utf-8"?>
-<p:sld xmlns:a="http://schemas.openxmlformats.org/drawingml/2006/main" xmlns:r="http://schemas.openxmlformats.org/officeDocument/2006/relationships" xmlns:p="http://schemas.openxmlformats.org/presentationml/2006/main">
-  <p:cSld>
-    <p:spTree>
-      <p:nvGrpSpPr>
-        <p:cNvPr id="1" name=""/>
-        <p:cNvGrpSpPr/>
-        <p:nvPr/>
-      </p:nvGrpSpPr>
-      <p:grpSpPr>
-        <a:xfrm>
-          <a:off x="0" y="0"/>
-          <a:ext cx="0" cy="0"/>
-          <a:chOff x="0" y="0"/>
-          <a:chExt cx="0" cy="0"/>
-        </a:xfrm>
-      </p:grpSpPr>
-      <p:pic>
-        <p:nvPicPr>
-          <p:cNvPr id="4098" name="Picture 2" descr="D:\Documenten\Biomedical Engineering\Afstuderen\Active stability control bicycle\Thesis Report\Figures\Human Controller\v25State1HumanController.png"/>
-          <p:cNvPicPr>
-            <a:picLocks noChangeAspect="1" noChangeArrowheads="1"/>
-          </p:cNvPicPr>
-          <p:nvPr/>
-        </p:nvPicPr>
-        <p:blipFill>
-          <a:blip r:embed="rId2">
-            <a:extLst>
-              <a:ext uri="{28A0092B-C50C-407E-A947-70E740481C1C}">
-                <a14:useLocalDpi xmlns:a14="http://schemas.microsoft.com/office/drawing/2010/main" val="0"/>
-              </a:ext>
-            </a:extLst>
-          </a:blip>
-          <a:srcRect/>
-          <a:stretch>
-            <a:fillRect/>
-          </a:stretch>
-        </p:blipFill>
-        <p:spPr bwMode="auto">
-          <a:xfrm>
-            <a:off x="1944687" y="168804"/>
-            <a:ext cx="7199313" cy="6115051"/>
-          </a:xfrm>
-          <a:prstGeom prst="rect">
-            <a:avLst/>
-          </a:prstGeom>
-          <a:noFill/>
-          <a:extLst>
-            <a:ext uri="{909E8E84-426E-40DD-AFC4-6F175D3DCCD1}">
-              <a14:hiddenFill xmlns:a14="http://schemas.microsoft.com/office/drawing/2010/main">
-                <a:solidFill>
-                  <a:srgbClr val="FFFFFF"/>
-                </a:solidFill>
-              </a14:hiddenFill>
-            </a:ext>
-          </a:extLst>
-        </p:spPr>
-      </p:pic>
-      <p:sp>
-        <p:nvSpPr>
-          <p:cNvPr id="3" name="TextBox 2"/>
-          <p:cNvSpPr txBox="1"/>
-          <p:nvPr/>
-        </p:nvSpPr>
-        <p:spPr>
-          <a:xfrm>
-            <a:off x="1944687" y="6211980"/>
-            <a:ext cx="7664028" cy="369332"/>
-          </a:xfrm>
-          <a:prstGeom prst="rect">
-            <a:avLst/>
-          </a:prstGeom>
-          <a:noFill/>
-        </p:spPr>
-        <p:txBody>
-          <a:bodyPr wrap="square" rtlCol="0">
-            <a:spAutoFit/>
-          </a:bodyPr>
-          <a:lstStyle/>
-          <a:p>
-            <a:r>
-              <a:rPr lang="nl-NL" dirty="0" smtClean="0"/>
-              <a:t>Reactie na initiële verstoring van 0.56 rad/s met alleen human controller</a:t>
-            </a:r>
-          </a:p>
-        </p:txBody>
-      </p:sp>
-      <p:sp>
-        <p:nvSpPr>
-          <p:cNvPr id="4" name="TextBox 3"/>
-          <p:cNvSpPr txBox="1"/>
-          <p:nvPr/>
-        </p:nvSpPr>
-        <p:spPr>
-          <a:xfrm>
-            <a:off x="-2" y="3200400"/>
-            <a:ext cx="1744133" cy="954107"/>
-          </a:xfrm>
-          <a:prstGeom prst="rect">
-            <a:avLst/>
-          </a:prstGeom>
-          <a:noFill/>
-        </p:spPr>
-        <p:txBody>
-          <a:bodyPr wrap="square" rtlCol="0">
-            <a:spAutoFit/>
-          </a:bodyPr>
-          <a:lstStyle/>
-          <a:p>
-            <a:r>
-              <a:rPr lang="nl-NL" sz="1400" dirty="0" smtClean="0">
-                <a:solidFill>
-                  <a:schemeClr val="bg1"/>
-                </a:solidFill>
-              </a:rPr>
-              <a:t>- Benchmark model</a:t>
-            </a:r>
-            <a:endParaRPr lang="nl-NL" sz="1400" dirty="0">
-              <a:solidFill>
-                <a:schemeClr val="bg1"/>
-              </a:solidFill>
-            </a:endParaRPr>
-          </a:p>
-          <a:p>
-            <a:r>
-              <a:rPr lang="nl-NL" sz="1400" dirty="0" smtClean="0">
-                <a:solidFill>
-                  <a:schemeClr val="bg1"/>
-                </a:solidFill>
-              </a:rPr>
-              <a:t>- Lean rate controller</a:t>
-            </a:r>
-          </a:p>
-          <a:p>
-            <a:r>
-              <a:rPr lang="nl-NL" sz="1400" dirty="0" smtClean="0">
-                <a:solidFill>
-                  <a:schemeClr val="tx2">
-                    <a:lumMod val="50000"/>
-                  </a:schemeClr>
-                </a:solidFill>
-              </a:rPr>
-              <a:t>- Human controller</a:t>
-            </a:r>
-          </a:p>
-          <a:p>
-            <a:r>
-              <a:rPr lang="nl-NL" sz="1400" dirty="0" smtClean="0">
-                <a:solidFill>
-                  <a:schemeClr val="bg1"/>
-                </a:solidFill>
-              </a:rPr>
-              <a:t>- LQ optimal control</a:t>
-            </a:r>
-          </a:p>
-        </p:txBody>
-      </p:sp>
-    </p:spTree>
-    <p:extLst>
-      <p:ext uri="{BB962C8B-B14F-4D97-AF65-F5344CB8AC3E}">
-        <p14:creationId xmlns:p14="http://schemas.microsoft.com/office/powerpoint/2010/main" val="3687383836"/>
-      </p:ext>
-    </p:extLst>
-  </p:cSld>
-  <p:clrMapOvr>
-    <a:masterClrMapping/>
-  </p:clrMapOvr>
-  <p:timing>
-    <p:tnLst>
-      <p:par>
-        <p:cTn id="1" dur="indefinite" restart="never" nodeType="tmRoot"/>
-      </p:par>
-    </p:tnLst>
-  </p:timing>
-</p:sld>
-</file>
-
-<file path=ppt/slides/slide18.xml><?xml version="1.0" encoding="utf-8"?>
-<p:sld xmlns:a="http://schemas.openxmlformats.org/drawingml/2006/main" xmlns:r="http://schemas.openxmlformats.org/officeDocument/2006/relationships" xmlns:p="http://schemas.openxmlformats.org/presentationml/2006/main">
-  <p:cSld>
-    <p:spTree>
-      <p:nvGrpSpPr>
-        <p:cNvPr id="1" name=""/>
-        <p:cNvGrpSpPr/>
-        <p:nvPr/>
-      </p:nvGrpSpPr>
-      <p:grpSpPr>
-        <a:xfrm>
-          <a:off x="0" y="0"/>
-          <a:ext cx="0" cy="0"/>
-          <a:chOff x="0" y="0"/>
-          <a:chExt cx="0" cy="0"/>
-        </a:xfrm>
-      </p:grpSpPr>
-      <p:sp>
-        <p:nvSpPr>
-          <p:cNvPr id="2" name="Title 1"/>
-          <p:cNvSpPr>
-            <a:spLocks noGrp="1"/>
-          </p:cNvSpPr>
-          <p:nvPr>
-            <p:ph type="title"/>
-          </p:nvPr>
-        </p:nvSpPr>
-        <p:spPr/>
-        <p:txBody>
-          <a:bodyPr>
-            <a:normAutofit/>
-          </a:bodyPr>
-          <a:lstStyle/>
-          <a:p>
-            <a:r>
-              <a:rPr lang="nl-NL" dirty="0" smtClean="0"/>
-              <a:t>Linear Quadratic optimal control </a:t>
-            </a:r>
-            <a:endParaRPr lang="nl-NL" dirty="0"/>
-          </a:p>
-        </p:txBody>
-      </p:sp>
-      <p:sp>
-        <p:nvSpPr>
-          <p:cNvPr id="3" name="Content Placeholder 2"/>
-          <p:cNvSpPr>
-            <a:spLocks noGrp="1"/>
-          </p:cNvSpPr>
-          <p:nvPr>
-            <p:ph idx="1"/>
-          </p:nvPr>
-        </p:nvSpPr>
-        <p:spPr>
-          <a:xfrm>
-            <a:off x="1763106" y="1600199"/>
-            <a:ext cx="7106464" cy="5071533"/>
-          </a:xfrm>
-        </p:spPr>
-        <p:txBody>
-          <a:bodyPr>
-            <a:normAutofit/>
-          </a:bodyPr>
-          <a:lstStyle/>
-          <a:p>
-            <a:r>
-              <a:rPr lang="nl-NL" dirty="0" smtClean="0"/>
-              <a:t>LQR control is een optimal controller die een cost functie minimaliseert.</a:t>
-            </a:r>
-          </a:p>
-          <a:p>
-            <a:endParaRPr lang="nl-NL" dirty="0"/>
-          </a:p>
-          <a:p>
-            <a:endParaRPr lang="nl-NL" dirty="0" smtClean="0"/>
-          </a:p>
-          <a:p>
-            <a:r>
-              <a:rPr lang="nl-NL" dirty="0" smtClean="0"/>
-              <a:t>Q is een matrix met een penalty voor de states</a:t>
-            </a:r>
-          </a:p>
-          <a:p>
-            <a:r>
-              <a:rPr lang="nl-NL" dirty="0" smtClean="0"/>
-              <a:t>R is een matrix met een penalty voor de control input</a:t>
-            </a:r>
-          </a:p>
-          <a:p>
-            <a:r>
-              <a:rPr lang="nl-NL" dirty="0" smtClean="0"/>
-              <a:t>Feedback law:</a:t>
-            </a:r>
-          </a:p>
-          <a:p>
-            <a:r>
-              <a:rPr lang="nl-NL" dirty="0" smtClean="0"/>
-              <a:t>Is er dan een P waarvoor geldt dat het systeem </a:t>
-            </a:r>
-          </a:p>
-          <a:p>
-            <a:pPr marL="0" indent="0">
-              <a:buNone/>
-            </a:pPr>
-            <a:r>
-              <a:rPr lang="nl-NL" dirty="0"/>
-              <a:t>s</a:t>
-            </a:r>
-            <a:r>
-              <a:rPr lang="nl-NL" dirty="0" smtClean="0"/>
-              <a:t>tabiel is?</a:t>
-            </a:r>
-          </a:p>
-          <a:p>
-            <a:r>
-              <a:rPr lang="nl-NL" dirty="0" smtClean="0"/>
-              <a:t>P wordt gevonden door het oplossen van de Ricatti equation:</a:t>
-            </a:r>
-          </a:p>
-          <a:p>
-            <a:endParaRPr lang="nl-NL" dirty="0"/>
-          </a:p>
-          <a:p>
-            <a:r>
-              <a:rPr lang="nl-NL" dirty="0" smtClean="0"/>
-              <a:t>Full state feedback control </a:t>
-            </a:r>
-          </a:p>
-        </p:txBody>
-      </p:sp>
-      <p:pic>
-        <p:nvPicPr>
-          <p:cNvPr id="5123" name="Picture 3"/>
-          <p:cNvPicPr>
-            <a:picLocks noChangeAspect="1" noChangeArrowheads="1"/>
-          </p:cNvPicPr>
-          <p:nvPr/>
-        </p:nvPicPr>
-        <p:blipFill>
-          <a:blip r:embed="rId2">
-            <a:extLst>
-              <a:ext uri="{28A0092B-C50C-407E-A947-70E740481C1C}">
-                <a14:useLocalDpi xmlns:a14="http://schemas.microsoft.com/office/drawing/2010/main" val="0"/>
-              </a:ext>
-            </a:extLst>
-          </a:blip>
-          <a:srcRect/>
-          <a:stretch>
-            <a:fillRect/>
-          </a:stretch>
-        </p:blipFill>
-        <p:spPr bwMode="auto">
-          <a:xfrm>
-            <a:off x="3886200" y="2419882"/>
-            <a:ext cx="2490258" cy="503586"/>
-          </a:xfrm>
-          <a:prstGeom prst="rect">
-            <a:avLst/>
-          </a:prstGeom>
-          <a:noFill/>
-          <a:ln>
-            <a:noFill/>
-          </a:ln>
-          <a:effectLst/>
-          <a:extLst>
-            <a:ext uri="{909E8E84-426E-40DD-AFC4-6F175D3DCCD1}">
-              <a14:hiddenFill xmlns:a14="http://schemas.microsoft.com/office/drawing/2010/main">
-                <a:solidFill>
-                  <a:schemeClr val="accent1"/>
-                </a:solidFill>
-              </a14:hiddenFill>
-            </a:ext>
-            <a:ext uri="{91240B29-F687-4F45-9708-019B960494DF}">
-              <a14:hiddenLine xmlns:a14="http://schemas.microsoft.com/office/drawing/2010/main" w="9525">
-                <a:solidFill>
-                  <a:schemeClr val="tx1"/>
-                </a:solidFill>
-                <a:miter lim="800000"/>
-                <a:headEnd/>
-                <a:tailEnd/>
-              </a14:hiddenLine>
-            </a:ext>
-            <a:ext uri="{AF507438-7753-43E0-B8FC-AC1667EBCBE1}">
-              <a14:hiddenEffects xmlns:a14="http://schemas.microsoft.com/office/drawing/2010/main">
-                <a:effectLst>
-                  <a:outerShdw dist="35921" dir="2700000" algn="ctr" rotWithShape="0">
-                    <a:schemeClr val="bg2"/>
-                  </a:outerShdw>
-                </a:effectLst>
-              </a14:hiddenEffects>
-            </a:ext>
-          </a:extLst>
-        </p:spPr>
-      </p:pic>
-      <p:pic>
-        <p:nvPicPr>
-          <p:cNvPr id="5124" name="Picture 4"/>
-          <p:cNvPicPr>
-            <a:picLocks noChangeAspect="1" noChangeArrowheads="1"/>
-          </p:cNvPicPr>
-          <p:nvPr/>
-        </p:nvPicPr>
-        <p:blipFill>
-          <a:blip r:embed="rId3">
-            <a:extLst>
-              <a:ext uri="{28A0092B-C50C-407E-A947-70E740481C1C}">
-                <a14:useLocalDpi xmlns:a14="http://schemas.microsoft.com/office/drawing/2010/main" val="0"/>
-              </a:ext>
-            </a:extLst>
-          </a:blip>
-          <a:srcRect/>
-          <a:stretch>
-            <a:fillRect/>
-          </a:stretch>
-        </p:blipFill>
-        <p:spPr bwMode="auto">
-          <a:xfrm>
-            <a:off x="3848628" y="3759113"/>
-            <a:ext cx="2324100" cy="447675"/>
-          </a:xfrm>
-          <a:prstGeom prst="rect">
-            <a:avLst/>
-          </a:prstGeom>
-          <a:noFill/>
-          <a:ln>
-            <a:noFill/>
-          </a:ln>
-          <a:effectLst/>
-          <a:extLst>
-            <a:ext uri="{909E8E84-426E-40DD-AFC4-6F175D3DCCD1}">
-              <a14:hiddenFill xmlns:a14="http://schemas.microsoft.com/office/drawing/2010/main">
-                <a:solidFill>
-                  <a:schemeClr val="accent1"/>
-                </a:solidFill>
-              </a14:hiddenFill>
-            </a:ext>
-            <a:ext uri="{91240B29-F687-4F45-9708-019B960494DF}">
-              <a14:hiddenLine xmlns:a14="http://schemas.microsoft.com/office/drawing/2010/main" w="9525">
-                <a:solidFill>
-                  <a:schemeClr val="tx1"/>
-                </a:solidFill>
-                <a:miter lim="800000"/>
-                <a:headEnd/>
-                <a:tailEnd/>
-              </a14:hiddenLine>
-            </a:ext>
-            <a:ext uri="{AF507438-7753-43E0-B8FC-AC1667EBCBE1}">
-              <a14:hiddenEffects xmlns:a14="http://schemas.microsoft.com/office/drawing/2010/main">
-                <a:effectLst>
-                  <a:outerShdw dist="35921" dir="2700000" algn="ctr" rotWithShape="0">
-                    <a:schemeClr val="bg2"/>
-                  </a:outerShdw>
-                </a:effectLst>
-              </a14:hiddenEffects>
-            </a:ext>
-          </a:extLst>
-        </p:spPr>
-      </p:pic>
-      <p:pic>
-        <p:nvPicPr>
-          <p:cNvPr id="5125" name="Picture 5"/>
-          <p:cNvPicPr>
-            <a:picLocks noChangeAspect="1" noChangeArrowheads="1"/>
-          </p:cNvPicPr>
-          <p:nvPr/>
-        </p:nvPicPr>
-        <p:blipFill>
-          <a:blip r:embed="rId4">
-            <a:extLst>
-              <a:ext uri="{28A0092B-C50C-407E-A947-70E740481C1C}">
-                <a14:useLocalDpi xmlns:a14="http://schemas.microsoft.com/office/drawing/2010/main" val="0"/>
-              </a:ext>
-            </a:extLst>
-          </a:blip>
-          <a:srcRect/>
-          <a:stretch>
-            <a:fillRect/>
-          </a:stretch>
-        </p:blipFill>
-        <p:spPr bwMode="auto">
-          <a:xfrm>
-            <a:off x="7106706" y="4143202"/>
-            <a:ext cx="1485900" cy="342900"/>
-          </a:xfrm>
-          <a:prstGeom prst="rect">
-            <a:avLst/>
-          </a:prstGeom>
-          <a:noFill/>
-          <a:ln>
-            <a:noFill/>
-          </a:ln>
-          <a:effectLst/>
-          <a:extLst>
-            <a:ext uri="{909E8E84-426E-40DD-AFC4-6F175D3DCCD1}">
-              <a14:hiddenFill xmlns:a14="http://schemas.microsoft.com/office/drawing/2010/main">
-                <a:solidFill>
-                  <a:schemeClr val="accent1"/>
-                </a:solidFill>
-              </a14:hiddenFill>
-            </a:ext>
-            <a:ext uri="{91240B29-F687-4F45-9708-019B960494DF}">
-              <a14:hiddenLine xmlns:a14="http://schemas.microsoft.com/office/drawing/2010/main" w="9525">
-                <a:solidFill>
-                  <a:schemeClr val="tx1"/>
-                </a:solidFill>
-                <a:miter lim="800000"/>
-                <a:headEnd/>
-                <a:tailEnd/>
-              </a14:hiddenLine>
-            </a:ext>
-            <a:ext uri="{AF507438-7753-43E0-B8FC-AC1667EBCBE1}">
-              <a14:hiddenEffects xmlns:a14="http://schemas.microsoft.com/office/drawing/2010/main">
-                <a:effectLst>
-                  <a:outerShdw dist="35921" dir="2700000" algn="ctr" rotWithShape="0">
-                    <a:schemeClr val="bg2"/>
-                  </a:outerShdw>
-                </a:effectLst>
-              </a14:hiddenEffects>
-            </a:ext>
-          </a:extLst>
-        </p:spPr>
-      </p:pic>
-      <p:pic>
-        <p:nvPicPr>
-          <p:cNvPr id="5126" name="Picture 6"/>
-          <p:cNvPicPr>
-            <a:picLocks noChangeAspect="1" noChangeArrowheads="1"/>
-          </p:cNvPicPr>
-          <p:nvPr/>
-        </p:nvPicPr>
-        <p:blipFill>
-          <a:blip r:embed="rId5">
-            <a:extLst>
-              <a:ext uri="{28A0092B-C50C-407E-A947-70E740481C1C}">
-                <a14:useLocalDpi xmlns:a14="http://schemas.microsoft.com/office/drawing/2010/main" val="0"/>
-              </a:ext>
-            </a:extLst>
-          </a:blip>
-          <a:srcRect/>
-          <a:stretch>
-            <a:fillRect/>
-          </a:stretch>
-        </p:blipFill>
-        <p:spPr bwMode="auto">
-          <a:xfrm>
-            <a:off x="3848628" y="5232362"/>
-            <a:ext cx="3219450" cy="447675"/>
-          </a:xfrm>
-          <a:prstGeom prst="rect">
-            <a:avLst/>
-          </a:prstGeom>
-          <a:noFill/>
-          <a:ln>
-            <a:noFill/>
-          </a:ln>
-          <a:effectLst/>
-          <a:extLst>
-            <a:ext uri="{909E8E84-426E-40DD-AFC4-6F175D3DCCD1}">
-              <a14:hiddenFill xmlns:a14="http://schemas.microsoft.com/office/drawing/2010/main">
-                <a:solidFill>
-                  <a:schemeClr val="accent1"/>
-                </a:solidFill>
-              </a14:hiddenFill>
-            </a:ext>
-            <a:ext uri="{91240B29-F687-4F45-9708-019B960494DF}">
-              <a14:hiddenLine xmlns:a14="http://schemas.microsoft.com/office/drawing/2010/main" w="9525">
-                <a:solidFill>
-                  <a:schemeClr val="tx1"/>
-                </a:solidFill>
-                <a:miter lim="800000"/>
-                <a:headEnd/>
-                <a:tailEnd/>
-              </a14:hiddenLine>
-            </a:ext>
-            <a:ext uri="{AF507438-7753-43E0-B8FC-AC1667EBCBE1}">
-              <a14:hiddenEffects xmlns:a14="http://schemas.microsoft.com/office/drawing/2010/main">
-                <a:effectLst>
-                  <a:outerShdw dist="35921" dir="2700000" algn="ctr" rotWithShape="0">
-                    <a:schemeClr val="bg2"/>
-                  </a:outerShdw>
-                </a:effectLst>
-              </a14:hiddenEffects>
-            </a:ext>
-          </a:extLst>
-        </p:spPr>
-      </p:pic>
-      <p:sp>
-        <p:nvSpPr>
-          <p:cNvPr id="9" name="TextBox 8"/>
-          <p:cNvSpPr txBox="1"/>
-          <p:nvPr/>
-        </p:nvSpPr>
-        <p:spPr>
-          <a:xfrm>
-            <a:off x="-2" y="3200400"/>
-            <a:ext cx="1744133" cy="954107"/>
-          </a:xfrm>
-          <a:prstGeom prst="rect">
-            <a:avLst/>
-          </a:prstGeom>
-          <a:noFill/>
-        </p:spPr>
-        <p:txBody>
-          <a:bodyPr wrap="square" rtlCol="0">
-            <a:spAutoFit/>
-          </a:bodyPr>
-          <a:lstStyle/>
-          <a:p>
-            <a:r>
-              <a:rPr lang="nl-NL" sz="1400" dirty="0" smtClean="0">
-                <a:solidFill>
-                  <a:schemeClr val="bg1"/>
-                </a:solidFill>
-              </a:rPr>
-              <a:t>- Benchmark model</a:t>
-            </a:r>
-            <a:endParaRPr lang="nl-NL" sz="1400" dirty="0">
-              <a:solidFill>
-                <a:schemeClr val="bg1"/>
-              </a:solidFill>
-            </a:endParaRPr>
-          </a:p>
-          <a:p>
-            <a:r>
-              <a:rPr lang="nl-NL" sz="1400" dirty="0" smtClean="0">
-                <a:solidFill>
-                  <a:schemeClr val="bg1"/>
-                </a:solidFill>
-              </a:rPr>
-              <a:t>- Lean rate controller</a:t>
-            </a:r>
-          </a:p>
-          <a:p>
-            <a:r>
-              <a:rPr lang="nl-NL" sz="1400" dirty="0" smtClean="0">
-                <a:solidFill>
-                  <a:schemeClr val="bg1"/>
-                </a:solidFill>
-              </a:rPr>
-              <a:t>- Human controller</a:t>
-            </a:r>
-          </a:p>
-          <a:p>
-            <a:r>
-              <a:rPr lang="nl-NL" sz="1400" dirty="0" smtClean="0">
-                <a:solidFill>
-                  <a:schemeClr val="tx2">
-                    <a:lumMod val="50000"/>
-                  </a:schemeClr>
-                </a:solidFill>
-              </a:rPr>
-              <a:t>- LQ optimal control</a:t>
-            </a:r>
-          </a:p>
-        </p:txBody>
-      </p:sp>
-    </p:spTree>
-    <p:extLst>
-      <p:ext uri="{BB962C8B-B14F-4D97-AF65-F5344CB8AC3E}">
-        <p14:creationId xmlns:p14="http://schemas.microsoft.com/office/powerpoint/2010/main" val="3806440456"/>
-      </p:ext>
-    </p:extLst>
-  </p:cSld>
-  <p:clrMapOvr>
-    <a:masterClrMapping/>
-  </p:clrMapOvr>
-  <p:timing>
-    <p:tnLst>
-      <p:par>
-        <p:cTn id="1" dur="indefinite" restart="never" nodeType="tmRoot"/>
-      </p:par>
-    </p:tnLst>
-  </p:timing>
-</p:sld>
-</file>
-
-<file path=ppt/slides/slide19.xml><?xml version="1.0" encoding="utf-8"?>
-<p:sld xmlns:a="http://schemas.openxmlformats.org/drawingml/2006/main" xmlns:r="http://schemas.openxmlformats.org/officeDocument/2006/relationships" xmlns:p="http://schemas.openxmlformats.org/presentationml/2006/main">
-  <p:cSld>
-    <p:spTree>
-      <p:nvGrpSpPr>
-        <p:cNvPr id="1" name=""/>
-        <p:cNvGrpSpPr/>
-        <p:nvPr/>
-      </p:nvGrpSpPr>
-      <p:grpSpPr>
-        <a:xfrm>
-          <a:off x="0" y="0"/>
-          <a:ext cx="0" cy="0"/>
-          <a:chOff x="0" y="0"/>
-          <a:chExt cx="0" cy="0"/>
-        </a:xfrm>
-      </p:grpSpPr>
-      <p:sp>
-        <p:nvSpPr>
-          <p:cNvPr id="2" name="Title 1"/>
-          <p:cNvSpPr>
-            <a:spLocks noGrp="1"/>
-          </p:cNvSpPr>
-          <p:nvPr>
-            <p:ph type="title"/>
-          </p:nvPr>
-        </p:nvSpPr>
-        <p:spPr/>
-        <p:txBody>
-          <a:bodyPr/>
-          <a:lstStyle/>
-          <a:p>
-            <a:r>
-              <a:rPr lang="nl-NL" dirty="0" smtClean="0"/>
-              <a:t>Corrigeren voor yaw	</a:t>
-            </a:r>
-            <a:endParaRPr lang="nl-NL" dirty="0"/>
-          </a:p>
-        </p:txBody>
-      </p:sp>
-      <p:sp>
-        <p:nvSpPr>
-          <p:cNvPr id="3" name="Content Placeholder 2"/>
-          <p:cNvSpPr>
-            <a:spLocks noGrp="1"/>
-          </p:cNvSpPr>
-          <p:nvPr>
-            <p:ph idx="1"/>
-          </p:nvPr>
-        </p:nvSpPr>
-        <p:spPr/>
-        <p:txBody>
-          <a:bodyPr/>
-          <a:lstStyle/>
-          <a:p>
-            <a:r>
-              <a:rPr lang="nl-NL" dirty="0" smtClean="0"/>
-              <a:t>Grote uitwijkingen gezien</a:t>
-            </a:r>
-          </a:p>
-          <a:p>
-            <a:r>
-              <a:rPr lang="nl-NL" dirty="0" smtClean="0"/>
-              <a:t>Differentiaalvergelijking  voor yaw:</a:t>
-            </a:r>
-          </a:p>
-          <a:p>
-            <a:r>
-              <a:rPr lang="nl-NL" dirty="0" smtClean="0"/>
-              <a:t>Kan toegevoegd worden aan de systeem matrix A</a:t>
-            </a:r>
-          </a:p>
-          <a:p>
-            <a:r>
-              <a:rPr lang="nl-NL" dirty="0" smtClean="0"/>
-              <a:t>Hierdoor krijg je 5 states:</a:t>
-            </a:r>
-          </a:p>
-          <a:p>
-            <a:r>
-              <a:rPr lang="nl-NL" dirty="0" smtClean="0"/>
-              <a:t>Uitwijking in de y-richting wordt: </a:t>
-            </a:r>
-          </a:p>
-          <a:p>
-            <a:r>
-              <a:rPr lang="nl-NL" dirty="0" smtClean="0"/>
-              <a:t>Hogere penalty op yaw op hogere snelheid nodig</a:t>
-            </a:r>
-          </a:p>
-        </p:txBody>
-      </p:sp>
-      <p:pic>
-        <p:nvPicPr>
-          <p:cNvPr id="6146" name="Picture 2"/>
-          <p:cNvPicPr>
-            <a:picLocks noChangeAspect="1" noChangeArrowheads="1"/>
-          </p:cNvPicPr>
-          <p:nvPr/>
-        </p:nvPicPr>
-        <p:blipFill>
-          <a:blip r:embed="rId2">
-            <a:extLst>
-              <a:ext uri="{28A0092B-C50C-407E-A947-70E740481C1C}">
-                <a14:useLocalDpi xmlns:a14="http://schemas.microsoft.com/office/drawing/2010/main" val="0"/>
-              </a:ext>
-            </a:extLst>
-          </a:blip>
-          <a:srcRect/>
-          <a:stretch>
-            <a:fillRect/>
-          </a:stretch>
-        </p:blipFill>
-        <p:spPr bwMode="auto">
-          <a:xfrm>
-            <a:off x="5883276" y="1930400"/>
-            <a:ext cx="2337858" cy="466044"/>
-          </a:xfrm>
-          <a:prstGeom prst="rect">
-            <a:avLst/>
-          </a:prstGeom>
-          <a:noFill/>
-          <a:ln>
-            <a:noFill/>
-          </a:ln>
-          <a:effectLst/>
-          <a:extLst>
-            <a:ext uri="{909E8E84-426E-40DD-AFC4-6F175D3DCCD1}">
-              <a14:hiddenFill xmlns:a14="http://schemas.microsoft.com/office/drawing/2010/main">
-                <a:solidFill>
-                  <a:schemeClr val="accent1"/>
-                </a:solidFill>
-              </a14:hiddenFill>
-            </a:ext>
-            <a:ext uri="{91240B29-F687-4F45-9708-019B960494DF}">
-              <a14:hiddenLine xmlns:a14="http://schemas.microsoft.com/office/drawing/2010/main" w="9525">
-                <a:solidFill>
-                  <a:schemeClr val="tx1"/>
-                </a:solidFill>
-                <a:miter lim="800000"/>
-                <a:headEnd/>
-                <a:tailEnd/>
-              </a14:hiddenLine>
-            </a:ext>
-            <a:ext uri="{AF507438-7753-43E0-B8FC-AC1667EBCBE1}">
-              <a14:hiddenEffects xmlns:a14="http://schemas.microsoft.com/office/drawing/2010/main">
-                <a:effectLst>
-                  <a:outerShdw dist="35921" dir="2700000" algn="ctr" rotWithShape="0">
-                    <a:schemeClr val="bg2"/>
-                  </a:outerShdw>
-                </a:effectLst>
-              </a14:hiddenEffects>
-            </a:ext>
-          </a:extLst>
-        </p:spPr>
-      </p:pic>
-      <p:pic>
-        <p:nvPicPr>
-          <p:cNvPr id="6147" name="Picture 3"/>
-          <p:cNvPicPr>
-            <a:picLocks noChangeAspect="1" noChangeArrowheads="1"/>
-          </p:cNvPicPr>
-          <p:nvPr/>
-        </p:nvPicPr>
-        <p:blipFill>
-          <a:blip r:embed="rId3">
-            <a:extLst>
-              <a:ext uri="{28A0092B-C50C-407E-A947-70E740481C1C}">
-                <a14:useLocalDpi xmlns:a14="http://schemas.microsoft.com/office/drawing/2010/main" val="0"/>
-              </a:ext>
-            </a:extLst>
-          </a:blip>
-          <a:srcRect/>
-          <a:stretch>
-            <a:fillRect/>
-          </a:stretch>
-        </p:blipFill>
-        <p:spPr bwMode="auto">
-          <a:xfrm>
-            <a:off x="5883275" y="2640048"/>
-            <a:ext cx="2007658" cy="465829"/>
-          </a:xfrm>
-          <a:prstGeom prst="rect">
-            <a:avLst/>
-          </a:prstGeom>
-          <a:noFill/>
-          <a:ln>
-            <a:noFill/>
-          </a:ln>
-          <a:effectLst/>
-          <a:extLst>
-            <a:ext uri="{909E8E84-426E-40DD-AFC4-6F175D3DCCD1}">
-              <a14:hiddenFill xmlns:a14="http://schemas.microsoft.com/office/drawing/2010/main">
-                <a:solidFill>
-                  <a:schemeClr val="accent1"/>
-                </a:solidFill>
-              </a14:hiddenFill>
-            </a:ext>
-            <a:ext uri="{91240B29-F687-4F45-9708-019B960494DF}">
-              <a14:hiddenLine xmlns:a14="http://schemas.microsoft.com/office/drawing/2010/main" w="9525">
-                <a:solidFill>
-                  <a:schemeClr val="tx1"/>
-                </a:solidFill>
-                <a:miter lim="800000"/>
-                <a:headEnd/>
-                <a:tailEnd/>
-              </a14:hiddenLine>
-            </a:ext>
-            <a:ext uri="{AF507438-7753-43E0-B8FC-AC1667EBCBE1}">
-              <a14:hiddenEffects xmlns:a14="http://schemas.microsoft.com/office/drawing/2010/main">
-                <a:effectLst>
-                  <a:outerShdw dist="35921" dir="2700000" algn="ctr" rotWithShape="0">
-                    <a:schemeClr val="bg2"/>
-                  </a:outerShdw>
-                </a:effectLst>
-              </a14:hiddenEffects>
-            </a:ext>
-          </a:extLst>
-        </p:spPr>
-      </p:pic>
-      <p:pic>
-        <p:nvPicPr>
-          <p:cNvPr id="6148" name="Picture 4"/>
-          <p:cNvPicPr>
-            <a:picLocks noChangeAspect="1" noChangeArrowheads="1"/>
-          </p:cNvPicPr>
-          <p:nvPr/>
-        </p:nvPicPr>
-        <p:blipFill>
-          <a:blip r:embed="rId4">
-            <a:extLst>
-              <a:ext uri="{28A0092B-C50C-407E-A947-70E740481C1C}">
-                <a14:useLocalDpi xmlns:a14="http://schemas.microsoft.com/office/drawing/2010/main" val="0"/>
-              </a:ext>
-            </a:extLst>
-          </a:blip>
-          <a:srcRect/>
-          <a:stretch>
-            <a:fillRect/>
-          </a:stretch>
-        </p:blipFill>
-        <p:spPr bwMode="auto">
-          <a:xfrm>
-            <a:off x="5883275" y="3105877"/>
-            <a:ext cx="1067857" cy="389624"/>
-          </a:xfrm>
-          <a:prstGeom prst="rect">
-            <a:avLst/>
-          </a:prstGeom>
-          <a:noFill/>
-          <a:ln>
-            <a:noFill/>
-          </a:ln>
-          <a:effectLst/>
-          <a:extLst>
-            <a:ext uri="{909E8E84-426E-40DD-AFC4-6F175D3DCCD1}">
-              <a14:hiddenFill xmlns:a14="http://schemas.microsoft.com/office/drawing/2010/main">
-                <a:solidFill>
-                  <a:schemeClr val="accent1"/>
-                </a:solidFill>
-              </a14:hiddenFill>
-            </a:ext>
-            <a:ext uri="{91240B29-F687-4F45-9708-019B960494DF}">
-              <a14:hiddenLine xmlns:a14="http://schemas.microsoft.com/office/drawing/2010/main" w="9525">
-                <a:solidFill>
-                  <a:schemeClr val="tx1"/>
-                </a:solidFill>
-                <a:miter lim="800000"/>
-                <a:headEnd/>
-                <a:tailEnd/>
-              </a14:hiddenLine>
-            </a:ext>
-            <a:ext uri="{AF507438-7753-43E0-B8FC-AC1667EBCBE1}">
-              <a14:hiddenEffects xmlns:a14="http://schemas.microsoft.com/office/drawing/2010/main">
-                <a:effectLst>
-                  <a:outerShdw dist="35921" dir="2700000" algn="ctr" rotWithShape="0">
-                    <a:schemeClr val="bg2"/>
-                  </a:outerShdw>
-                </a:effectLst>
-              </a14:hiddenEffects>
-            </a:ext>
-          </a:extLst>
-        </p:spPr>
-      </p:pic>
-      <p:sp>
-        <p:nvSpPr>
-          <p:cNvPr id="7" name="TextBox 6"/>
-          <p:cNvSpPr txBox="1"/>
-          <p:nvPr/>
-        </p:nvSpPr>
-        <p:spPr>
-          <a:xfrm>
-            <a:off x="-2" y="3200400"/>
-            <a:ext cx="1744133" cy="954107"/>
-          </a:xfrm>
-          <a:prstGeom prst="rect">
-            <a:avLst/>
-          </a:prstGeom>
-          <a:noFill/>
-        </p:spPr>
-        <p:txBody>
-          <a:bodyPr wrap="square" rtlCol="0">
-            <a:spAutoFit/>
-          </a:bodyPr>
-          <a:lstStyle/>
-          <a:p>
-            <a:r>
-              <a:rPr lang="nl-NL" sz="1400" dirty="0" smtClean="0">
-                <a:solidFill>
-                  <a:schemeClr val="bg1"/>
-                </a:solidFill>
-              </a:rPr>
-              <a:t>- Benchmark model</a:t>
-            </a:r>
-            <a:endParaRPr lang="nl-NL" sz="1400" dirty="0">
-              <a:solidFill>
-                <a:schemeClr val="bg1"/>
-              </a:solidFill>
-            </a:endParaRPr>
-          </a:p>
-          <a:p>
-            <a:r>
-              <a:rPr lang="nl-NL" sz="1400" dirty="0" smtClean="0">
-                <a:solidFill>
-                  <a:schemeClr val="bg1"/>
-                </a:solidFill>
-              </a:rPr>
-              <a:t>- Lean rate controller</a:t>
-            </a:r>
-          </a:p>
-          <a:p>
-            <a:r>
-              <a:rPr lang="nl-NL" sz="1400" dirty="0" smtClean="0">
-                <a:solidFill>
-                  <a:schemeClr val="bg1"/>
-                </a:solidFill>
-              </a:rPr>
-              <a:t>- Human controller</a:t>
-            </a:r>
-          </a:p>
-          <a:p>
-            <a:r>
-              <a:rPr lang="nl-NL" sz="1400" dirty="0" smtClean="0">
-                <a:solidFill>
-                  <a:schemeClr val="tx2">
-                    <a:lumMod val="50000"/>
-                  </a:schemeClr>
-                </a:solidFill>
-              </a:rPr>
-              <a:t>- LQ optimal control</a:t>
-            </a:r>
-          </a:p>
-        </p:txBody>
-      </p:sp>
-    </p:spTree>
-    <p:extLst>
-      <p:ext uri="{BB962C8B-B14F-4D97-AF65-F5344CB8AC3E}">
-        <p14:creationId xmlns:p14="http://schemas.microsoft.com/office/powerpoint/2010/main" val="1656969386"/>
-      </p:ext>
-    </p:extLst>
-  </p:cSld>
-  <p:clrMapOvr>
-    <a:masterClrMapping/>
-  </p:clrMapOvr>
-  <p:timing>
-    <p:tnLst>
-      <p:par>
-        <p:cTn id="1" dur="indefinite" restart="never" nodeType="tmRoot"/>
-      </p:par>
-    </p:tnLst>
-  </p:timing>
-</p:sld>
-</file>
-
-<file path=ppt/slides/slide2.xml><?xml version="1.0" encoding="utf-8"?>
-<p:sld xmlns:a="http://schemas.openxmlformats.org/drawingml/2006/main" xmlns:r="http://schemas.openxmlformats.org/officeDocument/2006/relationships" xmlns:p="http://schemas.openxmlformats.org/presentationml/2006/main">
-  <p:cSld>
-    <p:spTree>
-      <p:nvGrpSpPr>
-        <p:cNvPr id="1" name=""/>
-        <p:cNvGrpSpPr/>
-        <p:nvPr/>
-      </p:nvGrpSpPr>
-      <p:grpSpPr>
-        <a:xfrm>
-          <a:off x="0" y="0"/>
-          <a:ext cx="0" cy="0"/>
-          <a:chOff x="0" y="0"/>
-          <a:chExt cx="0" cy="0"/>
-        </a:xfrm>
-      </p:grpSpPr>
-      <p:sp>
-        <p:nvSpPr>
-          <p:cNvPr id="2" name="Title 1"/>
-          <p:cNvSpPr>
-            <a:spLocks noGrp="1"/>
-          </p:cNvSpPr>
-          <p:nvPr>
-            <p:ph type="title"/>
-          </p:nvPr>
-        </p:nvSpPr>
-        <p:spPr/>
-        <p:txBody>
-          <a:bodyPr/>
-          <a:lstStyle/>
-          <a:p>
-            <a:r>
-              <a:rPr lang="en-US" dirty="0" smtClean="0"/>
               <a:t>Physical system</a:t>
-            </a:r>
-            <a:endParaRPr lang="en-US" dirty="0"/>
-          </a:p>
-        </p:txBody>
-      </p:sp>
-      <p:sp>
-        <p:nvSpPr>
-          <p:cNvPr id="3" name="Content Placeholder 2"/>
-          <p:cNvSpPr>
-            <a:spLocks noGrp="1"/>
-          </p:cNvSpPr>
-          <p:nvPr>
-            <p:ph idx="1"/>
-          </p:nvPr>
-        </p:nvSpPr>
-        <p:spPr>
-          <a:xfrm>
-            <a:off x="1763106" y="1719072"/>
-            <a:ext cx="7106464" cy="3566122"/>
-          </a:xfrm>
-        </p:spPr>
-        <p:txBody>
-          <a:bodyPr/>
-          <a:lstStyle/>
-          <a:p>
-            <a:pPr>
-              <a:buFont typeface="Arial" pitchFamily="34" charset="0"/>
-              <a:buChar char="•"/>
-            </a:pPr>
-            <a:r>
-              <a:rPr lang="en-US" dirty="0" smtClean="0"/>
-              <a:t>Inverted input compared to model</a:t>
-            </a:r>
-          </a:p>
-          <a:p>
-            <a:pPr>
-              <a:buFont typeface="Arial" pitchFamily="34" charset="0"/>
-              <a:buChar char="•"/>
-            </a:pPr>
-            <a:r>
-              <a:rPr lang="en-US" dirty="0" smtClean="0"/>
-              <a:t>CW rotation positive for theta1 and theta2</a:t>
-            </a:r>
-          </a:p>
-          <a:p>
-            <a:pPr>
-              <a:buFont typeface="Arial" pitchFamily="34" charset="0"/>
-              <a:buChar char="•"/>
-            </a:pPr>
-            <a:r>
-              <a:rPr lang="en-US" dirty="0" smtClean="0"/>
-              <a:t>Gain offset for theta2</a:t>
-            </a:r>
-            <a:endParaRPr lang="en-US" dirty="0" smtClean="0"/>
-          </a:p>
-          <a:p>
-            <a:pPr>
-              <a:buFont typeface="Arial" pitchFamily="34" charset="0"/>
-              <a:buChar char="•"/>
-            </a:pPr>
-            <a:r>
-              <a:rPr lang="en-US" dirty="0" smtClean="0"/>
-              <a:t>A lot of backlash</a:t>
-            </a:r>
-            <a:endParaRPr lang="en-US" dirty="0" smtClean="0"/>
-          </a:p>
-          <a:p>
-            <a:pPr>
-              <a:buFont typeface="Arial" pitchFamily="34" charset="0"/>
-              <a:buChar char="•"/>
-            </a:pPr>
-            <a:endParaRPr lang="en-US" dirty="0" smtClean="0"/>
-          </a:p>
-          <a:p>
-            <a:pPr marL="0" indent="0">
-              <a:buNone/>
-            </a:pPr>
-            <a:endParaRPr lang="en-US" dirty="0">
-              <a:solidFill>
-                <a:schemeClr val="tx2">
-                  <a:lumMod val="50000"/>
-                </a:schemeClr>
-              </a:solidFill>
-            </a:endParaRPr>
-          </a:p>
-        </p:txBody>
-      </p:sp>
-      <p:sp>
-        <p:nvSpPr>
-          <p:cNvPr id="7" name="TextBox 6"/>
-          <p:cNvSpPr txBox="1"/>
-          <p:nvPr/>
-        </p:nvSpPr>
-        <p:spPr>
-          <a:xfrm>
-            <a:off x="-2" y="3200400"/>
-            <a:ext cx="1744133" cy="954107"/>
-          </a:xfrm>
-          <a:prstGeom prst="rect">
-            <a:avLst/>
-          </a:prstGeom>
-          <a:noFill/>
-        </p:spPr>
-        <p:txBody>
-          <a:bodyPr wrap="square" rtlCol="0">
-            <a:spAutoFit/>
-          </a:bodyPr>
-          <a:lstStyle/>
-          <a:p>
-            <a:r>
-              <a:rPr lang="nl-NL" sz="1400" dirty="0" smtClean="0">
-                <a:solidFill>
-                  <a:schemeClr val="tx2">
-                    <a:lumMod val="50000"/>
-                  </a:schemeClr>
-                </a:solidFill>
-              </a:rPr>
-              <a:t>- Benchmark model</a:t>
             </a:r>
             <a:endParaRPr lang="nl-NL" sz="1400" dirty="0">
               <a:solidFill>
@@ -8769,18 +6455,21 @@
                   <a:schemeClr val="bg1"/>
                 </a:solidFill>
               </a:rPr>
-              <a:t>- Lean rate controller</a:t>
-            </a:r>
-          </a:p>
-          <a:p>
+              <a:t>- </a:t>
+            </a:r>
             <a:r>
               <a:rPr lang="nl-NL" sz="1400" dirty="0" smtClean="0">
                 <a:solidFill>
                   <a:schemeClr val="bg1"/>
                 </a:solidFill>
               </a:rPr>
-              <a:t>- Human controller</a:t>
-            </a:r>
+              <a:t>Black box model</a:t>
+            </a:r>
+            <a:endParaRPr lang="nl-NL" sz="1400" dirty="0" smtClean="0">
+              <a:solidFill>
+                <a:schemeClr val="bg1"/>
+              </a:solidFill>
+            </a:endParaRPr>
           </a:p>
           <a:p>
             <a:r>
@@ -8789,8 +6478,78 @@
                   <a:schemeClr val="bg1"/>
                 </a:solidFill>
               </a:rPr>
-              <a:t>- LQ optimal control</a:t>
-            </a:r>
+              <a:t>- Simulink model</a:t>
+            </a:r>
+          </a:p>
+          <a:p>
+            <a:r>
+              <a:rPr lang="nl-NL" sz="1400" dirty="0" smtClean="0">
+                <a:solidFill>
+                  <a:schemeClr val="bg1"/>
+                </a:solidFill>
+              </a:rPr>
+              <a:t>- Linearisation</a:t>
+            </a:r>
+            <a:endParaRPr lang="nl-NL" sz="1400" dirty="0" smtClean="0">
+              <a:solidFill>
+                <a:schemeClr val="bg1"/>
+              </a:solidFill>
+            </a:endParaRPr>
+          </a:p>
+          <a:p>
+            <a:r>
+              <a:rPr lang="nl-NL" sz="1400" dirty="0" smtClean="0">
+                <a:solidFill>
+                  <a:schemeClr val="bg1"/>
+                </a:solidFill>
+              </a:rPr>
+              <a:t>- Parameter estimation</a:t>
+            </a:r>
+          </a:p>
+          <a:p>
+            <a:r>
+              <a:rPr lang="nl-NL" sz="1400" dirty="0" smtClean="0">
+                <a:solidFill>
+                  <a:schemeClr val="bg1"/>
+                </a:solidFill>
+              </a:rPr>
+              <a:t>- LQR controller</a:t>
+            </a:r>
+          </a:p>
+          <a:p>
+            <a:r>
+              <a:rPr lang="nl-NL" sz="1400" dirty="0" smtClean="0">
+                <a:solidFill>
+                  <a:schemeClr val="bg1"/>
+                </a:solidFill>
+              </a:rPr>
+              <a:t>- Kalman filter</a:t>
+            </a:r>
+          </a:p>
+          <a:p>
+            <a:r>
+              <a:rPr lang="nl-NL" sz="1400" dirty="0" smtClean="0">
+                <a:solidFill>
+                  <a:schemeClr val="bg1"/>
+                </a:solidFill>
+              </a:rPr>
+              <a:t>- Simulation + visualization</a:t>
+            </a:r>
+          </a:p>
+          <a:p>
+            <a:r>
+              <a:rPr lang="nl-NL" sz="1400" dirty="0" smtClean="0">
+                <a:solidFill>
+                  <a:schemeClr val="bg1"/>
+                </a:solidFill>
+              </a:rPr>
+              <a:t>- Demo</a:t>
+            </a:r>
+            <a:endParaRPr lang="nl-NL" sz="1400" dirty="0" smtClean="0">
+              <a:solidFill>
+                <a:schemeClr val="bg1"/>
+              </a:solidFill>
+            </a:endParaRPr>
           </a:p>
         </p:txBody>
       </p:sp>
@@ -8798,1041 +6557,6 @@
     <p:extLst>
       <p:ext uri="{BB962C8B-B14F-4D97-AF65-F5344CB8AC3E}">
         <p14:creationId xmlns:p14="http://schemas.microsoft.com/office/powerpoint/2010/main" val="1512823589"/>
-      </p:ext>
-    </p:extLst>
-  </p:cSld>
-  <p:clrMapOvr>
-    <a:masterClrMapping/>
-  </p:clrMapOvr>
-  <p:timing>
-    <p:tnLst>
-      <p:par>
-        <p:cTn id="1" dur="indefinite" restart="never" nodeType="tmRoot"/>
-      </p:par>
-    </p:tnLst>
-  </p:timing>
-</p:sld>
-</file>
-
-<file path=ppt/slides/slide20.xml><?xml version="1.0" encoding="utf-8"?>
-<p:sld xmlns:a="http://schemas.openxmlformats.org/drawingml/2006/main" xmlns:r="http://schemas.openxmlformats.org/officeDocument/2006/relationships" xmlns:p="http://schemas.openxmlformats.org/presentationml/2006/main">
-  <p:cSld>
-    <p:spTree>
-      <p:nvGrpSpPr>
-        <p:cNvPr id="1" name=""/>
-        <p:cNvGrpSpPr/>
-        <p:nvPr/>
-      </p:nvGrpSpPr>
-      <p:grpSpPr>
-        <a:xfrm>
-          <a:off x="0" y="0"/>
-          <a:ext cx="0" cy="0"/>
-          <a:chOff x="0" y="0"/>
-          <a:chExt cx="0" cy="0"/>
-        </a:xfrm>
-      </p:grpSpPr>
-      <p:pic>
-        <p:nvPicPr>
-          <p:cNvPr id="7170" name="Picture 2" descr="D:\Documenten\Biomedical Engineering\Afstuderen\Active stability control bicycle\Thesis Report\Figures\LQR controller\EigenvaluesSpeeds_VariousGain_14ms_Q1e2-Q1e6.png"/>
-          <p:cNvPicPr>
-            <a:picLocks noChangeAspect="1" noChangeArrowheads="1"/>
-          </p:cNvPicPr>
-          <p:nvPr/>
-        </p:nvPicPr>
-        <p:blipFill>
-          <a:blip r:embed="rId2">
-            <a:extLst>
-              <a:ext uri="{28A0092B-C50C-407E-A947-70E740481C1C}">
-                <a14:useLocalDpi xmlns:a14="http://schemas.microsoft.com/office/drawing/2010/main" val="0"/>
-              </a:ext>
-            </a:extLst>
-          </a:blip>
-          <a:srcRect/>
-          <a:stretch>
-            <a:fillRect/>
-          </a:stretch>
-        </p:blipFill>
-        <p:spPr bwMode="auto">
-          <a:xfrm>
-            <a:off x="1944687" y="262466"/>
-            <a:ext cx="7199313" cy="6115050"/>
-          </a:xfrm>
-          <a:prstGeom prst="rect">
-            <a:avLst/>
-          </a:prstGeom>
-          <a:noFill/>
-          <a:extLst>
-            <a:ext uri="{909E8E84-426E-40DD-AFC4-6F175D3DCCD1}">
-              <a14:hiddenFill xmlns:a14="http://schemas.microsoft.com/office/drawing/2010/main">
-                <a:solidFill>
-                  <a:srgbClr val="FFFFFF"/>
-                </a:solidFill>
-              </a14:hiddenFill>
-            </a:ext>
-          </a:extLst>
-        </p:spPr>
-      </p:pic>
-      <p:sp>
-        <p:nvSpPr>
-          <p:cNvPr id="3" name="TextBox 2"/>
-          <p:cNvSpPr txBox="1"/>
-          <p:nvPr/>
-        </p:nvSpPr>
-        <p:spPr>
-          <a:xfrm>
-            <a:off x="1877429" y="6114509"/>
-            <a:ext cx="7333828" cy="646331"/>
-          </a:xfrm>
-          <a:prstGeom prst="rect">
-            <a:avLst/>
-          </a:prstGeom>
-          <a:noFill/>
-        </p:spPr>
-        <p:txBody>
-          <a:bodyPr wrap="square" rtlCol="0">
-            <a:spAutoFit/>
-          </a:bodyPr>
-          <a:lstStyle/>
-          <a:p>
-            <a:r>
-              <a:rPr lang="nl-NL" dirty="0" smtClean="0"/>
-              <a:t>Nieuwe eigenwaarden van LQR controller met hogere penalty op yaw voor hogere snelheid</a:t>
-            </a:r>
-          </a:p>
-        </p:txBody>
-      </p:sp>
-      <p:sp>
-        <p:nvSpPr>
-          <p:cNvPr id="4" name="TextBox 3"/>
-          <p:cNvSpPr txBox="1"/>
-          <p:nvPr/>
-        </p:nvSpPr>
-        <p:spPr>
-          <a:xfrm>
-            <a:off x="-2" y="3200400"/>
-            <a:ext cx="1744133" cy="954107"/>
-          </a:xfrm>
-          <a:prstGeom prst="rect">
-            <a:avLst/>
-          </a:prstGeom>
-          <a:noFill/>
-        </p:spPr>
-        <p:txBody>
-          <a:bodyPr wrap="square" rtlCol="0">
-            <a:spAutoFit/>
-          </a:bodyPr>
-          <a:lstStyle/>
-          <a:p>
-            <a:r>
-              <a:rPr lang="nl-NL" sz="1400" dirty="0" smtClean="0">
-                <a:solidFill>
-                  <a:schemeClr val="bg1"/>
-                </a:solidFill>
-              </a:rPr>
-              <a:t>- Benchmark model</a:t>
-            </a:r>
-            <a:endParaRPr lang="nl-NL" sz="1400" dirty="0">
-              <a:solidFill>
-                <a:schemeClr val="bg1"/>
-              </a:solidFill>
-            </a:endParaRPr>
-          </a:p>
-          <a:p>
-            <a:r>
-              <a:rPr lang="nl-NL" sz="1400" dirty="0" smtClean="0">
-                <a:solidFill>
-                  <a:schemeClr val="bg1"/>
-                </a:solidFill>
-              </a:rPr>
-              <a:t>- Lean rate controller</a:t>
-            </a:r>
-          </a:p>
-          <a:p>
-            <a:r>
-              <a:rPr lang="nl-NL" sz="1400" dirty="0" smtClean="0">
-                <a:solidFill>
-                  <a:schemeClr val="bg1"/>
-                </a:solidFill>
-              </a:rPr>
-              <a:t>- Human controller</a:t>
-            </a:r>
-          </a:p>
-          <a:p>
-            <a:r>
-              <a:rPr lang="nl-NL" sz="1400" dirty="0" smtClean="0">
-                <a:solidFill>
-                  <a:schemeClr val="tx2">
-                    <a:lumMod val="50000"/>
-                  </a:schemeClr>
-                </a:solidFill>
-              </a:rPr>
-              <a:t>- LQ optimal control</a:t>
-            </a:r>
-          </a:p>
-        </p:txBody>
-      </p:sp>
-    </p:spTree>
-    <p:extLst>
-      <p:ext uri="{BB962C8B-B14F-4D97-AF65-F5344CB8AC3E}">
-        <p14:creationId xmlns:p14="http://schemas.microsoft.com/office/powerpoint/2010/main" val="568551759"/>
-      </p:ext>
-    </p:extLst>
-  </p:cSld>
-  <p:clrMapOvr>
-    <a:masterClrMapping/>
-  </p:clrMapOvr>
-  <p:timing>
-    <p:tnLst>
-      <p:par>
-        <p:cTn id="1" dur="indefinite" restart="never" nodeType="tmRoot"/>
-      </p:par>
-    </p:tnLst>
-  </p:timing>
-</p:sld>
-</file>
-
-<file path=ppt/slides/slide21.xml><?xml version="1.0" encoding="utf-8"?>
-<p:sld xmlns:a="http://schemas.openxmlformats.org/drawingml/2006/main" xmlns:r="http://schemas.openxmlformats.org/officeDocument/2006/relationships" xmlns:p="http://schemas.openxmlformats.org/presentationml/2006/main">
-  <p:cSld>
-    <p:spTree>
-      <p:nvGrpSpPr>
-        <p:cNvPr id="1" name=""/>
-        <p:cNvGrpSpPr/>
-        <p:nvPr/>
-      </p:nvGrpSpPr>
-      <p:grpSpPr>
-        <a:xfrm>
-          <a:off x="0" y="0"/>
-          <a:ext cx="0" cy="0"/>
-          <a:chOff x="0" y="0"/>
-          <a:chExt cx="0" cy="0"/>
-        </a:xfrm>
-      </p:grpSpPr>
-      <p:pic>
-        <p:nvPicPr>
-          <p:cNvPr id="8194" name="Picture 2" descr="D:\Documenten\Biomedical Engineering\Afstuderen\Active stability control bicycle\Thesis Report\Figures\LQR controller\Feedback_gains_various_speeds_Q1e2-Q1e5.png"/>
-          <p:cNvPicPr>
-            <a:picLocks noChangeAspect="1" noChangeArrowheads="1"/>
-          </p:cNvPicPr>
-          <p:nvPr/>
-        </p:nvPicPr>
-        <p:blipFill>
-          <a:blip r:embed="rId2">
-            <a:extLst>
-              <a:ext uri="{28A0092B-C50C-407E-A947-70E740481C1C}">
-                <a14:useLocalDpi xmlns:a14="http://schemas.microsoft.com/office/drawing/2010/main" val="0"/>
-              </a:ext>
-            </a:extLst>
-          </a:blip>
-          <a:srcRect/>
-          <a:stretch>
-            <a:fillRect/>
-          </a:stretch>
-        </p:blipFill>
-        <p:spPr bwMode="auto">
-          <a:xfrm>
-            <a:off x="1944686" y="227013"/>
-            <a:ext cx="7199313" cy="6115050"/>
-          </a:xfrm>
-          <a:prstGeom prst="rect">
-            <a:avLst/>
-          </a:prstGeom>
-          <a:noFill/>
-          <a:extLst>
-            <a:ext uri="{909E8E84-426E-40DD-AFC4-6F175D3DCCD1}">
-              <a14:hiddenFill xmlns:a14="http://schemas.microsoft.com/office/drawing/2010/main">
-                <a:solidFill>
-                  <a:srgbClr val="FFFFFF"/>
-                </a:solidFill>
-              </a14:hiddenFill>
-            </a:ext>
-          </a:extLst>
-        </p:spPr>
-      </p:pic>
-      <p:sp>
-        <p:nvSpPr>
-          <p:cNvPr id="3" name="TextBox 2"/>
-          <p:cNvSpPr txBox="1"/>
-          <p:nvPr/>
-        </p:nvSpPr>
-        <p:spPr>
-          <a:xfrm>
-            <a:off x="2765952" y="6104521"/>
-            <a:ext cx="7333828" cy="369332"/>
-          </a:xfrm>
-          <a:prstGeom prst="rect">
-            <a:avLst/>
-          </a:prstGeom>
-          <a:noFill/>
-        </p:spPr>
-        <p:txBody>
-          <a:bodyPr wrap="square" rtlCol="0">
-            <a:spAutoFit/>
-          </a:bodyPr>
-          <a:lstStyle/>
-          <a:p>
-            <a:r>
-              <a:rPr lang="nl-NL" dirty="0" smtClean="0"/>
-              <a:t>Feedback gains van de controller voor de snelheden 1 – 5 m/s</a:t>
-            </a:r>
-          </a:p>
-        </p:txBody>
-      </p:sp>
-      <p:sp>
-        <p:nvSpPr>
-          <p:cNvPr id="4" name="TextBox 3"/>
-          <p:cNvSpPr txBox="1"/>
-          <p:nvPr/>
-        </p:nvSpPr>
-        <p:spPr>
-          <a:xfrm>
-            <a:off x="-2" y="3200400"/>
-            <a:ext cx="1744133" cy="954107"/>
-          </a:xfrm>
-          <a:prstGeom prst="rect">
-            <a:avLst/>
-          </a:prstGeom>
-          <a:noFill/>
-        </p:spPr>
-        <p:txBody>
-          <a:bodyPr wrap="square" rtlCol="0">
-            <a:spAutoFit/>
-          </a:bodyPr>
-          <a:lstStyle/>
-          <a:p>
-            <a:r>
-              <a:rPr lang="nl-NL" sz="1400" dirty="0" smtClean="0">
-                <a:solidFill>
-                  <a:schemeClr val="bg1"/>
-                </a:solidFill>
-              </a:rPr>
-              <a:t>- Benchmark model</a:t>
-            </a:r>
-            <a:endParaRPr lang="nl-NL" sz="1400" dirty="0">
-              <a:solidFill>
-                <a:schemeClr val="bg1"/>
-              </a:solidFill>
-            </a:endParaRPr>
-          </a:p>
-          <a:p>
-            <a:r>
-              <a:rPr lang="nl-NL" sz="1400" dirty="0" smtClean="0">
-                <a:solidFill>
-                  <a:schemeClr val="bg1"/>
-                </a:solidFill>
-              </a:rPr>
-              <a:t>- Lean rate controller</a:t>
-            </a:r>
-          </a:p>
-          <a:p>
-            <a:r>
-              <a:rPr lang="nl-NL" sz="1400" dirty="0" smtClean="0">
-                <a:solidFill>
-                  <a:schemeClr val="bg1"/>
-                </a:solidFill>
-              </a:rPr>
-              <a:t>- Human controller</a:t>
-            </a:r>
-          </a:p>
-          <a:p>
-            <a:r>
-              <a:rPr lang="nl-NL" sz="1400" dirty="0" smtClean="0">
-                <a:solidFill>
-                  <a:schemeClr val="tx2">
-                    <a:lumMod val="50000"/>
-                  </a:schemeClr>
-                </a:solidFill>
-              </a:rPr>
-              <a:t>- LQ optimal control</a:t>
-            </a:r>
-          </a:p>
-        </p:txBody>
-      </p:sp>
-    </p:spTree>
-    <p:extLst>
-      <p:ext uri="{BB962C8B-B14F-4D97-AF65-F5344CB8AC3E}">
-        <p14:creationId xmlns:p14="http://schemas.microsoft.com/office/powerpoint/2010/main" val="3087653006"/>
-      </p:ext>
-    </p:extLst>
-  </p:cSld>
-  <p:clrMapOvr>
-    <a:masterClrMapping/>
-  </p:clrMapOvr>
-  <p:timing>
-    <p:tnLst>
-      <p:par>
-        <p:cTn id="1" dur="indefinite" restart="never" nodeType="tmRoot"/>
-      </p:par>
-    </p:tnLst>
-  </p:timing>
-</p:sld>
-</file>
-
-<file path=ppt/slides/slide22.xml><?xml version="1.0" encoding="utf-8"?>
-<p:sld xmlns:a="http://schemas.openxmlformats.org/drawingml/2006/main" xmlns:r="http://schemas.openxmlformats.org/officeDocument/2006/relationships" xmlns:p="http://schemas.openxmlformats.org/presentationml/2006/main">
-  <p:cSld>
-    <p:spTree>
-      <p:nvGrpSpPr>
-        <p:cNvPr id="1" name=""/>
-        <p:cNvGrpSpPr/>
-        <p:nvPr/>
-      </p:nvGrpSpPr>
-      <p:grpSpPr>
-        <a:xfrm>
-          <a:off x="0" y="0"/>
-          <a:ext cx="0" cy="0"/>
-          <a:chOff x="0" y="0"/>
-          <a:chExt cx="0" cy="0"/>
-        </a:xfrm>
-      </p:grpSpPr>
-      <p:pic>
-        <p:nvPicPr>
-          <p:cNvPr id="9218" name="Picture 2" descr="D:\Documenten\Biomedical Engineering\Afstuderen\Active stability control bicycle\Thesis Report\Figures\LQR controller\v14State1_Q1e7_R1e5.png"/>
-          <p:cNvPicPr>
-            <a:picLocks noChangeAspect="1" noChangeArrowheads="1"/>
-          </p:cNvPicPr>
-          <p:nvPr/>
-        </p:nvPicPr>
-        <p:blipFill>
-          <a:blip r:embed="rId2">
-            <a:extLst>
-              <a:ext uri="{28A0092B-C50C-407E-A947-70E740481C1C}">
-                <a14:useLocalDpi xmlns:a14="http://schemas.microsoft.com/office/drawing/2010/main" val="0"/>
-              </a:ext>
-            </a:extLst>
-          </a:blip>
-          <a:srcRect/>
-          <a:stretch>
-            <a:fillRect/>
-          </a:stretch>
-        </p:blipFill>
-        <p:spPr bwMode="auto">
-          <a:xfrm>
-            <a:off x="1944687" y="370945"/>
-            <a:ext cx="7199313" cy="6115051"/>
-          </a:xfrm>
-          <a:prstGeom prst="rect">
-            <a:avLst/>
-          </a:prstGeom>
-          <a:noFill/>
-          <a:extLst>
-            <a:ext uri="{909E8E84-426E-40DD-AFC4-6F175D3DCCD1}">
-              <a14:hiddenFill xmlns:a14="http://schemas.microsoft.com/office/drawing/2010/main">
-                <a:solidFill>
-                  <a:srgbClr val="FFFFFF"/>
-                </a:solidFill>
-              </a14:hiddenFill>
-            </a:ext>
-          </a:extLst>
-        </p:spPr>
-      </p:pic>
-      <p:sp>
-        <p:nvSpPr>
-          <p:cNvPr id="3" name="TextBox 2"/>
-          <p:cNvSpPr txBox="1"/>
-          <p:nvPr/>
-        </p:nvSpPr>
-        <p:spPr>
-          <a:xfrm>
-            <a:off x="2554286" y="6206121"/>
-            <a:ext cx="7333828" cy="369332"/>
-          </a:xfrm>
-          <a:prstGeom prst="rect">
-            <a:avLst/>
-          </a:prstGeom>
-          <a:noFill/>
-        </p:spPr>
-        <p:txBody>
-          <a:bodyPr wrap="square" rtlCol="0">
-            <a:spAutoFit/>
-          </a:bodyPr>
-          <a:lstStyle/>
-          <a:p>
-            <a:r>
-              <a:rPr lang="nl-NL" dirty="0" smtClean="0"/>
-              <a:t>Reactie na initiële verstoring van 0.45 rad/s op 1.4 m/s </a:t>
-            </a:r>
-          </a:p>
-        </p:txBody>
-      </p:sp>
-      <p:sp>
-        <p:nvSpPr>
-          <p:cNvPr id="4" name="TextBox 3"/>
-          <p:cNvSpPr txBox="1"/>
-          <p:nvPr/>
-        </p:nvSpPr>
-        <p:spPr>
-          <a:xfrm>
-            <a:off x="-2" y="3200400"/>
-            <a:ext cx="1744133" cy="954107"/>
-          </a:xfrm>
-          <a:prstGeom prst="rect">
-            <a:avLst/>
-          </a:prstGeom>
-          <a:noFill/>
-        </p:spPr>
-        <p:txBody>
-          <a:bodyPr wrap="square" rtlCol="0">
-            <a:spAutoFit/>
-          </a:bodyPr>
-          <a:lstStyle/>
-          <a:p>
-            <a:r>
-              <a:rPr lang="nl-NL" sz="1400" dirty="0" smtClean="0">
-                <a:solidFill>
-                  <a:schemeClr val="bg1"/>
-                </a:solidFill>
-              </a:rPr>
-              <a:t>- Benchmark model</a:t>
-            </a:r>
-            <a:endParaRPr lang="nl-NL" sz="1400" dirty="0">
-              <a:solidFill>
-                <a:schemeClr val="bg1"/>
-              </a:solidFill>
-            </a:endParaRPr>
-          </a:p>
-          <a:p>
-            <a:r>
-              <a:rPr lang="nl-NL" sz="1400" dirty="0" smtClean="0">
-                <a:solidFill>
-                  <a:schemeClr val="bg1"/>
-                </a:solidFill>
-              </a:rPr>
-              <a:t>- Lean rate controller</a:t>
-            </a:r>
-          </a:p>
-          <a:p>
-            <a:r>
-              <a:rPr lang="nl-NL" sz="1400" dirty="0" smtClean="0">
-                <a:solidFill>
-                  <a:schemeClr val="bg1"/>
-                </a:solidFill>
-              </a:rPr>
-              <a:t>- Human controller</a:t>
-            </a:r>
-          </a:p>
-          <a:p>
-            <a:r>
-              <a:rPr lang="nl-NL" sz="1400" dirty="0" smtClean="0">
-                <a:solidFill>
-                  <a:schemeClr val="tx2">
-                    <a:lumMod val="50000"/>
-                  </a:schemeClr>
-                </a:solidFill>
-              </a:rPr>
-              <a:t>- LQ optimal control</a:t>
-            </a:r>
-          </a:p>
-        </p:txBody>
-      </p:sp>
-    </p:spTree>
-    <p:extLst>
-      <p:ext uri="{BB962C8B-B14F-4D97-AF65-F5344CB8AC3E}">
-        <p14:creationId xmlns:p14="http://schemas.microsoft.com/office/powerpoint/2010/main" val="987725728"/>
-      </p:ext>
-    </p:extLst>
-  </p:cSld>
-  <p:clrMapOvr>
-    <a:masterClrMapping/>
-  </p:clrMapOvr>
-  <p:timing>
-    <p:tnLst>
-      <p:par>
-        <p:cTn id="1" dur="indefinite" restart="never" nodeType="tmRoot"/>
-      </p:par>
-    </p:tnLst>
-  </p:timing>
-</p:sld>
-</file>
-
-<file path=ppt/slides/slide23.xml><?xml version="1.0" encoding="utf-8"?>
-<p:sld xmlns:a="http://schemas.openxmlformats.org/drawingml/2006/main" xmlns:r="http://schemas.openxmlformats.org/officeDocument/2006/relationships" xmlns:p="http://schemas.openxmlformats.org/presentationml/2006/main">
-  <p:cSld>
-    <p:spTree>
-      <p:nvGrpSpPr>
-        <p:cNvPr id="1" name=""/>
-        <p:cNvGrpSpPr/>
-        <p:nvPr/>
-      </p:nvGrpSpPr>
-      <p:grpSpPr>
-        <a:xfrm>
-          <a:off x="0" y="0"/>
-          <a:ext cx="0" cy="0"/>
-          <a:chOff x="0" y="0"/>
-          <a:chExt cx="0" cy="0"/>
-        </a:xfrm>
-      </p:grpSpPr>
-      <p:pic>
-        <p:nvPicPr>
-          <p:cNvPr id="10242" name="Picture 2" descr="D:\Documenten\Biomedical Engineering\Afstuderen\Active stability control bicycle\Thesis Report\Figures\LQR controller\v14State1_Q1e4_R1e5_torque_limiter.png"/>
-          <p:cNvPicPr>
-            <a:picLocks noChangeAspect="1" noChangeArrowheads="1"/>
-          </p:cNvPicPr>
-          <p:nvPr/>
-        </p:nvPicPr>
-        <p:blipFill>
-          <a:blip r:embed="rId2">
-            <a:extLst>
-              <a:ext uri="{28A0092B-C50C-407E-A947-70E740481C1C}">
-                <a14:useLocalDpi xmlns:a14="http://schemas.microsoft.com/office/drawing/2010/main" val="0"/>
-              </a:ext>
-            </a:extLst>
-          </a:blip>
-          <a:srcRect/>
-          <a:stretch>
-            <a:fillRect/>
-          </a:stretch>
-        </p:blipFill>
-        <p:spPr bwMode="auto">
-          <a:xfrm>
-            <a:off x="1944687" y="363536"/>
-            <a:ext cx="7199313" cy="6115051"/>
-          </a:xfrm>
-          <a:prstGeom prst="rect">
-            <a:avLst/>
-          </a:prstGeom>
-          <a:noFill/>
-          <a:extLst>
-            <a:ext uri="{909E8E84-426E-40DD-AFC4-6F175D3DCCD1}">
-              <a14:hiddenFill xmlns:a14="http://schemas.microsoft.com/office/drawing/2010/main">
-                <a:solidFill>
-                  <a:srgbClr val="FFFFFF"/>
-                </a:solidFill>
-              </a14:hiddenFill>
-            </a:ext>
-          </a:extLst>
-        </p:spPr>
-      </p:pic>
-      <p:sp>
-        <p:nvSpPr>
-          <p:cNvPr id="4" name="TextBox 3"/>
-          <p:cNvSpPr txBox="1"/>
-          <p:nvPr/>
-        </p:nvSpPr>
-        <p:spPr>
-          <a:xfrm>
-            <a:off x="2063219" y="6206121"/>
-            <a:ext cx="7333828" cy="369332"/>
-          </a:xfrm>
-          <a:prstGeom prst="rect">
-            <a:avLst/>
-          </a:prstGeom>
-          <a:noFill/>
-        </p:spPr>
-        <p:txBody>
-          <a:bodyPr wrap="square" rtlCol="0">
-            <a:spAutoFit/>
-          </a:bodyPr>
-          <a:lstStyle/>
-          <a:p>
-            <a:r>
-              <a:rPr lang="nl-NL" dirty="0" smtClean="0"/>
-              <a:t>Reactie na initiële verstoring van 0.45 rad/s met torque limiet op 1.4 m/s</a:t>
-            </a:r>
-          </a:p>
-        </p:txBody>
-      </p:sp>
-      <p:sp>
-        <p:nvSpPr>
-          <p:cNvPr id="5" name="TextBox 4"/>
-          <p:cNvSpPr txBox="1"/>
-          <p:nvPr/>
-        </p:nvSpPr>
-        <p:spPr>
-          <a:xfrm>
-            <a:off x="-2" y="3200400"/>
-            <a:ext cx="1744133" cy="954107"/>
-          </a:xfrm>
-          <a:prstGeom prst="rect">
-            <a:avLst/>
-          </a:prstGeom>
-          <a:noFill/>
-        </p:spPr>
-        <p:txBody>
-          <a:bodyPr wrap="square" rtlCol="0">
-            <a:spAutoFit/>
-          </a:bodyPr>
-          <a:lstStyle/>
-          <a:p>
-            <a:r>
-              <a:rPr lang="nl-NL" sz="1400" dirty="0" smtClean="0">
-                <a:solidFill>
-                  <a:schemeClr val="bg1"/>
-                </a:solidFill>
-              </a:rPr>
-              <a:t>- Benchmark model</a:t>
-            </a:r>
-            <a:endParaRPr lang="nl-NL" sz="1400" dirty="0">
-              <a:solidFill>
-                <a:schemeClr val="bg1"/>
-              </a:solidFill>
-            </a:endParaRPr>
-          </a:p>
-          <a:p>
-            <a:r>
-              <a:rPr lang="nl-NL" sz="1400" dirty="0" smtClean="0">
-                <a:solidFill>
-                  <a:schemeClr val="bg1"/>
-                </a:solidFill>
-              </a:rPr>
-              <a:t>- Lean rate controller</a:t>
-            </a:r>
-          </a:p>
-          <a:p>
-            <a:r>
-              <a:rPr lang="nl-NL" sz="1400" dirty="0" smtClean="0">
-                <a:solidFill>
-                  <a:schemeClr val="bg1"/>
-                </a:solidFill>
-              </a:rPr>
-              <a:t>- Human controller</a:t>
-            </a:r>
-          </a:p>
-          <a:p>
-            <a:r>
-              <a:rPr lang="nl-NL" sz="1400" dirty="0" smtClean="0">
-                <a:solidFill>
-                  <a:schemeClr val="tx2">
-                    <a:lumMod val="50000"/>
-                  </a:schemeClr>
-                </a:solidFill>
-              </a:rPr>
-              <a:t>- LQ optimal control</a:t>
-            </a:r>
-          </a:p>
-        </p:txBody>
-      </p:sp>
-    </p:spTree>
-    <p:extLst>
-      <p:ext uri="{BB962C8B-B14F-4D97-AF65-F5344CB8AC3E}">
-        <p14:creationId xmlns:p14="http://schemas.microsoft.com/office/powerpoint/2010/main" val="2465903250"/>
-      </p:ext>
-    </p:extLst>
-  </p:cSld>
-  <p:clrMapOvr>
-    <a:masterClrMapping/>
-  </p:clrMapOvr>
-  <p:timing>
-    <p:tnLst>
-      <p:par>
-        <p:cTn id="1" dur="indefinite" restart="never" nodeType="tmRoot"/>
-      </p:par>
-    </p:tnLst>
-  </p:timing>
-</p:sld>
-</file>
-
-<file path=ppt/slides/slide24.xml><?xml version="1.0" encoding="utf-8"?>
-<p:sld xmlns:a="http://schemas.openxmlformats.org/drawingml/2006/main" xmlns:r="http://schemas.openxmlformats.org/officeDocument/2006/relationships" xmlns:p="http://schemas.openxmlformats.org/presentationml/2006/main">
-  <p:cSld>
-    <p:spTree>
-      <p:nvGrpSpPr>
-        <p:cNvPr id="1" name=""/>
-        <p:cNvGrpSpPr/>
-        <p:nvPr/>
-      </p:nvGrpSpPr>
-      <p:grpSpPr>
-        <a:xfrm>
-          <a:off x="0" y="0"/>
-          <a:ext cx="0" cy="0"/>
-          <a:chOff x="0" y="0"/>
-          <a:chExt cx="0" cy="0"/>
-        </a:xfrm>
-      </p:grpSpPr>
-      <p:pic>
-        <p:nvPicPr>
-          <p:cNvPr id="11266" name="Picture 2" descr="D:\Documenten\Biomedical Engineering\Afstuderen\Active stability control bicycle\Thesis Report\Figures\LQR controller\v25State1_Q5e5_R1e5_torque_limiter.png"/>
-          <p:cNvPicPr>
-            <a:picLocks noChangeAspect="1" noChangeArrowheads="1"/>
-          </p:cNvPicPr>
-          <p:nvPr/>
-        </p:nvPicPr>
-        <p:blipFill>
-          <a:blip r:embed="rId2">
-            <a:extLst>
-              <a:ext uri="{28A0092B-C50C-407E-A947-70E740481C1C}">
-                <a14:useLocalDpi xmlns:a14="http://schemas.microsoft.com/office/drawing/2010/main" val="0"/>
-              </a:ext>
-            </a:extLst>
-          </a:blip>
-          <a:srcRect/>
-          <a:stretch>
-            <a:fillRect/>
-          </a:stretch>
-        </p:blipFill>
-        <p:spPr bwMode="auto">
-          <a:xfrm>
-            <a:off x="1944687" y="379942"/>
-            <a:ext cx="7199313" cy="6115050"/>
-          </a:xfrm>
-          <a:prstGeom prst="rect">
-            <a:avLst/>
-          </a:prstGeom>
-          <a:noFill/>
-          <a:extLst>
-            <a:ext uri="{909E8E84-426E-40DD-AFC4-6F175D3DCCD1}">
-              <a14:hiddenFill xmlns:a14="http://schemas.microsoft.com/office/drawing/2010/main">
-                <a:solidFill>
-                  <a:srgbClr val="FFFFFF"/>
-                </a:solidFill>
-              </a14:hiddenFill>
-            </a:ext>
-          </a:extLst>
-        </p:spPr>
-      </p:pic>
-      <p:sp>
-        <p:nvSpPr>
-          <p:cNvPr id="4" name="TextBox 3"/>
-          <p:cNvSpPr txBox="1"/>
-          <p:nvPr/>
-        </p:nvSpPr>
-        <p:spPr>
-          <a:xfrm>
-            <a:off x="1944687" y="6206121"/>
-            <a:ext cx="7333828" cy="369332"/>
-          </a:xfrm>
-          <a:prstGeom prst="rect">
-            <a:avLst/>
-          </a:prstGeom>
-          <a:noFill/>
-        </p:spPr>
-        <p:txBody>
-          <a:bodyPr wrap="square" rtlCol="0">
-            <a:spAutoFit/>
-          </a:bodyPr>
-          <a:lstStyle/>
-          <a:p>
-            <a:r>
-              <a:rPr lang="nl-NL" dirty="0" smtClean="0"/>
-              <a:t>Reactie na initiële verstoring van 0.56 rad/s met torque limiet op 2.5 m/s </a:t>
-            </a:r>
-          </a:p>
-        </p:txBody>
-      </p:sp>
-      <p:sp>
-        <p:nvSpPr>
-          <p:cNvPr id="5" name="TextBox 4"/>
-          <p:cNvSpPr txBox="1"/>
-          <p:nvPr/>
-        </p:nvSpPr>
-        <p:spPr>
-          <a:xfrm>
-            <a:off x="-2" y="3200400"/>
-            <a:ext cx="1744133" cy="954107"/>
-          </a:xfrm>
-          <a:prstGeom prst="rect">
-            <a:avLst/>
-          </a:prstGeom>
-          <a:noFill/>
-        </p:spPr>
-        <p:txBody>
-          <a:bodyPr wrap="square" rtlCol="0">
-            <a:spAutoFit/>
-          </a:bodyPr>
-          <a:lstStyle/>
-          <a:p>
-            <a:r>
-              <a:rPr lang="nl-NL" sz="1400" dirty="0" smtClean="0">
-                <a:solidFill>
-                  <a:schemeClr val="bg1"/>
-                </a:solidFill>
-              </a:rPr>
-              <a:t>- Benchmark model</a:t>
-            </a:r>
-            <a:endParaRPr lang="nl-NL" sz="1400" dirty="0">
-              <a:solidFill>
-                <a:schemeClr val="bg1"/>
-              </a:solidFill>
-            </a:endParaRPr>
-          </a:p>
-          <a:p>
-            <a:r>
-              <a:rPr lang="nl-NL" sz="1400" dirty="0" smtClean="0">
-                <a:solidFill>
-                  <a:schemeClr val="bg1"/>
-                </a:solidFill>
-              </a:rPr>
-              <a:t>- Lean rate controller</a:t>
-            </a:r>
-          </a:p>
-          <a:p>
-            <a:r>
-              <a:rPr lang="nl-NL" sz="1400" dirty="0" smtClean="0">
-                <a:solidFill>
-                  <a:schemeClr val="bg1"/>
-                </a:solidFill>
-              </a:rPr>
-              <a:t>- Human controller</a:t>
-            </a:r>
-          </a:p>
-          <a:p>
-            <a:r>
-              <a:rPr lang="nl-NL" sz="1400" dirty="0" smtClean="0">
-                <a:solidFill>
-                  <a:schemeClr val="tx2">
-                    <a:lumMod val="50000"/>
-                  </a:schemeClr>
-                </a:solidFill>
-              </a:rPr>
-              <a:t>- LQ optimal control</a:t>
-            </a:r>
-          </a:p>
-        </p:txBody>
-      </p:sp>
-    </p:spTree>
-    <p:extLst>
-      <p:ext uri="{BB962C8B-B14F-4D97-AF65-F5344CB8AC3E}">
-        <p14:creationId xmlns:p14="http://schemas.microsoft.com/office/powerpoint/2010/main" val="3357908216"/>
-      </p:ext>
-    </p:extLst>
-  </p:cSld>
-  <p:clrMapOvr>
-    <a:masterClrMapping/>
-  </p:clrMapOvr>
-  <p:timing>
-    <p:tnLst>
-      <p:par>
-        <p:cTn id="1" dur="indefinite" restart="never" nodeType="tmRoot"/>
-      </p:par>
-    </p:tnLst>
-  </p:timing>
-</p:sld>
-</file>
-
-<file path=ppt/slides/slide25.xml><?xml version="1.0" encoding="utf-8"?>
-<p:sld xmlns:a="http://schemas.openxmlformats.org/drawingml/2006/main" xmlns:r="http://schemas.openxmlformats.org/officeDocument/2006/relationships" xmlns:p="http://schemas.openxmlformats.org/presentationml/2006/main">
-  <p:cSld>
-    <p:spTree>
-      <p:nvGrpSpPr>
-        <p:cNvPr id="1" name=""/>
-        <p:cNvGrpSpPr/>
-        <p:nvPr/>
-      </p:nvGrpSpPr>
-      <p:grpSpPr>
-        <a:xfrm>
-          <a:off x="0" y="0"/>
-          <a:ext cx="0" cy="0"/>
-          <a:chOff x="0" y="0"/>
-          <a:chExt cx="0" cy="0"/>
-        </a:xfrm>
-      </p:grpSpPr>
-      <p:sp>
-        <p:nvSpPr>
-          <p:cNvPr id="2" name="Title 1"/>
-          <p:cNvSpPr>
-            <a:spLocks noGrp="1"/>
-          </p:cNvSpPr>
-          <p:nvPr>
-            <p:ph type="title"/>
-          </p:nvPr>
-        </p:nvSpPr>
-        <p:spPr/>
-        <p:txBody>
-          <a:bodyPr/>
-          <a:lstStyle/>
-          <a:p>
-            <a:r>
-              <a:rPr lang="nl-NL" smtClean="0"/>
-              <a:t>Vragen?</a:t>
-            </a:r>
-            <a:endParaRPr lang="nl-NL" dirty="0"/>
-          </a:p>
-        </p:txBody>
-      </p:sp>
-      <p:sp>
-        <p:nvSpPr>
-          <p:cNvPr id="3" name="Content Placeholder 2"/>
-          <p:cNvSpPr>
-            <a:spLocks noGrp="1"/>
-          </p:cNvSpPr>
-          <p:nvPr>
-            <p:ph idx="1"/>
-          </p:nvPr>
-        </p:nvSpPr>
-        <p:spPr/>
-        <p:txBody>
-          <a:bodyPr/>
-          <a:lstStyle/>
-          <a:p>
-            <a:pPr marL="0" indent="0">
-              <a:buNone/>
-            </a:pPr>
-            <a:endParaRPr lang="nl-NL" dirty="0"/>
-          </a:p>
-        </p:txBody>
-      </p:sp>
-      <p:sp>
-        <p:nvSpPr>
-          <p:cNvPr id="4" name="TextBox 3"/>
-          <p:cNvSpPr txBox="1"/>
-          <p:nvPr/>
-        </p:nvSpPr>
-        <p:spPr>
-          <a:xfrm>
-            <a:off x="-2" y="3200400"/>
-            <a:ext cx="1744133" cy="954107"/>
-          </a:xfrm>
-          <a:prstGeom prst="rect">
-            <a:avLst/>
-          </a:prstGeom>
-          <a:noFill/>
-        </p:spPr>
-        <p:txBody>
-          <a:bodyPr wrap="square" rtlCol="0">
-            <a:spAutoFit/>
-          </a:bodyPr>
-          <a:lstStyle/>
-          <a:p>
-            <a:r>
-              <a:rPr lang="nl-NL" sz="1400" dirty="0" smtClean="0">
-                <a:solidFill>
-                  <a:schemeClr val="bg1"/>
-                </a:solidFill>
-              </a:rPr>
-              <a:t>- Benchmark model</a:t>
-            </a:r>
-            <a:endParaRPr lang="nl-NL" sz="1400" dirty="0">
-              <a:solidFill>
-                <a:schemeClr val="bg1"/>
-              </a:solidFill>
-            </a:endParaRPr>
-          </a:p>
-          <a:p>
-            <a:r>
-              <a:rPr lang="nl-NL" sz="1400" dirty="0" smtClean="0">
-                <a:solidFill>
-                  <a:schemeClr val="bg1"/>
-                </a:solidFill>
-              </a:rPr>
-              <a:t>- Lean rate controller</a:t>
-            </a:r>
-          </a:p>
-          <a:p>
-            <a:r>
-              <a:rPr lang="nl-NL" sz="1400" dirty="0" smtClean="0">
-                <a:solidFill>
-                  <a:schemeClr val="bg1"/>
-                </a:solidFill>
-              </a:rPr>
-              <a:t>- Human controller</a:t>
-            </a:r>
-          </a:p>
-          <a:p>
-            <a:r>
-              <a:rPr lang="nl-NL" sz="1400" dirty="0" smtClean="0">
-                <a:solidFill>
-                  <a:schemeClr val="bg1"/>
-                </a:solidFill>
-              </a:rPr>
-              <a:t>- LQ optimal control</a:t>
-            </a:r>
-          </a:p>
-        </p:txBody>
-      </p:sp>
-    </p:spTree>
-    <p:extLst>
-      <p:ext uri="{BB962C8B-B14F-4D97-AF65-F5344CB8AC3E}">
-        <p14:creationId xmlns:p14="http://schemas.microsoft.com/office/powerpoint/2010/main" val="1048761014"/>
       </p:ext>
     </p:extLst>
   </p:cSld>
@@ -9883,11 +6607,7 @@
           <a:p>
             <a:r>
               <a:rPr lang="nl-NL" dirty="0" smtClean="0"/>
-              <a:t>Black box model</a:t>
-            </a:r>
-            <a:r>
-              <a:rPr lang="nl-NL" dirty="0" smtClean="0"/>
-              <a:t>	</a:t>
+              <a:t>Black box model	</a:t>
             </a:r>
             <a:endParaRPr lang="nl-NL" dirty="0"/>
           </a:p>
@@ -9944,14 +6664,14 @@
       </p:sp>
       <p:sp>
         <p:nvSpPr>
-          <p:cNvPr id="11" name="TextBox 10"/>
+          <p:cNvPr id="5" name="TextBox 4"/>
           <p:cNvSpPr txBox="1"/>
           <p:nvPr/>
         </p:nvSpPr>
         <p:spPr>
           <a:xfrm>
-            <a:off x="-2" y="3200400"/>
-            <a:ext cx="1744133" cy="954107"/>
+            <a:off x="-85346" y="3218688"/>
+            <a:ext cx="1880242" cy="2246769"/>
           </a:xfrm>
           <a:prstGeom prst="rect">
             <a:avLst/>
@@ -9967,14 +6687,47 @@
             <a:r>
               <a:rPr lang="nl-NL" sz="1400" dirty="0" smtClean="0">
                 <a:solidFill>
+                  <a:schemeClr val="bg1"/>
+                </a:solidFill>
+              </a:rPr>
+              <a:t>- </a:t>
+            </a:r>
+            <a:r>
+              <a:rPr lang="nl-NL" sz="1400" dirty="0" smtClean="0">
+                <a:solidFill>
+                  <a:schemeClr val="bg1"/>
+                </a:solidFill>
+              </a:rPr>
+              <a:t>Physical system</a:t>
+            </a:r>
+            <a:endParaRPr lang="nl-NL" sz="1400" dirty="0">
+              <a:solidFill>
+                <a:schemeClr val="bg1"/>
+              </a:solidFill>
+            </a:endParaRPr>
+          </a:p>
+          <a:p>
+            <a:r>
+              <a:rPr lang="nl-NL" sz="1400" dirty="0" smtClean="0">
+                <a:solidFill>
                   <a:schemeClr val="tx2">
                     <a:lumMod val="50000"/>
                   </a:schemeClr>
                 </a:solidFill>
               </a:rPr>
-              <a:t>- Benchmark model</a:t>
-            </a:r>
-            <a:endParaRPr lang="nl-NL" sz="1400" dirty="0">
+              <a:t>- </a:t>
+            </a:r>
+            <a:r>
+              <a:rPr lang="nl-NL" sz="1400" dirty="0" smtClean="0">
+                <a:solidFill>
+                  <a:schemeClr val="tx2">
+                    <a:lumMod val="50000"/>
+                  </a:schemeClr>
+                </a:solidFill>
+              </a:rPr>
+              <a:t>Black box model</a:t>
+            </a:r>
+            <a:endParaRPr lang="nl-NL" sz="1400" dirty="0" smtClean="0">
               <a:solidFill>
                 <a:schemeClr val="tx2">
                   <a:lumMod val="50000"/>
@@ -9989,7 +6742,7 @@
                   <a:schemeClr val="bg1"/>
                 </a:solidFill>
               </a:rPr>
-              <a:t>- Lean rate controller</a:t>
+              <a:t>- Simulink model</a:t>
             </a:r>
           </a:p>
           <a:p>
@@ -9999,8 +6752,13 @@
                   <a:schemeClr val="bg1"/>
                 </a:solidFill>
               </a:rPr>
-              <a:t>- Human controller</a:t>
-            </a:r>
+              <a:t>- Linearisation</a:t>
+            </a:r>
+            <a:endParaRPr lang="nl-NL" sz="1400" dirty="0" smtClean="0">
+              <a:solidFill>
+                <a:schemeClr val="bg1"/>
+              </a:solidFill>
+            </a:endParaRPr>
           </a:p>
           <a:p>
             <a:r>
@@ -10009,8 +6767,53 @@
                   <a:schemeClr val="bg1"/>
                 </a:solidFill>
               </a:rPr>
-              <a:t>- LQ optimal control</a:t>
-            </a:r>
+              <a:t>- Parameter estimation</a:t>
+            </a:r>
+          </a:p>
+          <a:p>
+            <a:r>
+              <a:rPr lang="nl-NL" sz="1400" dirty="0" smtClean="0">
+                <a:solidFill>
+                  <a:schemeClr val="bg1"/>
+                </a:solidFill>
+              </a:rPr>
+              <a:t>- LQR controller</a:t>
+            </a:r>
+          </a:p>
+          <a:p>
+            <a:r>
+              <a:rPr lang="nl-NL" sz="1400" dirty="0" smtClean="0">
+                <a:solidFill>
+                  <a:schemeClr val="bg1"/>
+                </a:solidFill>
+              </a:rPr>
+              <a:t>- Kalman filter</a:t>
+            </a:r>
+          </a:p>
+          <a:p>
+            <a:r>
+              <a:rPr lang="nl-NL" sz="1400" dirty="0" smtClean="0">
+                <a:solidFill>
+                  <a:schemeClr val="bg1"/>
+                </a:solidFill>
+              </a:rPr>
+              <a:t>- Simulation + visualization</a:t>
+            </a:r>
+          </a:p>
+          <a:p>
+            <a:r>
+              <a:rPr lang="nl-NL" sz="1400" dirty="0" smtClean="0">
+                <a:solidFill>
+                  <a:schemeClr val="bg1"/>
+                </a:solidFill>
+              </a:rPr>
+              <a:t>- Demo</a:t>
+            </a:r>
+            <a:endParaRPr lang="nl-NL" sz="1400" dirty="0" smtClean="0">
+              <a:solidFill>
+                <a:schemeClr val="bg1"/>
+              </a:solidFill>
+            </a:endParaRPr>
           </a:p>
         </p:txBody>
       </p:sp>
@@ -10133,6 +6936,161 @@
           </a:extLst>
         </p:spPr>
       </p:pic>
+      <p:sp>
+        <p:nvSpPr>
+          <p:cNvPr id="4" name="TextBox 3"/>
+          <p:cNvSpPr txBox="1"/>
+          <p:nvPr/>
+        </p:nvSpPr>
+        <p:spPr>
+          <a:xfrm>
+            <a:off x="-85346" y="3218688"/>
+            <a:ext cx="1880242" cy="2246769"/>
+          </a:xfrm>
+          <a:prstGeom prst="rect">
+            <a:avLst/>
+          </a:prstGeom>
+          <a:noFill/>
+        </p:spPr>
+        <p:txBody>
+          <a:bodyPr wrap="square" rtlCol="0">
+            <a:spAutoFit/>
+          </a:bodyPr>
+          <a:lstStyle/>
+          <a:p>
+            <a:r>
+              <a:rPr lang="nl-NL" sz="1400" dirty="0" smtClean="0">
+                <a:solidFill>
+                  <a:schemeClr val="bg1"/>
+                </a:solidFill>
+              </a:rPr>
+              <a:t>- </a:t>
+            </a:r>
+            <a:r>
+              <a:rPr lang="nl-NL" sz="1400" dirty="0" smtClean="0">
+                <a:solidFill>
+                  <a:schemeClr val="bg1"/>
+                </a:solidFill>
+              </a:rPr>
+              <a:t>Physical system</a:t>
+            </a:r>
+            <a:endParaRPr lang="nl-NL" sz="1400" dirty="0">
+              <a:solidFill>
+                <a:schemeClr val="bg1"/>
+              </a:solidFill>
+            </a:endParaRPr>
+          </a:p>
+          <a:p>
+            <a:r>
+              <a:rPr lang="nl-NL" sz="1400" dirty="0" smtClean="0">
+                <a:solidFill>
+                  <a:schemeClr val="tx2">
+                    <a:lumMod val="50000"/>
+                  </a:schemeClr>
+                </a:solidFill>
+              </a:rPr>
+              <a:t>- </a:t>
+            </a:r>
+            <a:r>
+              <a:rPr lang="nl-NL" sz="1400" dirty="0" smtClean="0">
+                <a:solidFill>
+                  <a:schemeClr val="tx2">
+                    <a:lumMod val="50000"/>
+                  </a:schemeClr>
+                </a:solidFill>
+              </a:rPr>
+              <a:t>Black box model</a:t>
+            </a:r>
+            <a:endParaRPr lang="nl-NL" sz="1400" dirty="0" smtClean="0">
+              <a:solidFill>
+                <a:schemeClr val="tx2">
+                  <a:lumMod val="50000"/>
+                </a:schemeClr>
+              </a:solidFill>
+            </a:endParaRPr>
+          </a:p>
+          <a:p>
+            <a:r>
+              <a:rPr lang="nl-NL" sz="1400" dirty="0" smtClean="0">
+                <a:solidFill>
+                  <a:schemeClr val="bg1"/>
+                </a:solidFill>
+              </a:rPr>
+              <a:t>- Simulink model</a:t>
+            </a:r>
+          </a:p>
+          <a:p>
+            <a:r>
+              <a:rPr lang="nl-NL" sz="1400" dirty="0" smtClean="0">
+                <a:solidFill>
+                  <a:schemeClr val="bg1"/>
+                </a:solidFill>
+              </a:rPr>
+              <a:t>- Linearisation</a:t>
+            </a:r>
+            <a:endParaRPr lang="nl-NL" sz="1400" dirty="0" smtClean="0">
+              <a:solidFill>
+                <a:schemeClr val="bg1"/>
+              </a:solidFill>
+            </a:endParaRPr>
+          </a:p>
+          <a:p>
+            <a:r>
+              <a:rPr lang="nl-NL" sz="1400" dirty="0" smtClean="0">
+                <a:solidFill>
+                  <a:schemeClr val="bg1"/>
+                </a:solidFill>
+              </a:rPr>
+              <a:t>- Parameter estimation</a:t>
+            </a:r>
+          </a:p>
+          <a:p>
+            <a:r>
+              <a:rPr lang="nl-NL" sz="1400" dirty="0" smtClean="0">
+                <a:solidFill>
+                  <a:schemeClr val="bg1"/>
+                </a:solidFill>
+              </a:rPr>
+              <a:t>- LQR controller</a:t>
+            </a:r>
+          </a:p>
+          <a:p>
+            <a:r>
+              <a:rPr lang="nl-NL" sz="1400" dirty="0" smtClean="0">
+                <a:solidFill>
+                  <a:schemeClr val="bg1"/>
+                </a:solidFill>
+              </a:rPr>
+              <a:t>- Kalman filter</a:t>
+            </a:r>
+          </a:p>
+          <a:p>
+            <a:r>
+              <a:rPr lang="nl-NL" sz="1400" dirty="0" smtClean="0">
+                <a:solidFill>
+                  <a:schemeClr val="bg1"/>
+                </a:solidFill>
+              </a:rPr>
+              <a:t>- Simulation + visualization</a:t>
+            </a:r>
+          </a:p>
+          <a:p>
+            <a:r>
+              <a:rPr lang="nl-NL" sz="1400" dirty="0" smtClean="0">
+                <a:solidFill>
+                  <a:schemeClr val="bg1"/>
+                </a:solidFill>
+              </a:rPr>
+              <a:t>- Demo</a:t>
+            </a:r>
+            <a:endParaRPr lang="nl-NL" sz="1400" dirty="0" smtClean="0">
+              <a:solidFill>
+                <a:schemeClr val="bg1"/>
+              </a:solidFill>
+            </a:endParaRPr>
+          </a:p>
+        </p:txBody>
+      </p:sp>
     </p:spTree>
     <p:extLst>
       <p:ext uri="{BB962C8B-B14F-4D97-AF65-F5344CB8AC3E}">
@@ -10182,14 +7140,12 @@
         </p:nvSpPr>
         <p:spPr/>
         <p:txBody>
-          <a:bodyPr>
-            <a:normAutofit fontScale="90000"/>
-          </a:bodyPr>
+          <a:bodyPr/>
           <a:lstStyle/>
           <a:p>
             <a:r>
               <a:rPr lang="nl-NL" dirty="0" smtClean="0"/>
-              <a:t>Linearisation and parameter estimation</a:t>
+              <a:t>Simulink nonlinear model</a:t>
             </a:r>
             <a:endParaRPr lang="nl-NL" dirty="0"/>
           </a:p>
@@ -10210,417 +7166,78 @@
           <a:bodyPr/>
           <a:lstStyle/>
           <a:p>
-            <a:r>
-              <a:rPr lang="nl-NL" dirty="0" smtClean="0"/>
-              <a:t>Linearisation made by use of </a:t>
-            </a:r>
-            <a:r>
-              <a:rPr lang="nl-NL" i="1" dirty="0" smtClean="0"/>
-              <a:t>linearize</a:t>
-            </a:r>
-            <a:r>
-              <a:rPr lang="nl-NL" dirty="0" smtClean="0"/>
-              <a:t> in Matlab and by hand</a:t>
-            </a:r>
-          </a:p>
-          <a:p>
-            <a:r>
-              <a:rPr lang="nl-NL" dirty="0" smtClean="0"/>
-              <a:t>Did not give exactly the same result, but did give the same eigenvalues. So linearisation in Matlab was verified.</a:t>
-            </a:r>
-          </a:p>
-          <a:p>
-            <a:r>
-              <a:rPr lang="nl-NL" dirty="0" smtClean="0"/>
-              <a:t>First parameters of link 2 were estimated</a:t>
-            </a:r>
-          </a:p>
-          <a:p>
-            <a:r>
-              <a:rPr lang="nl-NL" dirty="0" smtClean="0"/>
-              <a:t>These were used as initial guess for estimation of link 1</a:t>
-            </a:r>
             <a:endParaRPr lang="nl-NL" dirty="0"/>
           </a:p>
         </p:txBody>
       </p:sp>
-      <p:graphicFrame>
-        <p:nvGraphicFramePr>
-          <p:cNvPr id="4" name="Table 3"/>
-          <p:cNvGraphicFramePr>
-            <a:graphicFrameLocks noGrp="1"/>
-          </p:cNvGraphicFramePr>
-          <p:nvPr>
-            <p:extLst>
-              <p:ext uri="{D42A27DB-BD31-4B8C-83A1-F6EECF244321}">
-                <p14:modId xmlns:p14="http://schemas.microsoft.com/office/powerpoint/2010/main" val="2494045818"/>
-              </p:ext>
-            </p:extLst>
-          </p:nvPr>
-        </p:nvGraphicFramePr>
-        <p:xfrm>
-          <a:off x="2243328" y="3659556"/>
-          <a:ext cx="6096000" cy="2675128"/>
-        </p:xfrm>
-        <a:graphic>
-          <a:graphicData uri="http://schemas.openxmlformats.org/drawingml/2006/table">
-            <a:tbl>
-              <a:tblPr firstRow="1" bandRow="1">
-                <a:tableStyleId>{5C22544A-7EE6-4342-B048-85BDC9FD1C3A}</a:tableStyleId>
-              </a:tblPr>
-              <a:tblGrid>
-                <a:gridCol w="2032000"/>
-                <a:gridCol w="2032000"/>
-                <a:gridCol w="2032000"/>
-              </a:tblGrid>
-              <a:tr h="450088">
-                <a:tc>
-                  <a:txBody>
-                    <a:bodyPr/>
-                    <a:lstStyle/>
-                    <a:p>
-                      <a:r>
-                        <a:rPr lang="nl-NL" dirty="0" smtClean="0"/>
-                        <a:t>Parameters</a:t>
-                      </a:r>
-                      <a:endParaRPr lang="nl-NL" dirty="0"/>
-                    </a:p>
-                  </a:txBody>
-                  <a:tcPr/>
-                </a:tc>
-                <a:tc>
-                  <a:txBody>
-                    <a:bodyPr/>
-                    <a:lstStyle/>
-                    <a:p>
-                      <a:r>
-                        <a:rPr lang="nl-NL" dirty="0" smtClean="0"/>
-                        <a:t>Old value</a:t>
-                      </a:r>
-                      <a:endParaRPr lang="nl-NL" dirty="0"/>
-                    </a:p>
-                  </a:txBody>
-                  <a:tcPr/>
-                </a:tc>
-                <a:tc>
-                  <a:txBody>
-                    <a:bodyPr/>
-                    <a:lstStyle/>
-                    <a:p>
-                      <a:r>
-                        <a:rPr lang="nl-NL" dirty="0" smtClean="0"/>
-                        <a:t>New value </a:t>
-                      </a:r>
-                      <a:endParaRPr lang="nl-NL" dirty="0"/>
-                    </a:p>
-                  </a:txBody>
-                  <a:tcPr/>
-                </a:tc>
-              </a:tr>
-              <a:tr h="370840">
-                <a:tc>
-                  <a:txBody>
-                    <a:bodyPr/>
-                    <a:lstStyle/>
-                    <a:p>
-                      <a:r>
-                        <a:rPr lang="nl-NL" dirty="0" smtClean="0"/>
-                        <a:t>I</a:t>
-                      </a:r>
-                      <a:r>
-                        <a:rPr lang="nl-NL" sz="1200" dirty="0" smtClean="0"/>
-                        <a:t>1</a:t>
-                      </a:r>
-                      <a:endParaRPr lang="nl-NL" sz="1200" dirty="0"/>
-                    </a:p>
-                  </a:txBody>
-                  <a:tcPr/>
-                </a:tc>
-                <a:tc>
-                  <a:txBody>
-                    <a:bodyPr/>
-                    <a:lstStyle/>
-                    <a:p>
-                      <a:r>
-                        <a:rPr lang="nl-NL" dirty="0" smtClean="0"/>
-                        <a:t>0.074</a:t>
-                      </a:r>
-                      <a:endParaRPr lang="nl-NL" dirty="0"/>
-                    </a:p>
-                  </a:txBody>
-                  <a:tcPr/>
-                </a:tc>
-                <a:tc>
-                  <a:txBody>
-                    <a:bodyPr/>
-                    <a:lstStyle/>
-                    <a:p>
-                      <a:r>
-                        <a:rPr lang="nl-NL" dirty="0" smtClean="0"/>
-                        <a:t>0.0029</a:t>
-                      </a:r>
-                      <a:endParaRPr lang="nl-NL" dirty="0"/>
-                    </a:p>
-                  </a:txBody>
-                  <a:tcPr/>
-                </a:tc>
-              </a:tr>
-              <a:tr h="370840">
-                <a:tc>
-                  <a:txBody>
-                    <a:bodyPr/>
-                    <a:lstStyle/>
-                    <a:p>
-                      <a:r>
-                        <a:rPr lang="nl-NL" dirty="0" smtClean="0"/>
-                        <a:t>b</a:t>
-                      </a:r>
-                      <a:r>
-                        <a:rPr lang="nl-NL" sz="1200" dirty="0" smtClean="0"/>
-                        <a:t>1</a:t>
-                      </a:r>
-                      <a:endParaRPr lang="nl-NL" sz="1200" dirty="0"/>
-                    </a:p>
-                  </a:txBody>
-                  <a:tcPr/>
-                </a:tc>
-                <a:tc>
-                  <a:txBody>
-                    <a:bodyPr/>
-                    <a:lstStyle/>
-                    <a:p>
-                      <a:r>
-                        <a:rPr lang="nl-NL" dirty="0" smtClean="0"/>
-                        <a:t>4.8</a:t>
-                      </a:r>
-                      <a:endParaRPr lang="nl-NL" dirty="0"/>
-                    </a:p>
-                  </a:txBody>
-                  <a:tcPr/>
-                </a:tc>
-                <a:tc>
-                  <a:txBody>
-                    <a:bodyPr/>
-                    <a:lstStyle/>
-                    <a:p>
-                      <a:r>
-                        <a:rPr lang="nl-NL" dirty="0" smtClean="0"/>
-                        <a:t>5.8039</a:t>
-                      </a:r>
-                      <a:endParaRPr lang="nl-NL" dirty="0"/>
-                    </a:p>
-                  </a:txBody>
-                  <a:tcPr/>
-                </a:tc>
-              </a:tr>
-              <a:tr h="370840">
-                <a:tc>
-                  <a:txBody>
-                    <a:bodyPr/>
-                    <a:lstStyle/>
-                    <a:p>
-                      <a:r>
-                        <a:rPr lang="nl-NL" dirty="0" smtClean="0"/>
-                        <a:t>I</a:t>
-                      </a:r>
-                      <a:r>
-                        <a:rPr lang="nl-NL" sz="1200" dirty="0" smtClean="0"/>
-                        <a:t>2</a:t>
-                      </a:r>
-                      <a:endParaRPr lang="nl-NL" sz="1200" dirty="0"/>
-                    </a:p>
-                  </a:txBody>
-                  <a:tcPr/>
-                </a:tc>
-                <a:tc>
-                  <a:txBody>
-                    <a:bodyPr/>
-                    <a:lstStyle/>
-                    <a:p>
-                      <a:r>
-                        <a:rPr lang="nl-NL" dirty="0" smtClean="0"/>
-                        <a:t>0.00012</a:t>
-                      </a:r>
-                      <a:endParaRPr lang="nl-NL" dirty="0"/>
-                    </a:p>
-                  </a:txBody>
-                  <a:tcPr/>
-                </a:tc>
-                <a:tc>
-                  <a:txBody>
-                    <a:bodyPr/>
-                    <a:lstStyle/>
-                    <a:p>
-                      <a:r>
-                        <a:rPr lang="nl-NL" dirty="0" smtClean="0"/>
-                        <a:t>7.8856e</a:t>
-                      </a:r>
-                      <a:r>
-                        <a:rPr lang="nl-NL" baseline="30000" dirty="0" smtClean="0"/>
-                        <a:t> </a:t>
-                      </a:r>
-                      <a:r>
-                        <a:rPr lang="nl-NL" dirty="0" smtClean="0"/>
-                        <a:t>-5</a:t>
-                      </a:r>
-                      <a:endParaRPr lang="nl-NL" dirty="0"/>
-                    </a:p>
-                  </a:txBody>
-                  <a:tcPr/>
-                </a:tc>
-              </a:tr>
-              <a:tr h="370840">
-                <a:tc>
-                  <a:txBody>
-                    <a:bodyPr/>
-                    <a:lstStyle/>
-                    <a:p>
-                      <a:r>
-                        <a:rPr lang="nl-NL" dirty="0" smtClean="0"/>
-                        <a:t>b</a:t>
-                      </a:r>
-                      <a:r>
-                        <a:rPr lang="nl-NL" sz="1200" dirty="0" smtClean="0"/>
-                        <a:t>2</a:t>
-                      </a:r>
-                      <a:endParaRPr lang="nl-NL" sz="1200" dirty="0"/>
-                    </a:p>
-                  </a:txBody>
-                  <a:tcPr/>
-                </a:tc>
-                <a:tc>
-                  <a:txBody>
-                    <a:bodyPr/>
-                    <a:lstStyle/>
-                    <a:p>
-                      <a:r>
-                        <a:rPr lang="nl-NL" dirty="0" smtClean="0"/>
-                        <a:t>0.0002</a:t>
-                      </a:r>
-                      <a:endParaRPr lang="nl-NL" dirty="0"/>
-                    </a:p>
-                  </a:txBody>
-                  <a:tcPr/>
-                </a:tc>
-                <a:tc>
-                  <a:txBody>
-                    <a:bodyPr/>
-                    <a:lstStyle/>
-                    <a:p>
-                      <a:r>
-                        <a:rPr lang="nl-NL" dirty="0" smtClean="0"/>
-                        <a:t>3.1250e-5</a:t>
-                      </a:r>
-                      <a:endParaRPr lang="nl-NL" dirty="0"/>
-                    </a:p>
-                  </a:txBody>
-                  <a:tcPr/>
-                </a:tc>
-              </a:tr>
-              <a:tr h="370840">
-                <a:tc>
-                  <a:txBody>
-                    <a:bodyPr/>
-                    <a:lstStyle/>
-                    <a:p>
-                      <a:r>
-                        <a:rPr lang="nl-NL" dirty="0" smtClean="0"/>
-                        <a:t>K</a:t>
-                      </a:r>
-                      <a:r>
-                        <a:rPr lang="nl-NL" sz="1200" dirty="0" smtClean="0"/>
-                        <a:t>m</a:t>
-                      </a:r>
-                      <a:endParaRPr lang="nl-NL" sz="1200" dirty="0"/>
-                    </a:p>
-                  </a:txBody>
-                  <a:tcPr/>
-                </a:tc>
-                <a:tc>
-                  <a:txBody>
-                    <a:bodyPr/>
-                    <a:lstStyle/>
-                    <a:p>
-                      <a:r>
-                        <a:rPr lang="nl-NL" dirty="0" smtClean="0"/>
-                        <a:t>50</a:t>
-                      </a:r>
-                      <a:endParaRPr lang="nl-NL" dirty="0"/>
-                    </a:p>
-                  </a:txBody>
-                  <a:tcPr/>
-                </a:tc>
-                <a:tc>
-                  <a:txBody>
-                    <a:bodyPr/>
-                    <a:lstStyle/>
-                    <a:p>
-                      <a:r>
-                        <a:rPr lang="nl-NL" dirty="0" smtClean="0"/>
-                        <a:t>41.0587</a:t>
-                      </a:r>
-                      <a:endParaRPr lang="nl-NL" dirty="0"/>
-                    </a:p>
-                  </a:txBody>
-                  <a:tcPr/>
-                </a:tc>
-              </a:tr>
-              <a:tr h="370840">
-                <a:tc>
-                  <a:txBody>
-                    <a:bodyPr/>
-                    <a:lstStyle/>
-                    <a:p>
-                      <a:r>
-                        <a:rPr lang="el-GR" sz="1800" dirty="0" smtClean="0"/>
-                        <a:t>τ</a:t>
-                      </a:r>
-                      <a:r>
-                        <a:rPr lang="nl-NL" sz="1200" dirty="0" smtClean="0"/>
-                        <a:t>e</a:t>
-                      </a:r>
-                      <a:endParaRPr lang="nl-NL" sz="1800" dirty="0"/>
-                    </a:p>
-                  </a:txBody>
-                  <a:tcPr/>
-                </a:tc>
-                <a:tc>
-                  <a:txBody>
-                    <a:bodyPr/>
-                    <a:lstStyle/>
-                    <a:p>
-                      <a:r>
-                        <a:rPr lang="nl-NL" dirty="0" smtClean="0"/>
-                        <a:t>0.03</a:t>
-                      </a:r>
-                      <a:endParaRPr lang="nl-NL" dirty="0"/>
-                    </a:p>
-                  </a:txBody>
-                  <a:tcPr/>
-                </a:tc>
-                <a:tc>
-                  <a:txBody>
-                    <a:bodyPr/>
-                    <a:lstStyle/>
-                    <a:p>
-                      <a:r>
-                        <a:rPr lang="nl-NL" dirty="0" smtClean="0"/>
-                        <a:t>0.0312</a:t>
-                      </a:r>
-                      <a:endParaRPr lang="nl-NL" dirty="0"/>
-                    </a:p>
-                  </a:txBody>
-                  <a:tcPr/>
-                </a:tc>
-              </a:tr>
-            </a:tbl>
-          </a:graphicData>
-        </a:graphic>
-      </p:graphicFrame>
+      <p:pic>
+        <p:nvPicPr>
+          <p:cNvPr id="3075" name="Picture 3"/>
+          <p:cNvPicPr>
+            <a:picLocks noChangeAspect="1" noChangeArrowheads="1"/>
+          </p:cNvPicPr>
+          <p:nvPr/>
+        </p:nvPicPr>
+        <p:blipFill>
+          <a:blip r:embed="rId2">
+            <a:extLst>
+              <a:ext uri="{28A0092B-C50C-407E-A947-70E740481C1C}">
+                <a14:useLocalDpi xmlns:a14="http://schemas.microsoft.com/office/drawing/2010/main" val="0"/>
+              </a:ext>
+            </a:extLst>
+          </a:blip>
+          <a:srcRect/>
+          <a:stretch>
+            <a:fillRect/>
+          </a:stretch>
+        </p:blipFill>
+        <p:spPr bwMode="auto">
+          <a:xfrm>
+            <a:off x="-88899" y="1539372"/>
+            <a:ext cx="9232900" cy="5318628"/>
+          </a:xfrm>
+          <a:prstGeom prst="rect">
+            <a:avLst/>
+          </a:prstGeom>
+          <a:noFill/>
+          <a:ln>
+            <a:noFill/>
+          </a:ln>
+          <a:effectLst/>
+          <a:extLst>
+            <a:ext uri="{909E8E84-426E-40DD-AFC4-6F175D3DCCD1}">
+              <a14:hiddenFill xmlns:a14="http://schemas.microsoft.com/office/drawing/2010/main">
+                <a:solidFill>
+                  <a:schemeClr val="accent1"/>
+                </a:solidFill>
+              </a14:hiddenFill>
+            </a:ext>
+            <a:ext uri="{91240B29-F687-4F45-9708-019B960494DF}">
+              <a14:hiddenLine xmlns:a14="http://schemas.microsoft.com/office/drawing/2010/main" w="9525">
+                <a:solidFill>
+                  <a:schemeClr val="tx1"/>
+                </a:solidFill>
+                <a:miter lim="800000"/>
+                <a:headEnd/>
+                <a:tailEnd/>
+              </a14:hiddenLine>
+            </a:ext>
+            <a:ext uri="{AF507438-7753-43E0-B8FC-AC1667EBCBE1}">
+              <a14:hiddenEffects xmlns:a14="http://schemas.microsoft.com/office/drawing/2010/main">
+                <a:effectLst>
+                  <a:outerShdw dist="35921" dir="2700000" algn="ctr" rotWithShape="0">
+                    <a:schemeClr val="bg2"/>
+                  </a:outerShdw>
+                </a:effectLst>
+              </a14:hiddenEffects>
+            </a:ext>
+          </a:extLst>
+        </p:spPr>
+      </p:pic>
     </p:spTree>
     <p:extLst>
       <p:ext uri="{BB962C8B-B14F-4D97-AF65-F5344CB8AC3E}">
-        <p14:creationId xmlns:p14="http://schemas.microsoft.com/office/powerpoint/2010/main" val="3168016263"/>
+        <p14:creationId xmlns:p14="http://schemas.microsoft.com/office/powerpoint/2010/main" val="121526975"/>
       </p:ext>
     </p:extLst>
   </p:cSld>
@@ -10654,10 +7271,256 @@
           <a:chExt cx="0" cy="0"/>
         </a:xfrm>
       </p:grpSpPr>
+      <p:sp>
+        <p:nvSpPr>
+          <p:cNvPr id="2" name="Title 1"/>
+          <p:cNvSpPr>
+            <a:spLocks noGrp="1"/>
+          </p:cNvSpPr>
+          <p:nvPr>
+            <p:ph type="title"/>
+          </p:nvPr>
+        </p:nvSpPr>
+        <p:spPr/>
+        <p:txBody>
+          <a:bodyPr>
+            <a:normAutofit/>
+          </a:bodyPr>
+          <a:lstStyle/>
+          <a:p>
+            <a:r>
+              <a:rPr lang="nl-NL" dirty="0" smtClean="0"/>
+              <a:t>Linearisation</a:t>
+            </a:r>
+            <a:endParaRPr lang="nl-NL" dirty="0"/>
+          </a:p>
+        </p:txBody>
+      </p:sp>
+      <p:sp>
+        <p:nvSpPr>
+          <p:cNvPr id="3" name="Content Placeholder 2"/>
+          <p:cNvSpPr>
+            <a:spLocks noGrp="1"/>
+          </p:cNvSpPr>
+          <p:nvPr>
+            <p:ph idx="1"/>
+          </p:nvPr>
+        </p:nvSpPr>
+        <p:spPr/>
+        <p:txBody>
+          <a:bodyPr/>
+          <a:lstStyle/>
+          <a:p>
+            <a:r>
+              <a:rPr lang="nl-NL" dirty="0" smtClean="0"/>
+              <a:t>Linearisation made by use of </a:t>
+            </a:r>
+            <a:r>
+              <a:rPr lang="nl-NL" i="1" dirty="0" smtClean="0"/>
+              <a:t>linearize</a:t>
+            </a:r>
+            <a:r>
+              <a:rPr lang="nl-NL" dirty="0" smtClean="0"/>
+              <a:t> in Matlab and by </a:t>
+            </a:r>
+            <a:r>
+              <a:rPr lang="nl-NL" dirty="0" smtClean="0"/>
+              <a:t>hand.</a:t>
+            </a:r>
+          </a:p>
+          <a:p>
+            <a:r>
+              <a:rPr lang="nl-NL" dirty="0" smtClean="0"/>
+              <a:t>Defined operating point and input and output ports</a:t>
+            </a:r>
+            <a:endParaRPr lang="nl-NL" dirty="0" smtClean="0"/>
+          </a:p>
+          <a:p>
+            <a:r>
+              <a:rPr lang="nl-NL" dirty="0" smtClean="0"/>
+              <a:t>Did not give exactly the same result, but did give the same eigenvalues. So linearisation </a:t>
+            </a:r>
+            <a:r>
+              <a:rPr lang="nl-NL" dirty="0" smtClean="0"/>
+              <a:t>by </a:t>
+            </a:r>
+            <a:r>
+              <a:rPr lang="nl-NL" i="1" dirty="0" smtClean="0"/>
+              <a:t>linearize</a:t>
+            </a:r>
+            <a:r>
+              <a:rPr lang="nl-NL" dirty="0" smtClean="0"/>
+              <a:t> </a:t>
+            </a:r>
+            <a:r>
+              <a:rPr lang="nl-NL" dirty="0" smtClean="0"/>
+              <a:t>was verified</a:t>
+            </a:r>
+            <a:r>
+              <a:rPr lang="nl-NL" dirty="0" smtClean="0"/>
+              <a:t>.</a:t>
+            </a:r>
+            <a:endParaRPr lang="nl-NL" dirty="0" smtClean="0"/>
+          </a:p>
+        </p:txBody>
+      </p:sp>
+      <p:sp>
+        <p:nvSpPr>
+          <p:cNvPr id="5" name="TextBox 4"/>
+          <p:cNvSpPr txBox="1"/>
+          <p:nvPr/>
+        </p:nvSpPr>
+        <p:spPr>
+          <a:xfrm>
+            <a:off x="-85346" y="3218688"/>
+            <a:ext cx="1880242" cy="2246769"/>
+          </a:xfrm>
+          <a:prstGeom prst="rect">
+            <a:avLst/>
+          </a:prstGeom>
+          <a:noFill/>
+        </p:spPr>
+        <p:txBody>
+          <a:bodyPr wrap="square" rtlCol="0">
+            <a:spAutoFit/>
+          </a:bodyPr>
+          <a:lstStyle/>
+          <a:p>
+            <a:r>
+              <a:rPr lang="nl-NL" sz="1400" dirty="0" smtClean="0">
+                <a:solidFill>
+                  <a:schemeClr val="bg1"/>
+                </a:solidFill>
+              </a:rPr>
+              <a:t>- </a:t>
+            </a:r>
+            <a:r>
+              <a:rPr lang="nl-NL" sz="1400" dirty="0" smtClean="0">
+                <a:solidFill>
+                  <a:schemeClr val="bg1"/>
+                </a:solidFill>
+              </a:rPr>
+              <a:t>Physical system</a:t>
+            </a:r>
+            <a:endParaRPr lang="nl-NL" sz="1400" dirty="0">
+              <a:solidFill>
+                <a:schemeClr val="bg1"/>
+              </a:solidFill>
+            </a:endParaRPr>
+          </a:p>
+          <a:p>
+            <a:r>
+              <a:rPr lang="nl-NL" sz="1400" dirty="0" smtClean="0">
+                <a:solidFill>
+                  <a:schemeClr val="bg1"/>
+                </a:solidFill>
+              </a:rPr>
+              <a:t>- </a:t>
+            </a:r>
+            <a:r>
+              <a:rPr lang="nl-NL" sz="1400" dirty="0" smtClean="0">
+                <a:solidFill>
+                  <a:schemeClr val="bg1"/>
+                </a:solidFill>
+              </a:rPr>
+              <a:t>Black box model</a:t>
+            </a:r>
+            <a:endParaRPr lang="nl-NL" sz="1400" dirty="0" smtClean="0">
+              <a:solidFill>
+                <a:schemeClr val="bg1"/>
+              </a:solidFill>
+            </a:endParaRPr>
+          </a:p>
+          <a:p>
+            <a:r>
+              <a:rPr lang="nl-NL" sz="1400" dirty="0" smtClean="0">
+                <a:solidFill>
+                  <a:schemeClr val="bg1"/>
+                </a:solidFill>
+              </a:rPr>
+              <a:t>- Simulink model</a:t>
+            </a:r>
+          </a:p>
+          <a:p>
+            <a:r>
+              <a:rPr lang="nl-NL" sz="1400" dirty="0" smtClean="0">
+                <a:solidFill>
+                  <a:schemeClr val="tx2">
+                    <a:lumMod val="50000"/>
+                  </a:schemeClr>
+                </a:solidFill>
+              </a:rPr>
+              <a:t>- Linearisation</a:t>
+            </a:r>
+            <a:endParaRPr lang="nl-NL" sz="1400" dirty="0" smtClean="0">
+              <a:solidFill>
+                <a:schemeClr val="tx2">
+                  <a:lumMod val="50000"/>
+                </a:schemeClr>
+              </a:solidFill>
+            </a:endParaRPr>
+          </a:p>
+          <a:p>
+            <a:r>
+              <a:rPr lang="nl-NL" sz="1400" dirty="0" smtClean="0">
+                <a:solidFill>
+                  <a:schemeClr val="bg1"/>
+                </a:solidFill>
+              </a:rPr>
+              <a:t>- Parameter estimation</a:t>
+            </a:r>
+          </a:p>
+          <a:p>
+            <a:r>
+              <a:rPr lang="nl-NL" sz="1400" dirty="0" smtClean="0">
+                <a:solidFill>
+                  <a:schemeClr val="bg1"/>
+                </a:solidFill>
+              </a:rPr>
+              <a:t>- LQR controller</a:t>
+            </a:r>
+          </a:p>
+          <a:p>
+            <a:r>
+              <a:rPr lang="nl-NL" sz="1400" dirty="0" smtClean="0">
+                <a:solidFill>
+                  <a:schemeClr val="bg1"/>
+                </a:solidFill>
+              </a:rPr>
+              <a:t>- Kalman filter</a:t>
+            </a:r>
+          </a:p>
+          <a:p>
+            <a:r>
+              <a:rPr lang="nl-NL" sz="1400" dirty="0" smtClean="0">
+                <a:solidFill>
+                  <a:schemeClr val="bg1"/>
+                </a:solidFill>
+              </a:rPr>
+              <a:t>- Simulation + visualization</a:t>
+            </a:r>
+          </a:p>
+          <a:p>
+            <a:r>
+              <a:rPr lang="nl-NL" sz="1400" dirty="0" smtClean="0">
+                <a:solidFill>
+                  <a:schemeClr val="bg1"/>
+                </a:solidFill>
+              </a:rPr>
+              <a:t>- Demo</a:t>
+            </a:r>
+            <a:endParaRPr lang="nl-NL" sz="1400" dirty="0" smtClean="0">
+              <a:solidFill>
+                <a:schemeClr val="bg1"/>
+              </a:solidFill>
+            </a:endParaRPr>
+          </a:p>
+        </p:txBody>
+      </p:sp>
     </p:spTree>
     <p:extLst>
       <p:ext uri="{BB962C8B-B14F-4D97-AF65-F5344CB8AC3E}">
-        <p14:creationId xmlns:p14="http://schemas.microsoft.com/office/powerpoint/2010/main" val="600390024"/>
+        <p14:creationId xmlns:p14="http://schemas.microsoft.com/office/powerpoint/2010/main" val="3168016263"/>
       </p:ext>
     </p:extLst>
   </p:cSld>
@@ -10708,7 +7571,7 @@
           <a:p>
             <a:r>
               <a:rPr lang="nl-NL" dirty="0" smtClean="0"/>
-              <a:t>Lean rate controller</a:t>
+              <a:t>Parameter estimation</a:t>
             </a:r>
             <a:endParaRPr lang="nl-NL" dirty="0"/>
           </a:p>
@@ -10730,177 +7593,1195 @@
           <a:lstStyle/>
           <a:p>
             <a:r>
+              <a:rPr lang="nl-NL" dirty="0"/>
+              <a:t>First parameters of link 2 were estimated using </a:t>
+            </a:r>
+            <a:r>
+              <a:rPr lang="nl-NL" i="1" dirty="0"/>
+              <a:t>lsqnonlin</a:t>
+            </a:r>
+            <a:r>
+              <a:rPr lang="nl-NL" dirty="0"/>
+              <a:t> in </a:t>
+            </a:r>
+            <a:r>
               <a:rPr lang="nl-NL" dirty="0" smtClean="0"/>
-              <a:t>Een noodzaak voor stabiliteit is sturen in de val</a:t>
-            </a:r>
-          </a:p>
-          <a:p>
+              <a:t>Matlab. </a:t>
+            </a:r>
+          </a:p>
+          <a:p>
+            <a:r>
+              <a:rPr lang="nl-NL" dirty="0" smtClean="0"/>
+              <a:t>Upper bound was set to guide the optimization in the right direction.</a:t>
+            </a:r>
             <a:endParaRPr lang="nl-NL" dirty="0"/>
           </a:p>
           <a:p>
-            <a:endParaRPr lang="nl-NL" dirty="0" smtClean="0"/>
+            <a:r>
+              <a:rPr lang="nl-NL" dirty="0"/>
+              <a:t>These were used as initial guess for estimation of link 1 which leaded to: </a:t>
+            </a:r>
           </a:p>
           <a:p>
             <a:endParaRPr lang="nl-NL" dirty="0"/>
           </a:p>
-          <a:p>
-            <a:endParaRPr lang="nl-NL" dirty="0" smtClean="0"/>
-          </a:p>
-          <a:p>
-            <a:r>
-              <a:rPr lang="nl-NL" dirty="0" smtClean="0"/>
-              <a:t>Ks = 11</a:t>
-            </a:r>
-          </a:p>
-          <a:p>
-            <a:r>
-              <a:rPr lang="nl-NL" dirty="0" smtClean="0"/>
-              <a:t>Torque limiet op 6 Nm</a:t>
-            </a:r>
-          </a:p>
-          <a:p>
-            <a:endParaRPr lang="nl-NL" dirty="0"/>
-          </a:p>
-        </p:txBody>
-      </p:sp>
-      <p:pic>
-        <p:nvPicPr>
-          <p:cNvPr id="12290" name="Picture 2"/>
-          <p:cNvPicPr>
-            <a:picLocks noChangeAspect="1" noChangeArrowheads="1"/>
-          </p:cNvPicPr>
-          <p:nvPr/>
-        </p:nvPicPr>
-        <p:blipFill>
-          <a:blip r:embed="rId2">
-            <a:extLst>
-              <a:ext uri="{28A0092B-C50C-407E-A947-70E740481C1C}">
-                <a14:useLocalDpi xmlns:a14="http://schemas.microsoft.com/office/drawing/2010/main" val="0"/>
-              </a:ext>
-            </a:extLst>
-          </a:blip>
-          <a:srcRect/>
-          <a:stretch>
-            <a:fillRect/>
-          </a:stretch>
-        </p:blipFill>
-        <p:spPr bwMode="auto">
-          <a:xfrm>
-            <a:off x="2462614" y="2419350"/>
-            <a:ext cx="5057775" cy="1009650"/>
-          </a:xfrm>
-          <a:prstGeom prst="rect">
-            <a:avLst/>
-          </a:prstGeom>
-          <a:noFill/>
-          <a:ln>
-            <a:noFill/>
-          </a:ln>
-          <a:effectLst/>
-          <a:extLst>
-            <a:ext uri="{909E8E84-426E-40DD-AFC4-6F175D3DCCD1}">
-              <a14:hiddenFill xmlns:a14="http://schemas.microsoft.com/office/drawing/2010/main">
-                <a:solidFill>
-                  <a:schemeClr val="accent1"/>
-                </a:solidFill>
-              </a14:hiddenFill>
-            </a:ext>
-            <a:ext uri="{91240B29-F687-4F45-9708-019B960494DF}">
-              <a14:hiddenLine xmlns:a14="http://schemas.microsoft.com/office/drawing/2010/main" w="9525">
-                <a:solidFill>
-                  <a:schemeClr val="tx1"/>
-                </a:solidFill>
-                <a:miter lim="800000"/>
-                <a:headEnd/>
-                <a:tailEnd/>
-              </a14:hiddenLine>
-            </a:ext>
-            <a:ext uri="{AF507438-7753-43E0-B8FC-AC1667EBCBE1}">
-              <a14:hiddenEffects xmlns:a14="http://schemas.microsoft.com/office/drawing/2010/main">
-                <a:effectLst>
-                  <a:outerShdw dist="35921" dir="2700000" algn="ctr" rotWithShape="0">
-                    <a:schemeClr val="bg2"/>
-                  </a:outerShdw>
-                </a:effectLst>
-              </a14:hiddenEffects>
-            </a:ext>
-          </a:extLst>
-        </p:spPr>
-      </p:pic>
-      <p:pic>
-        <p:nvPicPr>
-          <p:cNvPr id="12291" name="Picture 3"/>
-          <p:cNvPicPr>
-            <a:picLocks noChangeAspect="1" noChangeArrowheads="1"/>
-          </p:cNvPicPr>
-          <p:nvPr/>
-        </p:nvPicPr>
-        <p:blipFill>
-          <a:blip r:embed="rId3">
-            <a:extLst>
-              <a:ext uri="{28A0092B-C50C-407E-A947-70E740481C1C}">
-                <a14:useLocalDpi xmlns:a14="http://schemas.microsoft.com/office/drawing/2010/main" val="0"/>
-              </a:ext>
-            </a:extLst>
-          </a:blip>
-          <a:srcRect/>
-          <a:stretch>
-            <a:fillRect/>
-          </a:stretch>
-        </p:blipFill>
-        <p:spPr bwMode="auto">
-          <a:xfrm>
-            <a:off x="2284814" y="2021417"/>
-            <a:ext cx="2362200" cy="495300"/>
-          </a:xfrm>
-          <a:prstGeom prst="rect">
-            <a:avLst/>
-          </a:prstGeom>
-          <a:noFill/>
-          <a:ln>
-            <a:noFill/>
-          </a:ln>
-          <a:effectLst/>
-          <a:extLst>
-            <a:ext uri="{909E8E84-426E-40DD-AFC4-6F175D3DCCD1}">
-              <a14:hiddenFill xmlns:a14="http://schemas.microsoft.com/office/drawing/2010/main">
-                <a:solidFill>
-                  <a:schemeClr val="accent1"/>
-                </a:solidFill>
-              </a14:hiddenFill>
-            </a:ext>
-            <a:ext uri="{91240B29-F687-4F45-9708-019B960494DF}">
-              <a14:hiddenLine xmlns:a14="http://schemas.microsoft.com/office/drawing/2010/main" w="9525">
-                <a:solidFill>
-                  <a:schemeClr val="tx1"/>
-                </a:solidFill>
-                <a:miter lim="800000"/>
-                <a:headEnd/>
-                <a:tailEnd/>
-              </a14:hiddenLine>
-            </a:ext>
-            <a:ext uri="{AF507438-7753-43E0-B8FC-AC1667EBCBE1}">
-              <a14:hiddenEffects xmlns:a14="http://schemas.microsoft.com/office/drawing/2010/main">
-                <a:effectLst>
-                  <a:outerShdw dist="35921" dir="2700000" algn="ctr" rotWithShape="0">
-                    <a:schemeClr val="bg2"/>
-                  </a:outerShdw>
-                </a:effectLst>
-              </a14:hiddenEffects>
-            </a:ext>
-          </a:extLst>
-        </p:spPr>
-      </p:pic>
-      <p:sp>
-        <p:nvSpPr>
-          <p:cNvPr id="8" name="TextBox 7"/>
+        </p:txBody>
+      </p:sp>
+      <mc:AlternateContent xmlns:mc="http://schemas.openxmlformats.org/markup-compatibility/2006">
+        <mc:Choice xmlns:a14="http://schemas.microsoft.com/office/drawing/2010/main" Requires="a14">
+          <p:graphicFrame>
+            <p:nvGraphicFramePr>
+              <p:cNvPr id="4" name="Table 3"/>
+              <p:cNvGraphicFramePr>
+                <a:graphicFrameLocks noGrp="1"/>
+              </p:cNvGraphicFramePr>
+              <p:nvPr>
+                <p:extLst>
+                  <p:ext uri="{D42A27DB-BD31-4B8C-83A1-F6EECF244321}">
+                    <p14:modId xmlns:p14="http://schemas.microsoft.com/office/powerpoint/2010/main" val="638540763"/>
+                  </p:ext>
+                </p:extLst>
+              </p:nvPr>
+            </p:nvGraphicFramePr>
+            <p:xfrm>
+              <a:off x="2426208" y="3635172"/>
+              <a:ext cx="6096000" cy="2675128"/>
+            </p:xfrm>
+            <a:graphic>
+              <a:graphicData uri="http://schemas.openxmlformats.org/drawingml/2006/table">
+                <a:tbl>
+                  <a:tblPr firstRow="1" bandRow="1">
+                    <a:tableStyleId>{5C22544A-7EE6-4342-B048-85BDC9FD1C3A}</a:tableStyleId>
+                  </a:tblPr>
+                  <a:tblGrid>
+                    <a:gridCol w="1524000"/>
+                    <a:gridCol w="1524000"/>
+                    <a:gridCol w="1524000"/>
+                    <a:gridCol w="1524000"/>
+                  </a:tblGrid>
+                  <a:tr h="450088">
+                    <a:tc>
+                      <a:txBody>
+                        <a:bodyPr/>
+                        <a:lstStyle/>
+                        <a:p>
+                          <a:r>
+                            <a:rPr lang="nl-NL" dirty="0" smtClean="0"/>
+                            <a:t>Parameters</a:t>
+                          </a:r>
+                          <a:endParaRPr lang="nl-NL" dirty="0"/>
+                        </a:p>
+                      </a:txBody>
+                      <a:tcPr/>
+                    </a:tc>
+                    <a:tc>
+                      <a:txBody>
+                        <a:bodyPr/>
+                        <a:lstStyle/>
+                        <a:p>
+                          <a:r>
+                            <a:rPr lang="nl-NL" dirty="0" smtClean="0"/>
+                            <a:t>Old value</a:t>
+                          </a:r>
+                          <a:endParaRPr lang="nl-NL" dirty="0"/>
+                        </a:p>
+                      </a:txBody>
+                      <a:tcPr/>
+                    </a:tc>
+                    <a:tc>
+                      <a:txBody>
+                        <a:bodyPr/>
+                        <a:lstStyle/>
+                        <a:p>
+                          <a:r>
+                            <a:rPr lang="nl-NL" dirty="0" smtClean="0"/>
+                            <a:t>New value </a:t>
+                          </a:r>
+                          <a:endParaRPr lang="nl-NL" dirty="0"/>
+                        </a:p>
+                      </a:txBody>
+                      <a:tcPr/>
+                    </a:tc>
+                    <a:tc>
+                      <a:txBody>
+                        <a:bodyPr/>
+                        <a:lstStyle/>
+                        <a:p>
+                          <a:r>
+                            <a:rPr lang="nl-NL" dirty="0" smtClean="0"/>
+                            <a:t>Unit</a:t>
+                          </a:r>
+                          <a:endParaRPr lang="nl-NL" dirty="0"/>
+                        </a:p>
+                      </a:txBody>
+                      <a:tcPr/>
+                    </a:tc>
+                  </a:tr>
+                  <a:tr h="370840">
+                    <a:tc>
+                      <a:txBody>
+                        <a:bodyPr/>
+                        <a:lstStyle/>
+                        <a:p>
+                          <a:r>
+                            <a:rPr lang="nl-NL" dirty="0" smtClean="0"/>
+                            <a:t>I</a:t>
+                          </a:r>
+                          <a:r>
+                            <a:rPr lang="nl-NL" sz="1200" dirty="0" smtClean="0"/>
+                            <a:t>1</a:t>
+                          </a:r>
+                          <a:endParaRPr lang="nl-NL" sz="1200" dirty="0"/>
+                        </a:p>
+                      </a:txBody>
+                      <a:tcPr/>
+                    </a:tc>
+                    <a:tc>
+                      <a:txBody>
+                        <a:bodyPr/>
+                        <a:lstStyle/>
+                        <a:p>
+                          <a:r>
+                            <a:rPr lang="nl-NL" dirty="0" smtClean="0"/>
+                            <a:t>0.074</a:t>
+                          </a:r>
+                          <a:endParaRPr lang="nl-NL" dirty="0"/>
+                        </a:p>
+                      </a:txBody>
+                      <a:tcPr/>
+                    </a:tc>
+                    <a:tc>
+                      <a:txBody>
+                        <a:bodyPr/>
+                        <a:lstStyle/>
+                        <a:p>
+                          <a:r>
+                            <a:rPr lang="nl-NL" dirty="0" smtClean="0"/>
+                            <a:t>0.0029</a:t>
+                          </a:r>
+                          <a:endParaRPr lang="nl-NL" dirty="0"/>
+                        </a:p>
+                      </a:txBody>
+                      <a:tcPr/>
+                    </a:tc>
+                    <a:tc>
+                      <a:txBody>
+                        <a:bodyPr/>
+                        <a:lstStyle/>
+                        <a:p>
+                          <a14:m>
+                            <m:oMathPara xmlns:m="http://schemas.openxmlformats.org/officeDocument/2006/math">
+                              <m:oMathParaPr>
+                                <m:jc m:val="centerGroup"/>
+                              </m:oMathParaPr>
+                              <m:oMath xmlns:m="http://schemas.openxmlformats.org/officeDocument/2006/math">
+                                <m:r>
+                                  <a:rPr lang="nl-NL" b="0" i="1" smtClean="0">
+                                    <a:latin typeface="Cambria Math"/>
+                                  </a:rPr>
+                                  <m:t>𝑘𝑔</m:t>
+                                </m:r>
+                                <m:r>
+                                  <a:rPr lang="nl-NL" b="0" i="1" smtClean="0">
+                                    <a:latin typeface="Cambria Math"/>
+                                    <a:ea typeface="Cambria Math"/>
+                                  </a:rPr>
+                                  <m:t>∙</m:t>
+                                </m:r>
+                                <m:sSup>
+                                  <m:sSupPr>
+                                    <m:ctrlPr>
+                                      <a:rPr lang="nl-NL" b="0" i="1" smtClean="0">
+                                        <a:latin typeface="Cambria Math"/>
+                                        <a:ea typeface="Cambria Math"/>
+                                      </a:rPr>
+                                    </m:ctrlPr>
+                                  </m:sSupPr>
+                                  <m:e>
+                                    <m:r>
+                                      <a:rPr lang="nl-NL" b="0" i="1" smtClean="0">
+                                        <a:latin typeface="Cambria Math"/>
+                                        <a:ea typeface="Cambria Math"/>
+                                      </a:rPr>
+                                      <m:t>𝑚</m:t>
+                                    </m:r>
+                                  </m:e>
+                                  <m:sup>
+                                    <m:r>
+                                      <a:rPr lang="nl-NL" b="0" i="1" smtClean="0">
+                                        <a:latin typeface="Cambria Math"/>
+                                        <a:ea typeface="Cambria Math"/>
+                                      </a:rPr>
+                                      <m:t>2</m:t>
+                                    </m:r>
+                                  </m:sup>
+                                </m:sSup>
+                              </m:oMath>
+                            </m:oMathPara>
+                          </a14:m>
+                          <a:endParaRPr lang="nl-NL" dirty="0"/>
+                        </a:p>
+                      </a:txBody>
+                      <a:tcPr/>
+                    </a:tc>
+                  </a:tr>
+                  <a:tr h="370840">
+                    <a:tc>
+                      <a:txBody>
+                        <a:bodyPr/>
+                        <a:lstStyle/>
+                        <a:p>
+                          <a:r>
+                            <a:rPr lang="nl-NL" dirty="0" smtClean="0"/>
+                            <a:t>b</a:t>
+                          </a:r>
+                          <a:r>
+                            <a:rPr lang="nl-NL" sz="1200" dirty="0" smtClean="0"/>
+                            <a:t>1</a:t>
+                          </a:r>
+                          <a:endParaRPr lang="nl-NL" sz="1200" dirty="0"/>
+                        </a:p>
+                      </a:txBody>
+                      <a:tcPr/>
+                    </a:tc>
+                    <a:tc>
+                      <a:txBody>
+                        <a:bodyPr/>
+                        <a:lstStyle/>
+                        <a:p>
+                          <a:r>
+                            <a:rPr lang="nl-NL" dirty="0" smtClean="0"/>
+                            <a:t>4.8</a:t>
+                          </a:r>
+                          <a:endParaRPr lang="nl-NL" dirty="0"/>
+                        </a:p>
+                      </a:txBody>
+                      <a:tcPr/>
+                    </a:tc>
+                    <a:tc>
+                      <a:txBody>
+                        <a:bodyPr/>
+                        <a:lstStyle/>
+                        <a:p>
+                          <a:r>
+                            <a:rPr lang="nl-NL" dirty="0" smtClean="0"/>
+                            <a:t>5.8039</a:t>
+                          </a:r>
+                          <a:endParaRPr lang="nl-NL" dirty="0"/>
+                        </a:p>
+                      </a:txBody>
+                      <a:tcPr/>
+                    </a:tc>
+                    <a:tc>
+                      <a:txBody>
+                        <a:bodyPr/>
+                        <a:lstStyle/>
+                        <a:p>
+                          <a14:m>
+                            <m:oMathPara xmlns:m="http://schemas.openxmlformats.org/officeDocument/2006/math">
+                              <m:oMathParaPr>
+                                <m:jc m:val="centerGroup"/>
+                              </m:oMathParaPr>
+                              <m:oMath xmlns:m="http://schemas.openxmlformats.org/officeDocument/2006/math">
+                                <m:r>
+                                  <a:rPr lang="nl-NL" b="0" i="1" smtClean="0">
+                                    <a:latin typeface="Cambria Math"/>
+                                  </a:rPr>
+                                  <m:t>𝑘𝑔</m:t>
+                                </m:r>
+                                <m:r>
+                                  <a:rPr lang="nl-NL" b="0" i="1" smtClean="0">
+                                    <a:latin typeface="Cambria Math"/>
+                                  </a:rPr>
+                                  <m:t>/</m:t>
+                                </m:r>
+                                <m:r>
+                                  <a:rPr lang="nl-NL" b="0" i="1" smtClean="0">
+                                    <a:latin typeface="Cambria Math"/>
+                                  </a:rPr>
+                                  <m:t>𝑠</m:t>
+                                </m:r>
+                              </m:oMath>
+                            </m:oMathPara>
+                          </a14:m>
+                          <a:endParaRPr lang="nl-NL" dirty="0"/>
+                        </a:p>
+                      </a:txBody>
+                      <a:tcPr/>
+                    </a:tc>
+                  </a:tr>
+                  <a:tr h="370840">
+                    <a:tc>
+                      <a:txBody>
+                        <a:bodyPr/>
+                        <a:lstStyle/>
+                        <a:p>
+                          <a:r>
+                            <a:rPr lang="nl-NL" dirty="0" smtClean="0"/>
+                            <a:t>I</a:t>
+                          </a:r>
+                          <a:r>
+                            <a:rPr lang="nl-NL" sz="1200" dirty="0" smtClean="0"/>
+                            <a:t>2</a:t>
+                          </a:r>
+                          <a:endParaRPr lang="nl-NL" sz="1200" dirty="0"/>
+                        </a:p>
+                      </a:txBody>
+                      <a:tcPr/>
+                    </a:tc>
+                    <a:tc>
+                      <a:txBody>
+                        <a:bodyPr/>
+                        <a:lstStyle/>
+                        <a:p>
+                          <a:r>
+                            <a:rPr lang="nl-NL" dirty="0" smtClean="0"/>
+                            <a:t>0.00012</a:t>
+                          </a:r>
+                          <a:endParaRPr lang="nl-NL" dirty="0"/>
+                        </a:p>
+                      </a:txBody>
+                      <a:tcPr/>
+                    </a:tc>
+                    <a:tc>
+                      <a:txBody>
+                        <a:bodyPr/>
+                        <a:lstStyle/>
+                        <a:p>
+                          <a:r>
+                            <a:rPr lang="nl-NL" dirty="0" smtClean="0"/>
+                            <a:t>7.8856e</a:t>
+                          </a:r>
+                          <a:r>
+                            <a:rPr lang="nl-NL" baseline="30000" dirty="0" smtClean="0"/>
+                            <a:t> </a:t>
+                          </a:r>
+                          <a:r>
+                            <a:rPr lang="nl-NL" dirty="0" smtClean="0"/>
+                            <a:t>-5</a:t>
+                          </a:r>
+                          <a:endParaRPr lang="nl-NL" dirty="0"/>
+                        </a:p>
+                      </a:txBody>
+                      <a:tcPr/>
+                    </a:tc>
+                    <a:tc>
+                      <a:txBody>
+                        <a:bodyPr/>
+                        <a:lstStyle/>
+                        <a:p>
+                          <a14:m>
+                            <m:oMathPara xmlns:m="http://schemas.openxmlformats.org/officeDocument/2006/math">
+                              <m:oMathParaPr>
+                                <m:jc m:val="centerGroup"/>
+                              </m:oMathParaPr>
+                              <m:oMath xmlns:m="http://schemas.openxmlformats.org/officeDocument/2006/math">
+                                <m:r>
+                                  <a:rPr lang="nl-NL" b="0" i="1" smtClean="0">
+                                    <a:latin typeface="Cambria Math"/>
+                                  </a:rPr>
+                                  <m:t>𝑘𝑔</m:t>
+                                </m:r>
+                                <m:r>
+                                  <a:rPr lang="nl-NL" b="0" i="1" smtClean="0">
+                                    <a:latin typeface="Cambria Math"/>
+                                    <a:ea typeface="Cambria Math"/>
+                                  </a:rPr>
+                                  <m:t>∙</m:t>
+                                </m:r>
+                                <m:sSup>
+                                  <m:sSupPr>
+                                    <m:ctrlPr>
+                                      <a:rPr lang="nl-NL" b="0" i="1" smtClean="0">
+                                        <a:latin typeface="Cambria Math"/>
+                                        <a:ea typeface="Cambria Math"/>
+                                      </a:rPr>
+                                    </m:ctrlPr>
+                                  </m:sSupPr>
+                                  <m:e>
+                                    <m:r>
+                                      <a:rPr lang="nl-NL" b="0" i="1" smtClean="0">
+                                        <a:latin typeface="Cambria Math"/>
+                                        <a:ea typeface="Cambria Math"/>
+                                      </a:rPr>
+                                      <m:t>𝑚</m:t>
+                                    </m:r>
+                                  </m:e>
+                                  <m:sup>
+                                    <m:r>
+                                      <a:rPr lang="nl-NL" b="0" i="1" smtClean="0">
+                                        <a:latin typeface="Cambria Math"/>
+                                        <a:ea typeface="Cambria Math"/>
+                                      </a:rPr>
+                                      <m:t>2</m:t>
+                                    </m:r>
+                                  </m:sup>
+                                </m:sSup>
+                              </m:oMath>
+                            </m:oMathPara>
+                          </a14:m>
+                          <a:endParaRPr lang="nl-NL" dirty="0"/>
+                        </a:p>
+                      </a:txBody>
+                      <a:tcPr/>
+                    </a:tc>
+                  </a:tr>
+                  <a:tr h="370840">
+                    <a:tc>
+                      <a:txBody>
+                        <a:bodyPr/>
+                        <a:lstStyle/>
+                        <a:p>
+                          <a:r>
+                            <a:rPr lang="nl-NL" dirty="0" smtClean="0"/>
+                            <a:t>b</a:t>
+                          </a:r>
+                          <a:r>
+                            <a:rPr lang="nl-NL" sz="1200" dirty="0" smtClean="0"/>
+                            <a:t>2</a:t>
+                          </a:r>
+                          <a:endParaRPr lang="nl-NL" sz="1200" dirty="0"/>
+                        </a:p>
+                      </a:txBody>
+                      <a:tcPr/>
+                    </a:tc>
+                    <a:tc>
+                      <a:txBody>
+                        <a:bodyPr/>
+                        <a:lstStyle/>
+                        <a:p>
+                          <a:r>
+                            <a:rPr lang="nl-NL" dirty="0" smtClean="0"/>
+                            <a:t>0.0002</a:t>
+                          </a:r>
+                          <a:endParaRPr lang="nl-NL" dirty="0"/>
+                        </a:p>
+                      </a:txBody>
+                      <a:tcPr/>
+                    </a:tc>
+                    <a:tc>
+                      <a:txBody>
+                        <a:bodyPr/>
+                        <a:lstStyle/>
+                        <a:p>
+                          <a:r>
+                            <a:rPr lang="nl-NL" dirty="0" smtClean="0"/>
+                            <a:t>3.1250e-5</a:t>
+                          </a:r>
+                          <a:endParaRPr lang="nl-NL" dirty="0"/>
+                        </a:p>
+                      </a:txBody>
+                      <a:tcPr/>
+                    </a:tc>
+                    <a:tc>
+                      <a:txBody>
+                        <a:bodyPr/>
+                        <a:lstStyle/>
+                        <a:p>
+                          <a:pPr marL="0" marR="0" indent="0" algn="l" defTabSz="457200" rtl="0" eaLnBrk="1" fontAlgn="auto" latinLnBrk="0" hangingPunct="1">
+                            <a:lnSpc>
+                              <a:spcPct val="100000"/>
+                            </a:lnSpc>
+                            <a:spcBef>
+                              <a:spcPts val="0"/>
+                            </a:spcBef>
+                            <a:spcAft>
+                              <a:spcPts val="0"/>
+                            </a:spcAft>
+                            <a:buClrTx/>
+                            <a:buSzTx/>
+                            <a:buFontTx/>
+                            <a:buNone/>
+                            <a:tabLst/>
+                            <a:defRPr/>
+                          </a:pPr>
+                          <a14:m>
+                            <m:oMathPara xmlns:m="http://schemas.openxmlformats.org/officeDocument/2006/math">
+                              <m:oMathParaPr>
+                                <m:jc m:val="centerGroup"/>
+                              </m:oMathParaPr>
+                              <m:oMath xmlns:m="http://schemas.openxmlformats.org/officeDocument/2006/math">
+                                <m:r>
+                                  <a:rPr lang="nl-NL" b="0" i="1" smtClean="0">
+                                    <a:latin typeface="Cambria Math"/>
+                                  </a:rPr>
+                                  <m:t>𝑘𝑔</m:t>
+                                </m:r>
+                                <m:r>
+                                  <a:rPr lang="nl-NL" b="0" i="1" smtClean="0">
+                                    <a:latin typeface="Cambria Math"/>
+                                  </a:rPr>
+                                  <m:t>/</m:t>
+                                </m:r>
+                                <m:r>
+                                  <a:rPr lang="nl-NL" b="0" i="1" smtClean="0">
+                                    <a:latin typeface="Cambria Math"/>
+                                  </a:rPr>
+                                  <m:t>𝑠</m:t>
+                                </m:r>
+                              </m:oMath>
+                            </m:oMathPara>
+                          </a14:m>
+                          <a:endParaRPr lang="nl-NL" dirty="0"/>
+                        </a:p>
+                      </a:txBody>
+                      <a:tcPr/>
+                    </a:tc>
+                  </a:tr>
+                  <a:tr h="370840">
+                    <a:tc>
+                      <a:txBody>
+                        <a:bodyPr/>
+                        <a:lstStyle/>
+                        <a:p>
+                          <a:r>
+                            <a:rPr lang="nl-NL" dirty="0" smtClean="0"/>
+                            <a:t>K</a:t>
+                          </a:r>
+                          <a:r>
+                            <a:rPr lang="nl-NL" sz="1200" dirty="0" smtClean="0"/>
+                            <a:t>m</a:t>
+                          </a:r>
+                          <a:endParaRPr lang="nl-NL" sz="1200" dirty="0"/>
+                        </a:p>
+                      </a:txBody>
+                      <a:tcPr/>
+                    </a:tc>
+                    <a:tc>
+                      <a:txBody>
+                        <a:bodyPr/>
+                        <a:lstStyle/>
+                        <a:p>
+                          <a:r>
+                            <a:rPr lang="nl-NL" dirty="0" smtClean="0"/>
+                            <a:t>50</a:t>
+                          </a:r>
+                          <a:endParaRPr lang="nl-NL" dirty="0"/>
+                        </a:p>
+                      </a:txBody>
+                      <a:tcPr/>
+                    </a:tc>
+                    <a:tc>
+                      <a:txBody>
+                        <a:bodyPr/>
+                        <a:lstStyle/>
+                        <a:p>
+                          <a:r>
+                            <a:rPr lang="nl-NL" dirty="0" smtClean="0"/>
+                            <a:t>41.0587</a:t>
+                          </a:r>
+                          <a:endParaRPr lang="nl-NL" dirty="0"/>
+                        </a:p>
+                      </a:txBody>
+                      <a:tcPr/>
+                    </a:tc>
+                    <a:tc>
+                      <a:txBody>
+                        <a:bodyPr/>
+                        <a:lstStyle/>
+                        <a:p>
+                          <a14:m>
+                            <m:oMathPara xmlns:m="http://schemas.openxmlformats.org/officeDocument/2006/math">
+                              <m:oMathParaPr>
+                                <m:jc m:val="centerGroup"/>
+                              </m:oMathParaPr>
+                              <m:oMath xmlns:m="http://schemas.openxmlformats.org/officeDocument/2006/math">
+                                <m:r>
+                                  <a:rPr lang="nl-NL" b="0" i="1" smtClean="0">
+                                    <a:latin typeface="Cambria Math"/>
+                                  </a:rPr>
+                                  <m:t>𝑁𝑚</m:t>
+                                </m:r>
+                              </m:oMath>
+                            </m:oMathPara>
+                          </a14:m>
+                          <a:endParaRPr lang="nl-NL" dirty="0"/>
+                        </a:p>
+                      </a:txBody>
+                      <a:tcPr/>
+                    </a:tc>
+                  </a:tr>
+                  <a:tr h="370840">
+                    <a:tc>
+                      <a:txBody>
+                        <a:bodyPr/>
+                        <a:lstStyle/>
+                        <a:p>
+                          <a:r>
+                            <a:rPr lang="el-GR" sz="1800" dirty="0" smtClean="0"/>
+                            <a:t>τ</a:t>
+                          </a:r>
+                          <a:r>
+                            <a:rPr lang="nl-NL" sz="1200" dirty="0" smtClean="0"/>
+                            <a:t>e</a:t>
+                          </a:r>
+                          <a:endParaRPr lang="nl-NL" sz="1800" dirty="0"/>
+                        </a:p>
+                      </a:txBody>
+                      <a:tcPr/>
+                    </a:tc>
+                    <a:tc>
+                      <a:txBody>
+                        <a:bodyPr/>
+                        <a:lstStyle/>
+                        <a:p>
+                          <a:r>
+                            <a:rPr lang="nl-NL" dirty="0" smtClean="0"/>
+                            <a:t>0.03</a:t>
+                          </a:r>
+                          <a:endParaRPr lang="nl-NL" dirty="0"/>
+                        </a:p>
+                      </a:txBody>
+                      <a:tcPr/>
+                    </a:tc>
+                    <a:tc>
+                      <a:txBody>
+                        <a:bodyPr/>
+                        <a:lstStyle/>
+                        <a:p>
+                          <a:r>
+                            <a:rPr lang="nl-NL" dirty="0" smtClean="0"/>
+                            <a:t>0.0312</a:t>
+                          </a:r>
+                          <a:endParaRPr lang="nl-NL" dirty="0"/>
+                        </a:p>
+                      </a:txBody>
+                      <a:tcPr/>
+                    </a:tc>
+                    <a:tc>
+                      <a:txBody>
+                        <a:bodyPr/>
+                        <a:lstStyle/>
+                        <a:p>
+                          <a14:m>
+                            <m:oMathPara xmlns:m="http://schemas.openxmlformats.org/officeDocument/2006/math">
+                              <m:oMathParaPr>
+                                <m:jc m:val="centerGroup"/>
+                              </m:oMathParaPr>
+                              <m:oMath xmlns:m="http://schemas.openxmlformats.org/officeDocument/2006/math">
+                                <m:r>
+                                  <a:rPr lang="nl-NL" b="0" i="1" smtClean="0">
+                                    <a:latin typeface="Cambria Math"/>
+                                  </a:rPr>
+                                  <m:t>𝑠</m:t>
+                                </m:r>
+                              </m:oMath>
+                            </m:oMathPara>
+                          </a14:m>
+                          <a:endParaRPr lang="nl-NL" dirty="0"/>
+                        </a:p>
+                      </a:txBody>
+                      <a:tcPr/>
+                    </a:tc>
+                  </a:tr>
+                </a:tbl>
+              </a:graphicData>
+            </a:graphic>
+          </p:graphicFrame>
+        </mc:Choice>
+        <mc:Fallback>
+          <p:graphicFrame>
+            <p:nvGraphicFramePr>
+              <p:cNvPr id="4" name="Table 3"/>
+              <p:cNvGraphicFramePr>
+                <a:graphicFrameLocks noGrp="1"/>
+              </p:cNvGraphicFramePr>
+              <p:nvPr>
+                <p:extLst>
+                  <p:ext uri="{D42A27DB-BD31-4B8C-83A1-F6EECF244321}">
+                    <p14:modId xmlns:p14="http://schemas.microsoft.com/office/powerpoint/2010/main" val="638540763"/>
+                  </p:ext>
+                </p:extLst>
+              </p:nvPr>
+            </p:nvGraphicFramePr>
+            <p:xfrm>
+              <a:off x="2426208" y="3635172"/>
+              <a:ext cx="6096000" cy="2675128"/>
+            </p:xfrm>
+            <a:graphic>
+              <a:graphicData uri="http://schemas.openxmlformats.org/drawingml/2006/table">
+                <a:tbl>
+                  <a:tblPr firstRow="1" bandRow="1">
+                    <a:tableStyleId>{5C22544A-7EE6-4342-B048-85BDC9FD1C3A}</a:tableStyleId>
+                  </a:tblPr>
+                  <a:tblGrid>
+                    <a:gridCol w="1524000"/>
+                    <a:gridCol w="1524000"/>
+                    <a:gridCol w="1524000"/>
+                    <a:gridCol w="1524000"/>
+                  </a:tblGrid>
+                  <a:tr h="450088">
+                    <a:tc>
+                      <a:txBody>
+                        <a:bodyPr/>
+                        <a:lstStyle/>
+                        <a:p>
+                          <a:r>
+                            <a:rPr lang="nl-NL" dirty="0" smtClean="0"/>
+                            <a:t>Parameters</a:t>
+                          </a:r>
+                          <a:endParaRPr lang="nl-NL" dirty="0"/>
+                        </a:p>
+                      </a:txBody>
+                      <a:tcPr/>
+                    </a:tc>
+                    <a:tc>
+                      <a:txBody>
+                        <a:bodyPr/>
+                        <a:lstStyle/>
+                        <a:p>
+                          <a:r>
+                            <a:rPr lang="nl-NL" dirty="0" smtClean="0"/>
+                            <a:t>Old value</a:t>
+                          </a:r>
+                          <a:endParaRPr lang="nl-NL" dirty="0"/>
+                        </a:p>
+                      </a:txBody>
+                      <a:tcPr/>
+                    </a:tc>
+                    <a:tc>
+                      <a:txBody>
+                        <a:bodyPr/>
+                        <a:lstStyle/>
+                        <a:p>
+                          <a:r>
+                            <a:rPr lang="nl-NL" dirty="0" smtClean="0"/>
+                            <a:t>New value </a:t>
+                          </a:r>
+                          <a:endParaRPr lang="nl-NL" dirty="0"/>
+                        </a:p>
+                      </a:txBody>
+                      <a:tcPr/>
+                    </a:tc>
+                    <a:tc>
+                      <a:txBody>
+                        <a:bodyPr/>
+                        <a:lstStyle/>
+                        <a:p>
+                          <a:r>
+                            <a:rPr lang="nl-NL" dirty="0" smtClean="0"/>
+                            <a:t>Unit</a:t>
+                          </a:r>
+                          <a:endParaRPr lang="nl-NL" dirty="0"/>
+                        </a:p>
+                      </a:txBody>
+                      <a:tcPr/>
+                    </a:tc>
+                  </a:tr>
+                  <a:tr h="370840">
+                    <a:tc>
+                      <a:txBody>
+                        <a:bodyPr/>
+                        <a:lstStyle/>
+                        <a:p>
+                          <a:r>
+                            <a:rPr lang="nl-NL" dirty="0" smtClean="0"/>
+                            <a:t>I</a:t>
+                          </a:r>
+                          <a:r>
+                            <a:rPr lang="nl-NL" sz="1200" dirty="0" smtClean="0"/>
+                            <a:t>1</a:t>
+                          </a:r>
+                          <a:endParaRPr lang="nl-NL" sz="1200" dirty="0"/>
+                        </a:p>
+                      </a:txBody>
+                      <a:tcPr/>
+                    </a:tc>
+                    <a:tc>
+                      <a:txBody>
+                        <a:bodyPr/>
+                        <a:lstStyle/>
+                        <a:p>
+                          <a:r>
+                            <a:rPr lang="nl-NL" dirty="0" smtClean="0"/>
+                            <a:t>0.074</a:t>
+                          </a:r>
+                          <a:endParaRPr lang="nl-NL" dirty="0"/>
+                        </a:p>
+                      </a:txBody>
+                      <a:tcPr/>
+                    </a:tc>
+                    <a:tc>
+                      <a:txBody>
+                        <a:bodyPr/>
+                        <a:lstStyle/>
+                        <a:p>
+                          <a:r>
+                            <a:rPr lang="nl-NL" dirty="0" smtClean="0"/>
+                            <a:t>0.0029</a:t>
+                          </a:r>
+                          <a:endParaRPr lang="nl-NL" dirty="0"/>
+                        </a:p>
+                      </a:txBody>
+                      <a:tcPr/>
+                    </a:tc>
+                    <a:tc>
+                      <a:txBody>
+                        <a:bodyPr/>
+                        <a:lstStyle/>
+                        <a:p>
+                          <a:endParaRPr lang="nl-NL"/>
+                        </a:p>
+                      </a:txBody>
+                      <a:tcPr>
+                        <a:blipFill rotWithShape="1">
+                          <a:blip r:embed="rId2"/>
+                          <a:stretch>
+                            <a:fillRect l="-300000" t="-129508" b="-522951"/>
+                          </a:stretch>
+                        </a:blipFill>
+                      </a:tcPr>
+                    </a:tc>
+                  </a:tr>
+                  <a:tr h="370840">
+                    <a:tc>
+                      <a:txBody>
+                        <a:bodyPr/>
+                        <a:lstStyle/>
+                        <a:p>
+                          <a:r>
+                            <a:rPr lang="nl-NL" dirty="0" smtClean="0"/>
+                            <a:t>b</a:t>
+                          </a:r>
+                          <a:r>
+                            <a:rPr lang="nl-NL" sz="1200" dirty="0" smtClean="0"/>
+                            <a:t>1</a:t>
+                          </a:r>
+                          <a:endParaRPr lang="nl-NL" sz="1200" dirty="0"/>
+                        </a:p>
+                      </a:txBody>
+                      <a:tcPr/>
+                    </a:tc>
+                    <a:tc>
+                      <a:txBody>
+                        <a:bodyPr/>
+                        <a:lstStyle/>
+                        <a:p>
+                          <a:r>
+                            <a:rPr lang="nl-NL" dirty="0" smtClean="0"/>
+                            <a:t>4.8</a:t>
+                          </a:r>
+                          <a:endParaRPr lang="nl-NL" dirty="0"/>
+                        </a:p>
+                      </a:txBody>
+                      <a:tcPr/>
+                    </a:tc>
+                    <a:tc>
+                      <a:txBody>
+                        <a:bodyPr/>
+                        <a:lstStyle/>
+                        <a:p>
+                          <a:r>
+                            <a:rPr lang="nl-NL" dirty="0" smtClean="0"/>
+                            <a:t>5.8039</a:t>
+                          </a:r>
+                          <a:endParaRPr lang="nl-NL" dirty="0"/>
+                        </a:p>
+                      </a:txBody>
+                      <a:tcPr/>
+                    </a:tc>
+                    <a:tc>
+                      <a:txBody>
+                        <a:bodyPr/>
+                        <a:lstStyle/>
+                        <a:p>
+                          <a:endParaRPr lang="nl-NL"/>
+                        </a:p>
+                      </a:txBody>
+                      <a:tcPr>
+                        <a:blipFill rotWithShape="1">
+                          <a:blip r:embed="rId2"/>
+                          <a:stretch>
+                            <a:fillRect l="-300000" t="-229508" b="-422951"/>
+                          </a:stretch>
+                        </a:blipFill>
+                      </a:tcPr>
+                    </a:tc>
+                  </a:tr>
+                  <a:tr h="370840">
+                    <a:tc>
+                      <a:txBody>
+                        <a:bodyPr/>
+                        <a:lstStyle/>
+                        <a:p>
+                          <a:r>
+                            <a:rPr lang="nl-NL" dirty="0" smtClean="0"/>
+                            <a:t>I</a:t>
+                          </a:r>
+                          <a:r>
+                            <a:rPr lang="nl-NL" sz="1200" dirty="0" smtClean="0"/>
+                            <a:t>2</a:t>
+                          </a:r>
+                          <a:endParaRPr lang="nl-NL" sz="1200" dirty="0"/>
+                        </a:p>
+                      </a:txBody>
+                      <a:tcPr/>
+                    </a:tc>
+                    <a:tc>
+                      <a:txBody>
+                        <a:bodyPr/>
+                        <a:lstStyle/>
+                        <a:p>
+                          <a:r>
+                            <a:rPr lang="nl-NL" dirty="0" smtClean="0"/>
+                            <a:t>0.00012</a:t>
+                          </a:r>
+                          <a:endParaRPr lang="nl-NL" dirty="0"/>
+                        </a:p>
+                      </a:txBody>
+                      <a:tcPr/>
+                    </a:tc>
+                    <a:tc>
+                      <a:txBody>
+                        <a:bodyPr/>
+                        <a:lstStyle/>
+                        <a:p>
+                          <a:r>
+                            <a:rPr lang="nl-NL" dirty="0" smtClean="0"/>
+                            <a:t>7.8856e</a:t>
+                          </a:r>
+                          <a:r>
+                            <a:rPr lang="nl-NL" baseline="30000" dirty="0" smtClean="0"/>
+                            <a:t> </a:t>
+                          </a:r>
+                          <a:r>
+                            <a:rPr lang="nl-NL" dirty="0" smtClean="0"/>
+                            <a:t>-5</a:t>
+                          </a:r>
+                          <a:endParaRPr lang="nl-NL" dirty="0"/>
+                        </a:p>
+                      </a:txBody>
+                      <a:tcPr/>
+                    </a:tc>
+                    <a:tc>
+                      <a:txBody>
+                        <a:bodyPr/>
+                        <a:lstStyle/>
+                        <a:p>
+                          <a:endParaRPr lang="nl-NL"/>
+                        </a:p>
+                      </a:txBody>
+                      <a:tcPr>
+                        <a:blipFill rotWithShape="1">
+                          <a:blip r:embed="rId2"/>
+                          <a:stretch>
+                            <a:fillRect l="-300000" t="-335000" b="-330000"/>
+                          </a:stretch>
+                        </a:blipFill>
+                      </a:tcPr>
+                    </a:tc>
+                  </a:tr>
+                  <a:tr h="370840">
+                    <a:tc>
+                      <a:txBody>
+                        <a:bodyPr/>
+                        <a:lstStyle/>
+                        <a:p>
+                          <a:r>
+                            <a:rPr lang="nl-NL" dirty="0" smtClean="0"/>
+                            <a:t>b</a:t>
+                          </a:r>
+                          <a:r>
+                            <a:rPr lang="nl-NL" sz="1200" dirty="0" smtClean="0"/>
+                            <a:t>2</a:t>
+                          </a:r>
+                          <a:endParaRPr lang="nl-NL" sz="1200" dirty="0"/>
+                        </a:p>
+                      </a:txBody>
+                      <a:tcPr/>
+                    </a:tc>
+                    <a:tc>
+                      <a:txBody>
+                        <a:bodyPr/>
+                        <a:lstStyle/>
+                        <a:p>
+                          <a:r>
+                            <a:rPr lang="nl-NL" dirty="0" smtClean="0"/>
+                            <a:t>0.0002</a:t>
+                          </a:r>
+                          <a:endParaRPr lang="nl-NL" dirty="0"/>
+                        </a:p>
+                      </a:txBody>
+                      <a:tcPr/>
+                    </a:tc>
+                    <a:tc>
+                      <a:txBody>
+                        <a:bodyPr/>
+                        <a:lstStyle/>
+                        <a:p>
+                          <a:r>
+                            <a:rPr lang="nl-NL" dirty="0" smtClean="0"/>
+                            <a:t>3.1250e-5</a:t>
+                          </a:r>
+                          <a:endParaRPr lang="nl-NL" dirty="0"/>
+                        </a:p>
+                      </a:txBody>
+                      <a:tcPr/>
+                    </a:tc>
+                    <a:tc>
+                      <a:txBody>
+                        <a:bodyPr/>
+                        <a:lstStyle/>
+                        <a:p>
+                          <a:endParaRPr lang="nl-NL"/>
+                        </a:p>
+                      </a:txBody>
+                      <a:tcPr>
+                        <a:blipFill rotWithShape="1">
+                          <a:blip r:embed="rId2"/>
+                          <a:stretch>
+                            <a:fillRect l="-300000" t="-427869" b="-224590"/>
+                          </a:stretch>
+                        </a:blipFill>
+                      </a:tcPr>
+                    </a:tc>
+                  </a:tr>
+                  <a:tr h="370840">
+                    <a:tc>
+                      <a:txBody>
+                        <a:bodyPr/>
+                        <a:lstStyle/>
+                        <a:p>
+                          <a:r>
+                            <a:rPr lang="nl-NL" dirty="0" smtClean="0"/>
+                            <a:t>K</a:t>
+                          </a:r>
+                          <a:r>
+                            <a:rPr lang="nl-NL" sz="1200" dirty="0" smtClean="0"/>
+                            <a:t>m</a:t>
+                          </a:r>
+                          <a:endParaRPr lang="nl-NL" sz="1200" dirty="0"/>
+                        </a:p>
+                      </a:txBody>
+                      <a:tcPr/>
+                    </a:tc>
+                    <a:tc>
+                      <a:txBody>
+                        <a:bodyPr/>
+                        <a:lstStyle/>
+                        <a:p>
+                          <a:r>
+                            <a:rPr lang="nl-NL" dirty="0" smtClean="0"/>
+                            <a:t>50</a:t>
+                          </a:r>
+                          <a:endParaRPr lang="nl-NL" dirty="0"/>
+                        </a:p>
+                      </a:txBody>
+                      <a:tcPr/>
+                    </a:tc>
+                    <a:tc>
+                      <a:txBody>
+                        <a:bodyPr/>
+                        <a:lstStyle/>
+                        <a:p>
+                          <a:r>
+                            <a:rPr lang="nl-NL" dirty="0" smtClean="0"/>
+                            <a:t>41.0587</a:t>
+                          </a:r>
+                          <a:endParaRPr lang="nl-NL" dirty="0"/>
+                        </a:p>
+                      </a:txBody>
+                      <a:tcPr/>
+                    </a:tc>
+                    <a:tc>
+                      <a:txBody>
+                        <a:bodyPr/>
+                        <a:lstStyle/>
+                        <a:p>
+                          <a:endParaRPr lang="nl-NL"/>
+                        </a:p>
+                      </a:txBody>
+                      <a:tcPr>
+                        <a:blipFill rotWithShape="1">
+                          <a:blip r:embed="rId2"/>
+                          <a:stretch>
+                            <a:fillRect l="-300000" t="-527869" b="-124590"/>
+                          </a:stretch>
+                        </a:blipFill>
+                      </a:tcPr>
+                    </a:tc>
+                  </a:tr>
+                  <a:tr h="370840">
+                    <a:tc>
+                      <a:txBody>
+                        <a:bodyPr/>
+                        <a:lstStyle/>
+                        <a:p>
+                          <a:r>
+                            <a:rPr lang="el-GR" sz="1800" dirty="0" smtClean="0"/>
+                            <a:t>τ</a:t>
+                          </a:r>
+                          <a:r>
+                            <a:rPr lang="nl-NL" sz="1200" dirty="0" smtClean="0"/>
+                            <a:t>e</a:t>
+                          </a:r>
+                          <a:endParaRPr lang="nl-NL" sz="1800" dirty="0"/>
+                        </a:p>
+                      </a:txBody>
+                      <a:tcPr/>
+                    </a:tc>
+                    <a:tc>
+                      <a:txBody>
+                        <a:bodyPr/>
+                        <a:lstStyle/>
+                        <a:p>
+                          <a:r>
+                            <a:rPr lang="nl-NL" dirty="0" smtClean="0"/>
+                            <a:t>0.03</a:t>
+                          </a:r>
+                          <a:endParaRPr lang="nl-NL" dirty="0"/>
+                        </a:p>
+                      </a:txBody>
+                      <a:tcPr/>
+                    </a:tc>
+                    <a:tc>
+                      <a:txBody>
+                        <a:bodyPr/>
+                        <a:lstStyle/>
+                        <a:p>
+                          <a:r>
+                            <a:rPr lang="nl-NL" dirty="0" smtClean="0"/>
+                            <a:t>0.0312</a:t>
+                          </a:r>
+                          <a:endParaRPr lang="nl-NL" dirty="0"/>
+                        </a:p>
+                      </a:txBody>
+                      <a:tcPr/>
+                    </a:tc>
+                    <a:tc>
+                      <a:txBody>
+                        <a:bodyPr/>
+                        <a:lstStyle/>
+                        <a:p>
+                          <a:endParaRPr lang="nl-NL"/>
+                        </a:p>
+                      </a:txBody>
+                      <a:tcPr>
+                        <a:blipFill rotWithShape="1">
+                          <a:blip r:embed="rId2"/>
+                          <a:stretch>
+                            <a:fillRect l="-300000" t="-627869" b="-24590"/>
+                          </a:stretch>
+                        </a:blipFill>
+                      </a:tcPr>
+                    </a:tc>
+                  </a:tr>
+                </a:tbl>
+              </a:graphicData>
+            </a:graphic>
+          </p:graphicFrame>
+        </mc:Fallback>
+      </mc:AlternateContent>
+      <p:sp>
+        <p:nvSpPr>
+          <p:cNvPr id="5" name="TextBox 4"/>
           <p:cNvSpPr txBox="1"/>
           <p:nvPr/>
         </p:nvSpPr>
         <p:spPr>
           <a:xfrm>
-            <a:off x="-2" y="3200400"/>
-            <a:ext cx="1744133" cy="954107"/>
+            <a:off x="-85346" y="3218688"/>
+            <a:ext cx="1880242" cy="2246769"/>
           </a:xfrm>
           <a:prstGeom prst="rect">
             <a:avLst/>
@@ -10919,7 +8800,15 @@
                   <a:schemeClr val="bg1"/>
                 </a:solidFill>
               </a:rPr>
-              <a:t>- Benchmark model</a:t>
+              <a:t>- </a:t>
+            </a:r>
+            <a:r>
+              <a:rPr lang="nl-NL" sz="1400" dirty="0" smtClean="0">
+                <a:solidFill>
+                  <a:schemeClr val="bg1"/>
+                </a:solidFill>
+              </a:rPr>
+              <a:t>Physical system</a:t>
             </a:r>
             <a:endParaRPr lang="nl-NL" sz="1400" dirty="0">
               <a:solidFill>
@@ -10931,12 +8820,60 @@
             <a:r>
               <a:rPr lang="nl-NL" sz="1400" dirty="0" smtClean="0">
                 <a:solidFill>
+                  <a:schemeClr val="bg1"/>
+                </a:solidFill>
+              </a:rPr>
+              <a:t>- </a:t>
+            </a:r>
+            <a:r>
+              <a:rPr lang="nl-NL" sz="1400" dirty="0" smtClean="0">
+                <a:solidFill>
+                  <a:schemeClr val="bg1"/>
+                </a:solidFill>
+              </a:rPr>
+              <a:t>Black box model</a:t>
+            </a:r>
+            <a:endParaRPr lang="nl-NL" sz="1400" dirty="0" smtClean="0">
+              <a:solidFill>
+                <a:schemeClr val="bg1"/>
+              </a:solidFill>
+            </a:endParaRPr>
+          </a:p>
+          <a:p>
+            <a:r>
+              <a:rPr lang="nl-NL" sz="1400" dirty="0" smtClean="0">
+                <a:solidFill>
+                  <a:schemeClr val="bg1"/>
+                </a:solidFill>
+              </a:rPr>
+              <a:t>- Simulink model</a:t>
+            </a:r>
+          </a:p>
+          <a:p>
+            <a:r>
+              <a:rPr lang="nl-NL" sz="1400" dirty="0" smtClean="0">
+                <a:solidFill>
+                  <a:schemeClr val="bg1"/>
+                </a:solidFill>
+              </a:rPr>
+              <a:t>- Linearisation</a:t>
+            </a:r>
+            <a:endParaRPr lang="nl-NL" sz="1400" dirty="0" smtClean="0">
+              <a:solidFill>
+                <a:schemeClr val="bg1"/>
+              </a:solidFill>
+            </a:endParaRPr>
+          </a:p>
+          <a:p>
+            <a:r>
+              <a:rPr lang="nl-NL" sz="1400" dirty="0" smtClean="0">
+                <a:solidFill>
                   <a:schemeClr val="tx2">
                     <a:lumMod val="50000"/>
                   </a:schemeClr>
                 </a:solidFill>
               </a:rPr>
-              <a:t>- Lean rate controller</a:t>
+              <a:t>- Parameter estimation</a:t>
             </a:r>
           </a:p>
           <a:p>
@@ -10946,7 +8883,7 @@
                   <a:schemeClr val="bg1"/>
                 </a:solidFill>
               </a:rPr>
-              <a:t>- Human controller</a:t>
+              <a:t>- LQR controller</a:t>
             </a:r>
           </a:p>
           <a:p>
@@ -10956,15 +8893,40 @@
                   <a:schemeClr val="bg1"/>
                 </a:solidFill>
               </a:rPr>
-              <a:t>- LQ optimal control</a:t>
-            </a:r>
+              <a:t>- Kalman filter</a:t>
+            </a:r>
+          </a:p>
+          <a:p>
+            <a:r>
+              <a:rPr lang="nl-NL" sz="1400" dirty="0" smtClean="0">
+                <a:solidFill>
+                  <a:schemeClr val="bg1"/>
+                </a:solidFill>
+              </a:rPr>
+              <a:t>- Simulation + visualization</a:t>
+            </a:r>
+          </a:p>
+          <a:p>
+            <a:r>
+              <a:rPr lang="nl-NL" sz="1400" dirty="0" smtClean="0">
+                <a:solidFill>
+                  <a:schemeClr val="bg1"/>
+                </a:solidFill>
+              </a:rPr>
+              <a:t>- Demo</a:t>
+            </a:r>
+            <a:endParaRPr lang="nl-NL" sz="1400" dirty="0" smtClean="0">
+              <a:solidFill>
+                <a:schemeClr val="bg1"/>
+              </a:solidFill>
+            </a:endParaRPr>
           </a:p>
         </p:txBody>
       </p:sp>
     </p:spTree>
     <p:extLst>
       <p:ext uri="{BB962C8B-B14F-4D97-AF65-F5344CB8AC3E}">
-        <p14:creationId xmlns:p14="http://schemas.microsoft.com/office/powerpoint/2010/main" val="2928164638"/>
+        <p14:creationId xmlns:p14="http://schemas.microsoft.com/office/powerpoint/2010/main" val="2523895031"/>
       </p:ext>
     </p:extLst>
   </p:cSld>
@@ -11000,9 +8962,9 @@
       </p:grpSpPr>
       <p:pic>
         <p:nvPicPr>
-          <p:cNvPr id="4" name="Picture 3"/>
+          <p:cNvPr id="4" name="Picture 2" descr="C:\Users\Dick\Documents\GitHub\control-system-lab\dick\Presentation\Parameter estimation\initial_output_system_and_linearisation.png"/>
           <p:cNvPicPr>
-            <a:picLocks noChangeAspect="1"/>
+            <a:picLocks noChangeAspect="1" noChangeArrowheads="1"/>
           </p:cNvPicPr>
           <p:nvPr/>
         </p:nvPicPr>
@@ -11014,30 +8976,41 @@
               </a:ext>
             </a:extLst>
           </a:blip>
+          <a:srcRect/>
           <a:stretch>
             <a:fillRect/>
           </a:stretch>
         </p:blipFill>
-        <p:spPr>
+        <p:spPr bwMode="auto">
           <a:xfrm>
-            <a:off x="1816607" y="678699"/>
-            <a:ext cx="7888223" cy="5236221"/>
+            <a:off x="1798381" y="207264"/>
+            <a:ext cx="7199313" cy="6115051"/>
           </a:xfrm>
           <a:prstGeom prst="rect">
             <a:avLst/>
           </a:prstGeom>
+          <a:noFill/>
+          <a:extLst>
+            <a:ext uri="{909E8E84-426E-40DD-AFC4-6F175D3DCCD1}">
+              <a14:hiddenFill xmlns:a14="http://schemas.microsoft.com/office/drawing/2010/main">
+                <a:solidFill>
+                  <a:srgbClr val="FFFFFF"/>
+                </a:solidFill>
+              </a14:hiddenFill>
+            </a:ext>
+          </a:extLst>
         </p:spPr>
       </p:pic>
       <p:sp>
         <p:nvSpPr>
-          <p:cNvPr id="3" name="TextBox 2"/>
+          <p:cNvPr id="5" name="TextBox 4"/>
           <p:cNvSpPr txBox="1"/>
           <p:nvPr/>
         </p:nvSpPr>
         <p:spPr>
           <a:xfrm>
-            <a:off x="3547872" y="5730254"/>
-            <a:ext cx="4434302" cy="369332"/>
+            <a:off x="-85346" y="3218688"/>
+            <a:ext cx="1880242" cy="2246769"/>
           </a:xfrm>
           <a:prstGeom prst="rect">
             <a:avLst/>
@@ -11051,41 +9024,20 @@
           <a:lstStyle/>
           <a:p>
             <a:r>
-              <a:rPr lang="nl-NL" dirty="0" smtClean="0"/>
-              <a:t>Eigenwaarden van het systeem met Ks = 11</a:t>
-            </a:r>
-          </a:p>
-        </p:txBody>
-      </p:sp>
-      <p:sp>
-        <p:nvSpPr>
-          <p:cNvPr id="6" name="TextBox 5"/>
-          <p:cNvSpPr txBox="1"/>
-          <p:nvPr/>
-        </p:nvSpPr>
-        <p:spPr>
-          <a:xfrm>
-            <a:off x="-2" y="3200400"/>
-            <a:ext cx="1744133" cy="954107"/>
-          </a:xfrm>
-          <a:prstGeom prst="rect">
-            <a:avLst/>
-          </a:prstGeom>
-          <a:noFill/>
-        </p:spPr>
-        <p:txBody>
-          <a:bodyPr wrap="square" rtlCol="0">
-            <a:spAutoFit/>
-          </a:bodyPr>
-          <a:lstStyle/>
-          <a:p>
-            <a:r>
               <a:rPr lang="nl-NL" sz="1400" dirty="0" smtClean="0">
                 <a:solidFill>
                   <a:schemeClr val="bg1"/>
                 </a:solidFill>
               </a:rPr>
-              <a:t>- Benchmark model</a:t>
+              <a:t>- </a:t>
+            </a:r>
+            <a:r>
+              <a:rPr lang="nl-NL" sz="1400" dirty="0" smtClean="0">
+                <a:solidFill>
+                  <a:schemeClr val="bg1"/>
+                </a:solidFill>
+              </a:rPr>
+              <a:t>Physical system</a:t>
             </a:r>
             <a:endParaRPr lang="nl-NL" sz="1400" dirty="0">
               <a:solidFill>
@@ -11097,12 +9049,60 @@
             <a:r>
               <a:rPr lang="nl-NL" sz="1400" dirty="0" smtClean="0">
                 <a:solidFill>
+                  <a:schemeClr val="bg1"/>
+                </a:solidFill>
+              </a:rPr>
+              <a:t>- </a:t>
+            </a:r>
+            <a:r>
+              <a:rPr lang="nl-NL" sz="1400" dirty="0" smtClean="0">
+                <a:solidFill>
+                  <a:schemeClr val="bg1"/>
+                </a:solidFill>
+              </a:rPr>
+              <a:t>Black box model</a:t>
+            </a:r>
+            <a:endParaRPr lang="nl-NL" sz="1400" dirty="0" smtClean="0">
+              <a:solidFill>
+                <a:schemeClr val="bg1"/>
+              </a:solidFill>
+            </a:endParaRPr>
+          </a:p>
+          <a:p>
+            <a:r>
+              <a:rPr lang="nl-NL" sz="1400" dirty="0" smtClean="0">
+                <a:solidFill>
+                  <a:schemeClr val="bg1"/>
+                </a:solidFill>
+              </a:rPr>
+              <a:t>- Simulink model</a:t>
+            </a:r>
+          </a:p>
+          <a:p>
+            <a:r>
+              <a:rPr lang="nl-NL" sz="1400" dirty="0" smtClean="0">
+                <a:solidFill>
+                  <a:schemeClr val="bg1"/>
+                </a:solidFill>
+              </a:rPr>
+              <a:t>- Linearisation</a:t>
+            </a:r>
+            <a:endParaRPr lang="nl-NL" sz="1400" dirty="0" smtClean="0">
+              <a:solidFill>
+                <a:schemeClr val="bg1"/>
+              </a:solidFill>
+            </a:endParaRPr>
+          </a:p>
+          <a:p>
+            <a:r>
+              <a:rPr lang="nl-NL" sz="1400" dirty="0" smtClean="0">
+                <a:solidFill>
                   <a:schemeClr val="tx2">
                     <a:lumMod val="50000"/>
                   </a:schemeClr>
                 </a:solidFill>
               </a:rPr>
-              <a:t>- Lean rate controller</a:t>
+              <a:t>- Parameter estimation</a:t>
             </a:r>
           </a:p>
           <a:p>
@@ -11112,7 +9112,7 @@
                   <a:schemeClr val="bg1"/>
                 </a:solidFill>
               </a:rPr>
-              <a:t>- Human controller</a:t>
+              <a:t>- LQR controller</a:t>
             </a:r>
           </a:p>
           <a:p>
@@ -11122,15 +9122,40 @@
                   <a:schemeClr val="bg1"/>
                 </a:solidFill>
               </a:rPr>
-              <a:t>- LQ optimal control</a:t>
-            </a:r>
+              <a:t>- Kalman filter</a:t>
+            </a:r>
+          </a:p>
+          <a:p>
+            <a:r>
+              <a:rPr lang="nl-NL" sz="1400" dirty="0" smtClean="0">
+                <a:solidFill>
+                  <a:schemeClr val="bg1"/>
+                </a:solidFill>
+              </a:rPr>
+              <a:t>- Simulation + visualization</a:t>
+            </a:r>
+          </a:p>
+          <a:p>
+            <a:r>
+              <a:rPr lang="nl-NL" sz="1400" dirty="0" smtClean="0">
+                <a:solidFill>
+                  <a:schemeClr val="bg1"/>
+                </a:solidFill>
+              </a:rPr>
+              <a:t>- Demo</a:t>
+            </a:r>
+            <a:endParaRPr lang="nl-NL" sz="1400" dirty="0" smtClean="0">
+              <a:solidFill>
+                <a:schemeClr val="bg1"/>
+              </a:solidFill>
+            </a:endParaRPr>
           </a:p>
         </p:txBody>
       </p:sp>
     </p:spTree>
     <p:extLst>
       <p:ext uri="{BB962C8B-B14F-4D97-AF65-F5344CB8AC3E}">
-        <p14:creationId xmlns:p14="http://schemas.microsoft.com/office/powerpoint/2010/main" val="383473589"/>
+        <p14:creationId xmlns:p14="http://schemas.microsoft.com/office/powerpoint/2010/main" val="600390024"/>
       </p:ext>
     </p:extLst>
   </p:cSld>
@@ -11164,38 +9189,9 @@
           <a:chExt cx="0" cy="0"/>
         </a:xfrm>
       </p:grpSpPr>
-      <p:sp>
-        <p:nvSpPr>
-          <p:cNvPr id="3" name="TextBox 2"/>
-          <p:cNvSpPr txBox="1"/>
-          <p:nvPr/>
-        </p:nvSpPr>
-        <p:spPr>
-          <a:xfrm>
-            <a:off x="2904066" y="6421612"/>
-            <a:ext cx="5525008" cy="369332"/>
-          </a:xfrm>
-          <a:prstGeom prst="rect">
-            <a:avLst/>
-          </a:prstGeom>
-          <a:noFill/>
-        </p:spPr>
-        <p:txBody>
-          <a:bodyPr wrap="square" rtlCol="0">
-            <a:spAutoFit/>
-          </a:bodyPr>
-          <a:lstStyle/>
-          <a:p>
-            <a:r>
-              <a:rPr lang="nl-NL" dirty="0" smtClean="0"/>
-              <a:t>Reactie na initiële verstoring van 0.45 rad/s op 1.4 m/s</a:t>
-            </a:r>
-          </a:p>
-        </p:txBody>
-      </p:sp>
       <p:pic>
         <p:nvPicPr>
-          <p:cNvPr id="5123" name="Picture 3" descr="D:\Documenten\Biomedical Engineering\Afstuderen\Active stability control bicycle\Thesis Report\Figures\v14Ks11State1.png"/>
+          <p:cNvPr id="3" name="Picture 3" descr="C:\Users\Dick\Documents\GitHub\control-system-lab\dick\Presentation\Parameter estimation\Parameter estimation link 2.png"/>
           <p:cNvPicPr>
             <a:picLocks noChangeAspect="1" noChangeArrowheads="1"/>
           </p:cNvPicPr>
@@ -11216,8 +9212,8 @@
         </p:blipFill>
         <p:spPr bwMode="auto">
           <a:xfrm>
-            <a:off x="1944687" y="306562"/>
-            <a:ext cx="7199313" cy="6115050"/>
+            <a:off x="1843616" y="768096"/>
+            <a:ext cx="7397920" cy="5548440"/>
           </a:xfrm>
           <a:prstGeom prst="rect">
             <a:avLst/>
@@ -11236,14 +9232,14 @@
       </p:pic>
       <p:sp>
         <p:nvSpPr>
-          <p:cNvPr id="5" name="TextBox 4"/>
+          <p:cNvPr id="4" name="TextBox 3"/>
           <p:cNvSpPr txBox="1"/>
           <p:nvPr/>
         </p:nvSpPr>
         <p:spPr>
           <a:xfrm>
-            <a:off x="-2" y="3200400"/>
-            <a:ext cx="1744133" cy="954107"/>
+            <a:off x="-85346" y="3218688"/>
+            <a:ext cx="1880242" cy="2246769"/>
           </a:xfrm>
           <a:prstGeom prst="rect">
             <a:avLst/>
@@ -11262,7 +9258,15 @@
                   <a:schemeClr val="bg1"/>
                 </a:solidFill>
               </a:rPr>
-              <a:t>- Benchmark model</a:t>
+              <a:t>- </a:t>
+            </a:r>
+            <a:r>
+              <a:rPr lang="nl-NL" sz="1400" dirty="0" smtClean="0">
+                <a:solidFill>
+                  <a:schemeClr val="bg1"/>
+                </a:solidFill>
+              </a:rPr>
+              <a:t>Physical system</a:t>
             </a:r>
             <a:endParaRPr lang="nl-NL" sz="1400" dirty="0">
               <a:solidFill>
@@ -11274,12 +9278,60 @@
             <a:r>
               <a:rPr lang="nl-NL" sz="1400" dirty="0" smtClean="0">
                 <a:solidFill>
+                  <a:schemeClr val="bg1"/>
+                </a:solidFill>
+              </a:rPr>
+              <a:t>- </a:t>
+            </a:r>
+            <a:r>
+              <a:rPr lang="nl-NL" sz="1400" dirty="0" smtClean="0">
+                <a:solidFill>
+                  <a:schemeClr val="bg1"/>
+                </a:solidFill>
+              </a:rPr>
+              <a:t>Black box model</a:t>
+            </a:r>
+            <a:endParaRPr lang="nl-NL" sz="1400" dirty="0" smtClean="0">
+              <a:solidFill>
+                <a:schemeClr val="bg1"/>
+              </a:solidFill>
+            </a:endParaRPr>
+          </a:p>
+          <a:p>
+            <a:r>
+              <a:rPr lang="nl-NL" sz="1400" dirty="0" smtClean="0">
+                <a:solidFill>
+                  <a:schemeClr val="bg1"/>
+                </a:solidFill>
+              </a:rPr>
+              <a:t>- Simulink model</a:t>
+            </a:r>
+          </a:p>
+          <a:p>
+            <a:r>
+              <a:rPr lang="nl-NL" sz="1400" dirty="0" smtClean="0">
+                <a:solidFill>
+                  <a:schemeClr val="bg1"/>
+                </a:solidFill>
+              </a:rPr>
+              <a:t>- Linearisation</a:t>
+            </a:r>
+            <a:endParaRPr lang="nl-NL" sz="1400" dirty="0" smtClean="0">
+              <a:solidFill>
+                <a:schemeClr val="bg1"/>
+              </a:solidFill>
+            </a:endParaRPr>
+          </a:p>
+          <a:p>
+            <a:r>
+              <a:rPr lang="nl-NL" sz="1400" dirty="0" smtClean="0">
+                <a:solidFill>
                   <a:schemeClr val="tx2">
                     <a:lumMod val="50000"/>
                   </a:schemeClr>
                 </a:solidFill>
               </a:rPr>
-              <a:t>- Lean rate controller</a:t>
+              <a:t>- Parameter estimation</a:t>
             </a:r>
           </a:p>
           <a:p>
@@ -11289,7 +9341,7 @@
                   <a:schemeClr val="bg1"/>
                 </a:solidFill>
               </a:rPr>
-              <a:t>- Human controller</a:t>
+              <a:t>- LQR controller</a:t>
             </a:r>
           </a:p>
           <a:p>
@@ -11299,15 +9351,40 @@
                   <a:schemeClr val="bg1"/>
                 </a:solidFill>
               </a:rPr>
-              <a:t>- LQ optimal control</a:t>
-            </a:r>
+              <a:t>- Kalman filter</a:t>
+            </a:r>
+          </a:p>
+          <a:p>
+            <a:r>
+              <a:rPr lang="nl-NL" sz="1400" dirty="0" smtClean="0">
+                <a:solidFill>
+                  <a:schemeClr val="bg1"/>
+                </a:solidFill>
+              </a:rPr>
+              <a:t>- Simulation + visualization</a:t>
+            </a:r>
+          </a:p>
+          <a:p>
+            <a:r>
+              <a:rPr lang="nl-NL" sz="1400" dirty="0" smtClean="0">
+                <a:solidFill>
+                  <a:schemeClr val="bg1"/>
+                </a:solidFill>
+              </a:rPr>
+              <a:t>- Demo</a:t>
+            </a:r>
+            <a:endParaRPr lang="nl-NL" sz="1400" dirty="0" smtClean="0">
+              <a:solidFill>
+                <a:schemeClr val="bg1"/>
+              </a:solidFill>
+            </a:endParaRPr>
           </a:p>
         </p:txBody>
       </p:sp>
     </p:spTree>
     <p:extLst>
       <p:ext uri="{BB962C8B-B14F-4D97-AF65-F5344CB8AC3E}">
-        <p14:creationId xmlns:p14="http://schemas.microsoft.com/office/powerpoint/2010/main" val="1406224495"/>
+        <p14:creationId xmlns:p14="http://schemas.microsoft.com/office/powerpoint/2010/main" val="2444757823"/>
       </p:ext>
     </p:extLst>
   </p:cSld>
